--- a/spring13/slides13/russell-paradox.pptx
+++ b/spring13/slides13/russell-paradox.pptx
@@ -2601,23 +2601,7 @@
                 <a:latin typeface="Comic Sans MS" pitchFamily="66" charset="0"/>
                 <a:cs typeface="Comic Sans MS"/>
               </a:rPr>
-              <a:t>Albert R Meyer,      March </a:t>
-            </a:r>
-            <a:r>
-              <a:rPr kumimoji="0" lang="en-US" sz="1200" b="0" i="0" u="none" strike="noStrike" kern="1200" cap="none" spc="0" normalizeH="0" baseline="0" noProof="0" dirty="0" smtClean="0">
-                <a:ln>
-                  <a:noFill/>
-                </a:ln>
-                <a:solidFill>
-                  <a:schemeClr val="tx1"/>
-                </a:solidFill>
-                <a:effectLst/>
-                <a:uLnTx/>
-                <a:uFillTx/>
-                <a:latin typeface="Comic Sans MS" pitchFamily="66" charset="0"/>
-                <a:cs typeface="Comic Sans MS"/>
-              </a:rPr>
-              <a:t>4, 2013</a:t>
+              <a:t>Albert R Meyer,      March 4, 2013</a:t>
             </a:r>
             <a:endParaRPr kumimoji="0" lang="en-US" sz="1200" b="0" i="0" u="none" strike="noStrike" kern="1200" cap="none" spc="0" normalizeH="0" baseline="0" noProof="0" dirty="0">
               <a:ln>
@@ -3253,7 +3237,7 @@
 </file>
 
 <file path=ppt/slides/slide10.xml><?xml version="1.0" encoding="utf-8"?>
-<p:sld xmlns:a="http://schemas.openxmlformats.org/drawingml/2006/main" xmlns:r="http://schemas.openxmlformats.org/officeDocument/2006/relationships" xmlns:p="http://schemas.openxmlformats.org/presentationml/2006/main">
+<p:sld xmlns:a="http://schemas.openxmlformats.org/drawingml/2006/main" xmlns:r="http://schemas.openxmlformats.org/officeDocument/2006/relationships" xmlns:p="http://schemas.openxmlformats.org/presentationml/2006/main" show="0">
   <p:cSld>
     <p:spTree>
       <p:nvGrpSpPr>
@@ -4482,13 +4466,13 @@
   <p:clrMapOvr>
     <a:masterClrMapping/>
   </p:clrMapOvr>
-  <mc:AlternateContent xmlns:mc="http://schemas.openxmlformats.org/markup-compatibility/2006" xmlns:p14="http://schemas.microsoft.com/office/powerpoint/2010/main">
-    <mc:Choice Requires="p14">
+  <mc:AlternateContent xmlns:mc="http://schemas.openxmlformats.org/markup-compatibility/2006">
+    <mc:Choice xmlns:p14="http://schemas.microsoft.com/office/powerpoint/2010/main" Requires="p14">
       <p:transition spd="med" p14:dur="700">
         <p:fade/>
       </p:transition>
     </mc:Choice>
-    <mc:Fallback xmlns="">
+    <mc:Fallback>
       <p:transition xmlns:p14="http://schemas.microsoft.com/office/powerpoint/2010/main" spd="med">
         <p:fade/>
       </p:transition>
@@ -7117,7 +7101,7 @@
           <a:graphicData uri="http://schemas.openxmlformats.org/presentationml/2006/ole">
             <mc:AlternateContent xmlns:mc="http://schemas.openxmlformats.org/markup-compatibility/2006">
               <mc:Choice xmlns:v="urn:schemas-microsoft-com:vml" Requires="v">
-                <p:oleObj spid="_x0000_s58541" name="Equation" r:id="rId5" imgW="1841400" imgH="279360" progId="Equation.DSMT4">
+                <p:oleObj spid="_x0000_s58545" name="Equation" r:id="rId5" imgW="1841400" imgH="279360" progId="Equation.DSMT4">
                   <p:embed/>
                 </p:oleObj>
               </mc:Choice>
@@ -7187,7 +7171,7 @@
           <a:graphicData uri="http://schemas.openxmlformats.org/presentationml/2006/ole">
             <mc:AlternateContent xmlns:mc="http://schemas.openxmlformats.org/markup-compatibility/2006">
               <mc:Choice xmlns:v="urn:schemas-microsoft-com:vml" Requires="v">
-                <p:oleObj spid="_x0000_s58542" name="Equation" r:id="rId7" imgW="1600200" imgH="279360" progId="Equation.DSMT4">
+                <p:oleObj spid="_x0000_s58546" name="Equation" r:id="rId7" imgW="1600200" imgH="279360" progId="Equation.DSMT4">
                   <p:embed/>
                 </p:oleObj>
               </mc:Choice>
@@ -7257,7 +7241,7 @@
           <a:graphicData uri="http://schemas.openxmlformats.org/presentationml/2006/ole">
             <mc:AlternateContent xmlns:mc="http://schemas.openxmlformats.org/markup-compatibility/2006">
               <mc:Choice xmlns:v="urn:schemas-microsoft-com:vml" Requires="v">
-                <p:oleObj spid="_x0000_s58543" name="Equation" r:id="rId9" imgW="1574640" imgH="279360" progId="Equation.DSMT4">
+                <p:oleObj spid="_x0000_s58547" name="Equation" r:id="rId9" imgW="1574640" imgH="279360" progId="Equation.DSMT4">
                   <p:embed/>
                 </p:oleObj>
               </mc:Choice>
@@ -8039,7 +8023,7 @@
           <a:graphicData uri="http://schemas.openxmlformats.org/presentationml/2006/ole">
             <mc:AlternateContent xmlns:mc="http://schemas.openxmlformats.org/markup-compatibility/2006">
               <mc:Choice xmlns:v="urn:schemas-microsoft-com:vml" Requires="v">
-                <p:oleObj spid="_x0000_s59465" name="Equation" r:id="rId5" imgW="1790640" imgH="279360" progId="Equation.DSMT4">
+                <p:oleObj spid="_x0000_s59467" name="Equation" r:id="rId5" imgW="1790640" imgH="279360" progId="Equation.DSMT4">
                   <p:embed/>
                 </p:oleObj>
               </mc:Choice>
@@ -9230,7 +9214,7 @@
           <a:graphicData uri="http://schemas.openxmlformats.org/presentationml/2006/ole">
             <mc:AlternateContent xmlns:mc="http://schemas.openxmlformats.org/markup-compatibility/2006">
               <mc:Choice xmlns:v="urn:schemas-microsoft-com:vml" Requires="v">
-                <p:oleObj spid="_x0000_s1147" name="Equation" r:id="rId4" imgW="2133600" imgH="215900" progId="Equation.DSMT4">
+                <p:oleObj spid="_x0000_s1150" name="Equation" r:id="rId4" imgW="2133600" imgH="215900" progId="Equation.DSMT4">
                   <p:embed/>
                 </p:oleObj>
               </mc:Choice>
@@ -9355,7 +9339,7 @@
           <a:graphicData uri="http://schemas.openxmlformats.org/presentationml/2006/ole">
             <mc:AlternateContent xmlns:mc="http://schemas.openxmlformats.org/markup-compatibility/2006">
               <mc:Choice xmlns:v="urn:schemas-microsoft-com:vml" Requires="v">
-                <p:oleObj spid="_x0000_s1148" name="Equation" r:id="rId6" imgW="1549400" imgH="215900" progId="Equation.DSMT4">
+                <p:oleObj spid="_x0000_s1151" name="Equation" r:id="rId6" imgW="1549400" imgH="215900" progId="Equation.DSMT4">
                   <p:embed/>
                 </p:oleObj>
               </mc:Choice>
@@ -10330,7 +10314,7 @@
           <a:graphicData uri="http://schemas.openxmlformats.org/presentationml/2006/ole">
             <mc:AlternateContent xmlns:mc="http://schemas.openxmlformats.org/markup-compatibility/2006">
               <mc:Choice xmlns:v="urn:schemas-microsoft-com:vml" Requires="v">
-                <p:oleObj spid="_x0000_s56539" name="Equation" r:id="rId4" imgW="698500" imgH="381000" progId="Equation.DSMT4">
+                <p:oleObj spid="_x0000_s56544" name="Equation" r:id="rId4" imgW="698500" imgH="381000" progId="Equation.DSMT4">
                   <p:embed/>
                 </p:oleObj>
               </mc:Choice>
@@ -10470,7 +10454,7 @@
           <a:graphicData uri="http://schemas.openxmlformats.org/presentationml/2006/ole">
             <mc:AlternateContent xmlns:mc="http://schemas.openxmlformats.org/markup-compatibility/2006">
               <mc:Choice xmlns:v="urn:schemas-microsoft-com:vml" Requires="v">
-                <p:oleObj spid="_x0000_s56540" name="Equation" r:id="rId6" imgW="977900" imgH="330200" progId="Equation.DSMT4">
+                <p:oleObj spid="_x0000_s56545" name="Equation" r:id="rId6" imgW="977900" imgH="330200" progId="Equation.DSMT4">
                   <p:embed/>
                 </p:oleObj>
               </mc:Choice>
@@ -10540,7 +10524,7 @@
           <a:graphicData uri="http://schemas.openxmlformats.org/presentationml/2006/ole">
             <mc:AlternateContent xmlns:mc="http://schemas.openxmlformats.org/markup-compatibility/2006">
               <mc:Choice xmlns:v="urn:schemas-microsoft-com:vml" Requires="v">
-                <p:oleObj spid="_x0000_s56541" name="Equation" r:id="rId8" imgW="965200" imgH="330200" progId="Equation.DSMT4">
+                <p:oleObj spid="_x0000_s56546" name="Equation" r:id="rId8" imgW="965200" imgH="330200" progId="Equation.DSMT4">
                   <p:embed/>
                 </p:oleObj>
               </mc:Choice>
@@ -10610,7 +10594,7 @@
           <a:graphicData uri="http://schemas.openxmlformats.org/presentationml/2006/ole">
             <mc:AlternateContent xmlns:mc="http://schemas.openxmlformats.org/markup-compatibility/2006">
               <mc:Choice xmlns:v="urn:schemas-microsoft-com:vml" Requires="v">
-                <p:oleObj spid="_x0000_s56542" name="Equation" r:id="rId10" imgW="647700" imgH="381000" progId="Equation.DSMT4">
+                <p:oleObj spid="_x0000_s56547" name="Equation" r:id="rId10" imgW="647700" imgH="381000" progId="Equation.DSMT4">
                   <p:embed/>
                 </p:oleObj>
               </mc:Choice>
@@ -11114,7 +11098,7 @@
           <a:graphicData uri="http://schemas.openxmlformats.org/presentationml/2006/ole">
             <mc:AlternateContent xmlns:mc="http://schemas.openxmlformats.org/markup-compatibility/2006">
               <mc:Choice xmlns:v="urn:schemas-microsoft-com:vml" Requires="v">
-                <p:oleObj spid="_x0000_s57465" name="Equation" r:id="rId4" imgW="1524000" imgH="406400" progId="Equation.DSMT4">
+                <p:oleObj spid="_x0000_s57468" name="Equation" r:id="rId4" imgW="1524000" imgH="406400" progId="Equation.DSMT4">
                   <p:embed/>
                 </p:oleObj>
               </mc:Choice>
@@ -11178,7 +11162,7 @@
           <a:graphicData uri="http://schemas.openxmlformats.org/presentationml/2006/ole">
             <mc:AlternateContent xmlns:mc="http://schemas.openxmlformats.org/markup-compatibility/2006">
               <mc:Choice xmlns:v="urn:schemas-microsoft-com:vml" Requires="v">
-                <p:oleObj spid="_x0000_s57466" name="Equation" r:id="rId6" imgW="1384200" imgH="266400" progId="Equation.DSMT4">
+                <p:oleObj spid="_x0000_s57469" name="Equation" r:id="rId6" imgW="1384200" imgH="266400" progId="Equation.DSMT4">
                   <p:embed/>
                 </p:oleObj>
               </mc:Choice>
@@ -17394,8 +17378,45 @@
                   <a:srgbClr val="0000FF"/>
                 </a:solidFill>
               </a:rPr>
-              <a:t>(0…)</a:t>
-            </a:r>
+              <a:t>(0</a:t>
+            </a:r>
+            <a:r>
+              <a:rPr lang="da-DK" sz="4800" dirty="0" smtClean="0">
+                <a:solidFill>
+                  <a:srgbClr val="0000FF"/>
+                </a:solidFill>
+              </a:rPr>
+              <a:t>…2</a:t>
+            </a:r>
+            <a:r>
+              <a:rPr lang="da-DK" sz="4800" dirty="0" smtClean="0">
+                <a:solidFill>
+                  <a:srgbClr val="0000FF"/>
+                </a:solidFill>
+              </a:rPr>
+              <a:t>) </a:t>
+            </a:r>
+            <a:r>
+              <a:rPr lang="da-DK" sz="4800" dirty="0">
+                <a:solidFill>
+                  <a:srgbClr val="0000FF"/>
+                </a:solidFill>
+              </a:rPr>
+              <a:t>2</a:t>
+            </a:r>
+            <a:r>
+              <a:rPr lang="da-DK" sz="4800" dirty="0" smtClean="0">
+                <a:solidFill>
+                  <a:srgbClr val="0000FF"/>
+                </a:solidFill>
+              </a:rPr>
+              <a:t>) 2)</a:t>
+            </a:r>
+            <a:endParaRPr lang="da-DK" sz="4800" dirty="0">
+              <a:solidFill>
+                <a:srgbClr val="0000FF"/>
+              </a:solidFill>
+            </a:endParaRPr>
           </a:p>
           <a:p>
             <a:pPr algn="ctr"/>

--- a/spring13/slides13/russell-paradox.pptx
+++ b/spring13/slides13/russell-paradox.pptx
@@ -1781,6 +1781,18 @@
   <p:clrMapOvr>
     <a:masterClrMapping/>
   </p:clrMapOvr>
+  <mc:AlternateContent xmlns:mc="http://schemas.openxmlformats.org/markup-compatibility/2006">
+    <mc:Choice xmlns:p14="http://schemas.microsoft.com/office/powerpoint/2010/main" Requires="p14">
+      <p:transition spd="slow" p14:dur="900" advClick="0">
+        <p:fade/>
+      </p:transition>
+    </mc:Choice>
+    <mc:Fallback>
+      <p:transition xmlns:p14="http://schemas.microsoft.com/office/powerpoint/2010/main" spd="slow" advClick="0">
+        <p:fade/>
+      </p:transition>
+    </mc:Fallback>
+  </mc:AlternateContent>
   <p:timing>
     <p:tnLst>
       <p:par>
@@ -1920,6 +1932,18 @@
   <p:clrMapOvr>
     <a:masterClrMapping/>
   </p:clrMapOvr>
+  <mc:AlternateContent xmlns:mc="http://schemas.openxmlformats.org/markup-compatibility/2006">
+    <mc:Choice xmlns:p14="http://schemas.microsoft.com/office/powerpoint/2010/main" Requires="p14">
+      <p:transition spd="slow" p14:dur="900" advClick="0">
+        <p:fade/>
+      </p:transition>
+    </mc:Choice>
+    <mc:Fallback>
+      <p:transition xmlns:p14="http://schemas.microsoft.com/office/powerpoint/2010/main" spd="slow" advClick="0">
+        <p:fade/>
+      </p:transition>
+    </mc:Fallback>
+  </mc:AlternateContent>
   <p:timing>
     <p:tnLst>
       <p:par>
@@ -2049,6 +2073,18 @@
   <p:clrMapOvr>
     <a:masterClrMapping/>
   </p:clrMapOvr>
+  <mc:AlternateContent xmlns:mc="http://schemas.openxmlformats.org/markup-compatibility/2006">
+    <mc:Choice xmlns:p14="http://schemas.microsoft.com/office/powerpoint/2010/main" Requires="p14">
+      <p:transition spd="slow" p14:dur="900" advClick="0">
+        <p:fade/>
+      </p:transition>
+    </mc:Choice>
+    <mc:Fallback>
+      <p:transition xmlns:p14="http://schemas.microsoft.com/office/powerpoint/2010/main" spd="slow" advClick="0">
+        <p:fade/>
+      </p:transition>
+    </mc:Fallback>
+  </mc:AlternateContent>
   <p:timing>
     <p:tnLst>
       <p:par>
@@ -2104,6 +2140,18 @@
   <p:clrMapOvr>
     <a:masterClrMapping/>
   </p:clrMapOvr>
+  <mc:AlternateContent xmlns:mc="http://schemas.openxmlformats.org/markup-compatibility/2006">
+    <mc:Choice xmlns:p14="http://schemas.microsoft.com/office/powerpoint/2010/main" Requires="p14">
+      <p:transition spd="slow" p14:dur="900" advClick="0">
+        <p:fade/>
+      </p:transition>
+    </mc:Choice>
+    <mc:Fallback>
+      <p:transition xmlns:p14="http://schemas.microsoft.com/office/powerpoint/2010/main" spd="slow" advClick="0">
+        <p:fade/>
+      </p:transition>
+    </mc:Fallback>
+  </mc:AlternateContent>
   <p:timing>
     <p:tnLst>
       <p:par>
@@ -2136,6 +2184,18 @@
   <p:clrMapOvr>
     <a:masterClrMapping/>
   </p:clrMapOvr>
+  <mc:AlternateContent xmlns:mc="http://schemas.openxmlformats.org/markup-compatibility/2006">
+    <mc:Choice xmlns:p14="http://schemas.microsoft.com/office/powerpoint/2010/main" Requires="p14">
+      <p:transition spd="slow" p14:dur="900" advClick="0">
+        <p:fade/>
+      </p:transition>
+    </mc:Choice>
+    <mc:Fallback>
+      <p:transition xmlns:p14="http://schemas.microsoft.com/office/powerpoint/2010/main" spd="slow" advClick="0">
+        <p:fade/>
+      </p:transition>
+    </mc:Fallback>
+  </mc:AlternateContent>
   <p:timing>
     <p:tnLst>
       <p:par>
@@ -2326,6 +2386,18 @@
   <p:clrMapOvr>
     <a:masterClrMapping/>
   </p:clrMapOvr>
+  <mc:AlternateContent xmlns:mc="http://schemas.openxmlformats.org/markup-compatibility/2006">
+    <mc:Choice xmlns:p14="http://schemas.microsoft.com/office/powerpoint/2010/main" Requires="p14">
+      <p:transition spd="slow" p14:dur="900" advClick="0">
+        <p:fade/>
+      </p:transition>
+    </mc:Choice>
+    <mc:Fallback>
+      <p:transition xmlns:p14="http://schemas.microsoft.com/office/powerpoint/2010/main" spd="slow" advClick="0">
+        <p:fade/>
+      </p:transition>
+    </mc:Fallback>
+  </mc:AlternateContent>
   <p:timing>
     <p:tnLst>
       <p:par>
@@ -2654,6 +2726,18 @@
     <p:sldLayoutId id="2147483657" r:id="rId5"/>
     <p:sldLayoutId id="2147483659" r:id="rId6"/>
   </p:sldLayoutIdLst>
+  <mc:AlternateContent xmlns:mc="http://schemas.openxmlformats.org/markup-compatibility/2006">
+    <mc:Choice xmlns:p14="http://schemas.microsoft.com/office/powerpoint/2010/main" Requires="p14">
+      <p:transition spd="slow" p14:dur="900" advClick="0">
+        <p:fade/>
+      </p:transition>
+    </mc:Choice>
+    <mc:Fallback>
+      <p:transition xmlns:p14="http://schemas.microsoft.com/office/powerpoint/2010/main" spd="slow" advClick="0">
+        <p:fade/>
+      </p:transition>
+    </mc:Fallback>
+  </mc:AlternateContent>
   <p:timing>
     <p:tnLst>
       <p:par>
@@ -3218,12 +3302,12 @@
   <p:clrMapOvr>
     <a:masterClrMapping/>
   </p:clrMapOvr>
-  <mc:AlternateContent xmlns:mc="http://schemas.openxmlformats.org/markup-compatibility/2006" xmlns:p14="http://schemas.microsoft.com/office/powerpoint/2010/main">
-    <mc:Choice Requires="p14">
-      <p:transition spd="slow" p14:dur="2000" advTm="47159"/>
+  <mc:AlternateContent xmlns:mc="http://schemas.openxmlformats.org/markup-compatibility/2006">
+    <mc:Choice xmlns:p14="http://schemas.microsoft.com/office/powerpoint/2010/main" Requires="p14">
+      <p:transition p14:dur="0" advClick="0"/>
     </mc:Choice>
-    <mc:Fallback xmlns="">
-      <p:transition xmlns:p14="http://schemas.microsoft.com/office/powerpoint/2010/main" spd="slow" advTm="47159"/>
+    <mc:Fallback>
+      <p:transition xmlns:p14="http://schemas.microsoft.com/office/powerpoint/2010/main" advClick="0"/>
     </mc:Fallback>
   </mc:AlternateContent>
   <p:timing>
@@ -4450,7 +4534,7 @@
           <a:p>
             <a:r>
               <a:rPr lang="en-US" sz="4000" dirty="0" smtClean="0"/>
-              <a:t>Self membership, application</a:t>
+              <a:t>Self membership</a:t>
             </a:r>
             <a:endParaRPr lang="en-US" sz="4000" dirty="0"/>
           </a:p>
@@ -4468,12 +4552,12 @@
   </p:clrMapOvr>
   <mc:AlternateContent xmlns:mc="http://schemas.openxmlformats.org/markup-compatibility/2006">
     <mc:Choice xmlns:p14="http://schemas.microsoft.com/office/powerpoint/2010/main" Requires="p14">
-      <p:transition spd="med" p14:dur="700">
+      <p:transition spd="slow" p14:dur="900" advClick="0">
         <p:fade/>
       </p:transition>
     </mc:Choice>
     <mc:Fallback>
-      <p:transition xmlns:p14="http://schemas.microsoft.com/office/powerpoint/2010/main" spd="med">
+      <p:transition xmlns:p14="http://schemas.microsoft.com/office/powerpoint/2010/main" spd="slow" advClick="0">
         <p:fade/>
       </p:transition>
     </mc:Fallback>
@@ -4716,7 +4800,7 @@
           <a:p>
             <a:r>
               <a:rPr lang="en-US" sz="4000" dirty="0" smtClean="0"/>
-              <a:t>Self membership, application</a:t>
+              <a:t>Self application</a:t>
             </a:r>
             <a:endParaRPr lang="en-US" sz="4000" dirty="0"/>
           </a:p>
@@ -4732,18 +4816,9 @@
   <p:clrMapOvr>
     <a:masterClrMapping/>
   </p:clrMapOvr>
-  <mc:AlternateContent xmlns:mc="http://schemas.openxmlformats.org/markup-compatibility/2006" xmlns:p14="http://schemas.microsoft.com/office/powerpoint/2010/main">
-    <mc:Choice Requires="p14">
-      <p:transition spd="slow" p14:dur="1200">
-        <p:fade thruBlk="1"/>
-      </p:transition>
-    </mc:Choice>
-    <mc:Fallback xmlns="">
-      <p:transition xmlns:p14="http://schemas.microsoft.com/office/powerpoint/2010/main" spd="slow">
-        <p:fade thruBlk="1"/>
-      </p:transition>
-    </mc:Fallback>
-  </mc:AlternateContent>
+  <p:transition xmlns:p14="http://schemas.microsoft.com/office/powerpoint/2010/main" spd="slow" advClick="0">
+    <p:fade thruBlk="1"/>
+  </p:transition>
   <p:timing>
     <p:tnLst>
       <p:par>
@@ -5282,7 +5357,7 @@
       </p:sp>
       <p:sp>
         <p:nvSpPr>
-          <p:cNvPr id="5" name="Title 1"/>
+          <p:cNvPr id="6" name="Title 1"/>
           <p:cNvSpPr>
             <a:spLocks noGrp="1"/>
           </p:cNvSpPr>
@@ -5302,7 +5377,7 @@
           <a:p>
             <a:r>
               <a:rPr lang="en-US" sz="4000" dirty="0" smtClean="0"/>
-              <a:t>Self membership, application</a:t>
+              <a:t>Self application</a:t>
             </a:r>
             <a:endParaRPr lang="en-US" sz="4000" dirty="0"/>
           </a:p>
@@ -5318,14 +5393,14 @@
   <p:clrMapOvr>
     <a:masterClrMapping/>
   </p:clrMapOvr>
-  <mc:AlternateContent xmlns:mc="http://schemas.openxmlformats.org/markup-compatibility/2006" xmlns:p14="http://schemas.microsoft.com/office/powerpoint/2010/main">
-    <mc:Choice Requires="p14">
-      <p:transition spd="med" p14:dur="700">
+  <mc:AlternateContent xmlns:mc="http://schemas.openxmlformats.org/markup-compatibility/2006">
+    <mc:Choice xmlns:p14="http://schemas.microsoft.com/office/powerpoint/2010/main" Requires="p14">
+      <p:transition spd="slow" p14:dur="900" advClick="0">
         <p:fade/>
       </p:transition>
     </mc:Choice>
-    <mc:Fallback xmlns="">
-      <p:transition xmlns:p14="http://schemas.microsoft.com/office/powerpoint/2010/main" spd="med">
+    <mc:Fallback>
+      <p:transition xmlns:p14="http://schemas.microsoft.com/office/powerpoint/2010/main" spd="slow" advClick="0">
         <p:fade/>
       </p:transition>
     </mc:Fallback>
@@ -5745,7 +5820,7 @@
       </p:sp>
       <p:sp>
         <p:nvSpPr>
-          <p:cNvPr id="5" name="Title 1"/>
+          <p:cNvPr id="6" name="Title 1"/>
           <p:cNvSpPr>
             <a:spLocks noGrp="1"/>
           </p:cNvSpPr>
@@ -5765,7 +5840,7 @@
           <a:p>
             <a:r>
               <a:rPr lang="en-US" sz="4000" dirty="0" smtClean="0"/>
-              <a:t>Self membership, application</a:t>
+              <a:t>Self application</a:t>
             </a:r>
             <a:endParaRPr lang="en-US" sz="4000" dirty="0"/>
           </a:p>
@@ -5781,12 +5856,16 @@
   <p:clrMapOvr>
     <a:masterClrMapping/>
   </p:clrMapOvr>
-  <mc:AlternateContent xmlns:mc="http://schemas.openxmlformats.org/markup-compatibility/2006" xmlns:p14="http://schemas.microsoft.com/office/powerpoint/2010/main">
-    <mc:Choice Requires="p14">
-      <p:transition spd="slow" p14:dur="2000"/>
+  <mc:AlternateContent xmlns:mc="http://schemas.openxmlformats.org/markup-compatibility/2006">
+    <mc:Choice xmlns:p14="http://schemas.microsoft.com/office/powerpoint/2010/main" Requires="p14">
+      <p:transition spd="slow" p14:dur="900" advClick="0">
+        <p:fade/>
+      </p:transition>
     </mc:Choice>
-    <mc:Fallback xmlns="">
-      <p:transition xmlns:p14="http://schemas.microsoft.com/office/powerpoint/2010/main" spd="slow"/>
+    <mc:Fallback>
+      <p:transition xmlns:p14="http://schemas.microsoft.com/office/powerpoint/2010/main" spd="slow" advClick="0">
+        <p:fade/>
+      </p:transition>
     </mc:Fallback>
   </mc:AlternateContent>
   <p:timing>
@@ -6255,7 +6334,7 @@
       </p:sp>
       <p:sp>
         <p:nvSpPr>
-          <p:cNvPr id="5" name="Title 1"/>
+          <p:cNvPr id="6" name="Title 1"/>
           <p:cNvSpPr>
             <a:spLocks noGrp="1"/>
           </p:cNvSpPr>
@@ -6275,7 +6354,7 @@
           <a:p>
             <a:r>
               <a:rPr lang="en-US" sz="4000" dirty="0" smtClean="0"/>
-              <a:t>Self membership, application</a:t>
+              <a:t>Self application</a:t>
             </a:r>
             <a:endParaRPr lang="en-US" sz="4000" dirty="0"/>
           </a:p>
@@ -6291,14 +6370,14 @@
   <p:clrMapOvr>
     <a:masterClrMapping/>
   </p:clrMapOvr>
-  <mc:AlternateContent xmlns:mc="http://schemas.openxmlformats.org/markup-compatibility/2006" xmlns:p14="http://schemas.microsoft.com/office/powerpoint/2010/main">
-    <mc:Choice Requires="p14">
-      <p:transition spd="med" p14:dur="700">
+  <mc:AlternateContent xmlns:mc="http://schemas.openxmlformats.org/markup-compatibility/2006">
+    <mc:Choice xmlns:p14="http://schemas.microsoft.com/office/powerpoint/2010/main" Requires="p14">
+      <p:transition spd="slow" p14:dur="900" advClick="0">
         <p:fade/>
       </p:transition>
     </mc:Choice>
-    <mc:Fallback xmlns="">
-      <p:transition xmlns:p14="http://schemas.microsoft.com/office/powerpoint/2010/main" spd="med">
+    <mc:Fallback>
+      <p:transition xmlns:p14="http://schemas.microsoft.com/office/powerpoint/2010/main" spd="slow" advClick="0">
         <p:fade/>
       </p:transition>
     </mc:Fallback>
@@ -6688,7 +6767,7 @@
       </p:sp>
       <p:sp>
         <p:nvSpPr>
-          <p:cNvPr id="5" name="Title 1"/>
+          <p:cNvPr id="6" name="Title 1"/>
           <p:cNvSpPr>
             <a:spLocks noGrp="1"/>
           </p:cNvSpPr>
@@ -6708,7 +6787,7 @@
           <a:p>
             <a:r>
               <a:rPr lang="en-US" sz="4000" dirty="0" smtClean="0"/>
-              <a:t>Self membership, application</a:t>
+              <a:t>Self application</a:t>
             </a:r>
             <a:endParaRPr lang="en-US" sz="4000" dirty="0"/>
           </a:p>
@@ -6724,6 +6803,18 @@
   <p:clrMapOvr>
     <a:masterClrMapping/>
   </p:clrMapOvr>
+  <mc:AlternateContent xmlns:mc="http://schemas.openxmlformats.org/markup-compatibility/2006">
+    <mc:Choice xmlns:p14="http://schemas.microsoft.com/office/powerpoint/2010/main" Requires="p14">
+      <p:transition spd="slow" p14:dur="900" advClick="0">
+        <p:fade/>
+      </p:transition>
+    </mc:Choice>
+    <mc:Fallback>
+      <p:transition xmlns:p14="http://schemas.microsoft.com/office/powerpoint/2010/main" spd="slow" advClick="0">
+        <p:fade/>
+      </p:transition>
+    </mc:Fallback>
+  </mc:AlternateContent>
   <p:timing>
     <p:tnLst>
       <p:par>
@@ -7101,7 +7192,7 @@
           <a:graphicData uri="http://schemas.openxmlformats.org/presentationml/2006/ole">
             <mc:AlternateContent xmlns:mc="http://schemas.openxmlformats.org/markup-compatibility/2006">
               <mc:Choice xmlns:v="urn:schemas-microsoft-com:vml" Requires="v">
-                <p:oleObj spid="_x0000_s58545" name="Equation" r:id="rId5" imgW="1841400" imgH="279360" progId="Equation.DSMT4">
+                <p:oleObj spid="_x0000_s58556" name="Equation" r:id="rId5" imgW="1841400" imgH="279360" progId="Equation.DSMT4">
                   <p:embed/>
                 </p:oleObj>
               </mc:Choice>
@@ -7171,7 +7262,7 @@
           <a:graphicData uri="http://schemas.openxmlformats.org/presentationml/2006/ole">
             <mc:AlternateContent xmlns:mc="http://schemas.openxmlformats.org/markup-compatibility/2006">
               <mc:Choice xmlns:v="urn:schemas-microsoft-com:vml" Requires="v">
-                <p:oleObj spid="_x0000_s58546" name="Equation" r:id="rId7" imgW="1600200" imgH="279360" progId="Equation.DSMT4">
+                <p:oleObj spid="_x0000_s58557" name="Equation" r:id="rId7" imgW="1600200" imgH="279360" progId="Equation.DSMT4">
                   <p:embed/>
                 </p:oleObj>
               </mc:Choice>
@@ -7241,7 +7332,7 @@
           <a:graphicData uri="http://schemas.openxmlformats.org/presentationml/2006/ole">
             <mc:AlternateContent xmlns:mc="http://schemas.openxmlformats.org/markup-compatibility/2006">
               <mc:Choice xmlns:v="urn:schemas-microsoft-com:vml" Requires="v">
-                <p:oleObj spid="_x0000_s58547" name="Equation" r:id="rId9" imgW="1574640" imgH="279360" progId="Equation.DSMT4">
+                <p:oleObj spid="_x0000_s58558" name="Equation" r:id="rId9" imgW="1574640" imgH="279360" progId="Equation.DSMT4">
                   <p:embed/>
                 </p:oleObj>
               </mc:Choice>
@@ -7308,7 +7399,7 @@
   <p:clrMapOvr>
     <a:masterClrMapping/>
   </p:clrMapOvr>
-  <p:transition xmlns:p14="http://schemas.microsoft.com/office/powerpoint/2010/main" spd="med" advTm="137663">
+  <p:transition xmlns:p14="http://schemas.microsoft.com/office/powerpoint/2010/main" spd="slow" advClick="0">
     <p:fade thruBlk="1"/>
   </p:transition>
   <p:timing>
@@ -7725,14 +7816,14 @@
   <p:clrMapOvr>
     <a:masterClrMapping/>
   </p:clrMapOvr>
-  <mc:AlternateContent xmlns:mc="http://schemas.openxmlformats.org/markup-compatibility/2006" xmlns:p14="http://schemas.microsoft.com/office/powerpoint/2010/main">
-    <mc:Choice Requires="p14">
-      <p:transition spd="med" p14:dur="700" advTm="58982">
+  <mc:AlternateContent xmlns:mc="http://schemas.openxmlformats.org/markup-compatibility/2006">
+    <mc:Choice xmlns:p14="http://schemas.microsoft.com/office/powerpoint/2010/main" Requires="p14">
+      <p:transition spd="slow" p14:dur="900" advClick="0">
         <p:fade/>
       </p:transition>
     </mc:Choice>
-    <mc:Fallback xmlns="">
-      <p:transition xmlns:p14="http://schemas.microsoft.com/office/powerpoint/2010/main" spd="med" advTm="58982">
+    <mc:Fallback>
+      <p:transition xmlns:p14="http://schemas.microsoft.com/office/powerpoint/2010/main" spd="slow" advClick="0">
         <p:fade/>
       </p:transition>
     </mc:Fallback>
@@ -8023,7 +8114,7 @@
           <a:graphicData uri="http://schemas.openxmlformats.org/presentationml/2006/ole">
             <mc:AlternateContent xmlns:mc="http://schemas.openxmlformats.org/markup-compatibility/2006">
               <mc:Choice xmlns:v="urn:schemas-microsoft-com:vml" Requires="v">
-                <p:oleObj spid="_x0000_s59467" name="Equation" r:id="rId5" imgW="1790640" imgH="279360" progId="Equation.DSMT4">
+                <p:oleObj spid="_x0000_s59472" name="Equation" r:id="rId5" imgW="1790640" imgH="279360" progId="Equation.DSMT4">
                   <p:embed/>
                 </p:oleObj>
               </mc:Choice>
@@ -8284,9 +8375,18 @@
   <p:clrMapOvr>
     <a:masterClrMapping/>
   </p:clrMapOvr>
-  <p:transition xmlns:p14="http://schemas.microsoft.com/office/powerpoint/2010/main" advTm="47850">
-    <p:fade/>
-  </p:transition>
+  <mc:AlternateContent xmlns:mc="http://schemas.openxmlformats.org/markup-compatibility/2006">
+    <mc:Choice xmlns:p14="http://schemas.microsoft.com/office/powerpoint/2010/main" Requires="p14">
+      <p:transition spd="slow" p14:dur="900" advClick="0">
+        <p:fade/>
+      </p:transition>
+    </mc:Choice>
+    <mc:Fallback>
+      <p:transition xmlns:p14="http://schemas.microsoft.com/office/powerpoint/2010/main" spd="slow" advClick="0">
+        <p:fade/>
+      </p:transition>
+    </mc:Fallback>
+  </mc:AlternateContent>
   <p:timing>
     <p:tnLst>
       <p:par>
@@ -8955,9 +9055,18 @@
   <p:clrMapOvr>
     <a:masterClrMapping/>
   </p:clrMapOvr>
-  <p:transition xmlns:p14="http://schemas.microsoft.com/office/powerpoint/2010/main" spd="slow" advTm="66079">
-    <p:fade/>
-  </p:transition>
+  <mc:AlternateContent xmlns:mc="http://schemas.openxmlformats.org/markup-compatibility/2006">
+    <mc:Choice xmlns:p14="http://schemas.microsoft.com/office/powerpoint/2010/main" Requires="p14">
+      <p:transition spd="slow" p14:dur="900" advClick="0">
+        <p:fade/>
+      </p:transition>
+    </mc:Choice>
+    <mc:Fallback>
+      <p:transition xmlns:p14="http://schemas.microsoft.com/office/powerpoint/2010/main" spd="slow" advClick="0">
+        <p:fade/>
+      </p:transition>
+    </mc:Fallback>
+  </mc:AlternateContent>
   <p:timing>
     <p:tnLst>
       <p:par>
@@ -9214,7 +9323,7 @@
           <a:graphicData uri="http://schemas.openxmlformats.org/presentationml/2006/ole">
             <mc:AlternateContent xmlns:mc="http://schemas.openxmlformats.org/markup-compatibility/2006">
               <mc:Choice xmlns:v="urn:schemas-microsoft-com:vml" Requires="v">
-                <p:oleObj spid="_x0000_s1150" name="Equation" r:id="rId4" imgW="2133600" imgH="215900" progId="Equation.DSMT4">
+                <p:oleObj spid="_x0000_s1158" name="Equation" r:id="rId4" imgW="2133600" imgH="215900" progId="Equation.DSMT4">
                   <p:embed/>
                 </p:oleObj>
               </mc:Choice>
@@ -9339,7 +9448,7 @@
           <a:graphicData uri="http://schemas.openxmlformats.org/presentationml/2006/ole">
             <mc:AlternateContent xmlns:mc="http://schemas.openxmlformats.org/markup-compatibility/2006">
               <mc:Choice xmlns:v="urn:schemas-microsoft-com:vml" Requires="v">
-                <p:oleObj spid="_x0000_s1151" name="Equation" r:id="rId6" imgW="1549400" imgH="215900" progId="Equation.DSMT4">
+                <p:oleObj spid="_x0000_s1159" name="Equation" r:id="rId6" imgW="1549400" imgH="215900" progId="Equation.DSMT4">
                   <p:embed/>
                 </p:oleObj>
               </mc:Choice>
@@ -9400,7 +9509,7 @@
   <p:clrMapOvr>
     <a:masterClrMapping/>
   </p:clrMapOvr>
-  <p:transition xmlns:p14="http://schemas.microsoft.com/office/powerpoint/2010/main" spd="slow" advTm="191070">
+  <p:transition xmlns:p14="http://schemas.microsoft.com/office/powerpoint/2010/main" spd="slow" advClick="0">
     <p:fade thruBlk="1"/>
   </p:transition>
   <p:timing>
@@ -9747,9 +9856,18 @@
   <p:clrMapOvr>
     <a:masterClrMapping/>
   </p:clrMapOvr>
-  <p:transition xmlns:p14="http://schemas.microsoft.com/office/powerpoint/2010/main" spd="slow" advTm="43780">
-    <p:fade thruBlk="1"/>
-  </p:transition>
+  <mc:AlternateContent xmlns:mc="http://schemas.openxmlformats.org/markup-compatibility/2006">
+    <mc:Choice xmlns:p14="http://schemas.microsoft.com/office/powerpoint/2010/main" Requires="p14">
+      <p:transition spd="slow" p14:dur="800" advClick="0">
+        <p:fade thruBlk="1"/>
+      </p:transition>
+    </mc:Choice>
+    <mc:Fallback>
+      <p:transition xmlns:p14="http://schemas.microsoft.com/office/powerpoint/2010/main" spd="slow" advClick="0">
+        <p:fade thruBlk="1"/>
+      </p:transition>
+    </mc:Fallback>
+  </mc:AlternateContent>
   <p:timing>
     <p:tnLst>
       <p:par>
@@ -9787,7 +9905,12 @@
             <p:ph idx="1"/>
           </p:nvPr>
         </p:nvSpPr>
-        <p:spPr/>
+        <p:spPr>
+          <a:xfrm>
+            <a:off x="457200" y="1600200"/>
+            <a:ext cx="8481141" cy="4577051"/>
+          </a:xfrm>
+        </p:spPr>
         <p:txBody>
           <a:bodyPr/>
           <a:lstStyle/>
@@ -9803,22 +9926,40 @@
             </a:r>
           </a:p>
           <a:p>
-            <a:pPr algn="ctr">
+            <a:pPr>
+              <a:lnSpc>
+                <a:spcPct val="60000"/>
+              </a:lnSpc>
               <a:spcBef>
                 <a:spcPct val="50000"/>
               </a:spcBef>
             </a:pPr>
             <a:r>
-              <a:rPr lang="en-US" sz="4400" dirty="0" smtClean="0">
+              <a:rPr lang="en-US" sz="4800" dirty="0" smtClean="0">
                 <a:solidFill>
                   <a:srgbClr val="0000FF"/>
                 </a:solidFill>
               </a:rPr>
-              <a:t>no set is a member of itself.</a:t>
+              <a:t>no set is a member of itself,</a:t>
             </a:r>
           </a:p>
           <a:p>
-            <a:endParaRPr lang="en-US" dirty="0"/>
+            <a:pPr>
+              <a:lnSpc>
+                <a:spcPct val="60000"/>
+              </a:lnSpc>
+              <a:spcBef>
+                <a:spcPct val="50000"/>
+              </a:spcBef>
+            </a:pPr>
+            <a:r>
+              <a:rPr lang="en-US" sz="4800" dirty="0" smtClean="0">
+                <a:solidFill>
+                  <a:srgbClr val="0000FF"/>
+                </a:solidFill>
+              </a:rPr>
+              <a:t>or a member of a member…</a:t>
+            </a:r>
           </a:p>
         </p:txBody>
       </p:sp>
@@ -9855,9 +9996,18 @@
   <p:clrMapOvr>
     <a:masterClrMapping/>
   </p:clrMapOvr>
-  <p:transition xmlns:p14="http://schemas.microsoft.com/office/powerpoint/2010/main" advTm="33504">
-    <p:fade/>
-  </p:transition>
+  <mc:AlternateContent xmlns:mc="http://schemas.openxmlformats.org/markup-compatibility/2006">
+    <mc:Choice xmlns:p14="http://schemas.microsoft.com/office/powerpoint/2010/main" Requires="p14">
+      <p:transition spd="slow" p14:dur="900" advClick="0">
+        <p:fade/>
+      </p:transition>
+    </mc:Choice>
+    <mc:Fallback>
+      <p:transition xmlns:p14="http://schemas.microsoft.com/office/powerpoint/2010/main" spd="slow" advClick="0">
+        <p:fade/>
+      </p:transition>
+    </mc:Fallback>
+  </mc:AlternateContent>
   <p:timing>
     <p:tnLst>
       <p:par>
@@ -9913,6 +10063,67 @@
                                           <p:spTgt spid="3">
                                             <p:txEl>
                                               <p:pRg st="1" end="1"/>
+                                            </p:txEl>
+                                          </p:spTgt>
+                                        </p:tgtEl>
+                                      </p:cBhvr>
+                                    </p:animEffect>
+                                  </p:childTnLst>
+                                </p:cTn>
+                              </p:par>
+                            </p:childTnLst>
+                          </p:cTn>
+                        </p:par>
+                      </p:childTnLst>
+                    </p:cTn>
+                  </p:par>
+                  <p:par>
+                    <p:cTn id="8" fill="hold">
+                      <p:stCondLst>
+                        <p:cond delay="indefinite"/>
+                      </p:stCondLst>
+                      <p:childTnLst>
+                        <p:par>
+                          <p:cTn id="9" fill="hold">
+                            <p:stCondLst>
+                              <p:cond delay="0"/>
+                            </p:stCondLst>
+                            <p:childTnLst>
+                              <p:par>
+                                <p:cTn id="10" presetID="9" presetClass="entr" presetSubtype="0" fill="hold" nodeType="clickEffect">
+                                  <p:stCondLst>
+                                    <p:cond delay="0"/>
+                                  </p:stCondLst>
+                                  <p:childTnLst>
+                                    <p:set>
+                                      <p:cBhvr>
+                                        <p:cTn id="11" dur="1" fill="hold">
+                                          <p:stCondLst>
+                                            <p:cond delay="0"/>
+                                          </p:stCondLst>
+                                        </p:cTn>
+                                        <p:tgtEl>
+                                          <p:spTgt spid="3">
+                                            <p:txEl>
+                                              <p:pRg st="2" end="2"/>
+                                            </p:txEl>
+                                          </p:spTgt>
+                                        </p:tgtEl>
+                                        <p:attrNameLst>
+                                          <p:attrName>style.visibility</p:attrName>
+                                        </p:attrNameLst>
+                                      </p:cBhvr>
+                                      <p:to>
+                                        <p:strVal val="visible"/>
+                                      </p:to>
+                                    </p:set>
+                                    <p:animEffect transition="in" filter="dissolve">
+                                      <p:cBhvr>
+                                        <p:cTn id="12" dur="500"/>
+                                        <p:tgtEl>
+                                          <p:spTgt spid="3">
+                                            <p:txEl>
+                                              <p:pRg st="2" end="2"/>
                                             </p:txEl>
                                           </p:spTgt>
                                         </p:tgtEl>
@@ -10086,9 +10297,18 @@
   <p:clrMapOvr>
     <a:masterClrMapping/>
   </p:clrMapOvr>
-  <p:transition xmlns:p14="http://schemas.microsoft.com/office/powerpoint/2010/main" advTm="61995">
-    <p:fade/>
-  </p:transition>
+  <mc:AlternateContent xmlns:mc="http://schemas.openxmlformats.org/markup-compatibility/2006">
+    <mc:Choice xmlns:p14="http://schemas.microsoft.com/office/powerpoint/2010/main" Requires="p14">
+      <p:transition spd="slow" p14:dur="900" advClick="0">
+        <p:fade/>
+      </p:transition>
+    </mc:Choice>
+    <mc:Fallback>
+      <p:transition xmlns:p14="http://schemas.microsoft.com/office/powerpoint/2010/main" spd="slow" advClick="0">
+        <p:fade/>
+      </p:transition>
+    </mc:Fallback>
+  </mc:AlternateContent>
   <p:timing>
     <p:tnLst>
       <p:par>
@@ -10314,7 +10534,7 @@
           <a:graphicData uri="http://schemas.openxmlformats.org/presentationml/2006/ole">
             <mc:AlternateContent xmlns:mc="http://schemas.openxmlformats.org/markup-compatibility/2006">
               <mc:Choice xmlns:v="urn:schemas-microsoft-com:vml" Requires="v">
-                <p:oleObj spid="_x0000_s56544" name="Equation" r:id="rId4" imgW="698500" imgH="381000" progId="Equation.DSMT4">
+                <p:oleObj spid="_x0000_s56558" name="Equation" r:id="rId4" imgW="698500" imgH="381000" progId="Equation.DSMT4">
                   <p:embed/>
                 </p:oleObj>
               </mc:Choice>
@@ -10454,7 +10674,7 @@
           <a:graphicData uri="http://schemas.openxmlformats.org/presentationml/2006/ole">
             <mc:AlternateContent xmlns:mc="http://schemas.openxmlformats.org/markup-compatibility/2006">
               <mc:Choice xmlns:v="urn:schemas-microsoft-com:vml" Requires="v">
-                <p:oleObj spid="_x0000_s56545" name="Equation" r:id="rId6" imgW="977900" imgH="330200" progId="Equation.DSMT4">
+                <p:oleObj spid="_x0000_s56559" name="Equation" r:id="rId6" imgW="977900" imgH="330200" progId="Equation.DSMT4">
                   <p:embed/>
                 </p:oleObj>
               </mc:Choice>
@@ -10524,7 +10744,7 @@
           <a:graphicData uri="http://schemas.openxmlformats.org/presentationml/2006/ole">
             <mc:AlternateContent xmlns:mc="http://schemas.openxmlformats.org/markup-compatibility/2006">
               <mc:Choice xmlns:v="urn:schemas-microsoft-com:vml" Requires="v">
-                <p:oleObj spid="_x0000_s56546" name="Equation" r:id="rId8" imgW="965200" imgH="330200" progId="Equation.DSMT4">
+                <p:oleObj spid="_x0000_s56560" name="Equation" r:id="rId8" imgW="965200" imgH="330200" progId="Equation.DSMT4">
                   <p:embed/>
                 </p:oleObj>
               </mc:Choice>
@@ -10594,7 +10814,7 @@
           <a:graphicData uri="http://schemas.openxmlformats.org/presentationml/2006/ole">
             <mc:AlternateContent xmlns:mc="http://schemas.openxmlformats.org/markup-compatibility/2006">
               <mc:Choice xmlns:v="urn:schemas-microsoft-com:vml" Requires="v">
-                <p:oleObj spid="_x0000_s56547" name="Equation" r:id="rId10" imgW="647700" imgH="381000" progId="Equation.DSMT4">
+                <p:oleObj spid="_x0000_s56561" name="Equation" r:id="rId10" imgW="647700" imgH="381000" progId="Equation.DSMT4">
                   <p:embed/>
                 </p:oleObj>
               </mc:Choice>
@@ -10652,7 +10872,18 @@
   <p:clrMapOvr>
     <a:masterClrMapping/>
   </p:clrMapOvr>
-  <p:transition xmlns:p14="http://schemas.microsoft.com/office/powerpoint/2010/main"/>
+  <mc:AlternateContent xmlns:mc="http://schemas.openxmlformats.org/markup-compatibility/2006">
+    <mc:Choice xmlns:p14="http://schemas.microsoft.com/office/powerpoint/2010/main" Requires="p14">
+      <p:transition spd="slow" p14:dur="900" advClick="0">
+        <p:fade/>
+      </p:transition>
+    </mc:Choice>
+    <mc:Fallback>
+      <p:transition xmlns:p14="http://schemas.microsoft.com/office/powerpoint/2010/main" spd="slow" advClick="0">
+        <p:fade/>
+      </p:transition>
+    </mc:Fallback>
+  </mc:AlternateContent>
   <p:timing>
     <p:tnLst>
       <p:par>
@@ -11098,7 +11329,7 @@
           <a:graphicData uri="http://schemas.openxmlformats.org/presentationml/2006/ole">
             <mc:AlternateContent xmlns:mc="http://schemas.openxmlformats.org/markup-compatibility/2006">
               <mc:Choice xmlns:v="urn:schemas-microsoft-com:vml" Requires="v">
-                <p:oleObj spid="_x0000_s57468" name="Equation" r:id="rId4" imgW="1524000" imgH="406400" progId="Equation.DSMT4">
+                <p:oleObj spid="_x0000_s57476" name="Equation" r:id="rId4" imgW="1524000" imgH="406400" progId="Equation.DSMT4">
                   <p:embed/>
                 </p:oleObj>
               </mc:Choice>
@@ -11162,7 +11393,7 @@
           <a:graphicData uri="http://schemas.openxmlformats.org/presentationml/2006/ole">
             <mc:AlternateContent xmlns:mc="http://schemas.openxmlformats.org/markup-compatibility/2006">
               <mc:Choice xmlns:v="urn:schemas-microsoft-com:vml" Requires="v">
-                <p:oleObj spid="_x0000_s57469" name="Equation" r:id="rId6" imgW="1384200" imgH="266400" progId="Equation.DSMT4">
+                <p:oleObj spid="_x0000_s57477" name="Equation" r:id="rId6" imgW="1384200" imgH="266400" progId="Equation.DSMT4">
                   <p:embed/>
                 </p:oleObj>
               </mc:Choice>
@@ -11226,7 +11457,18 @@
   <p:clrMapOvr>
     <a:masterClrMapping/>
   </p:clrMapOvr>
-  <p:transition xmlns:p14="http://schemas.microsoft.com/office/powerpoint/2010/main"/>
+  <mc:AlternateContent xmlns:mc="http://schemas.openxmlformats.org/markup-compatibility/2006">
+    <mc:Choice xmlns:p14="http://schemas.microsoft.com/office/powerpoint/2010/main" Requires="p14">
+      <p:transition spd="slow" p14:dur="900" advClick="0">
+        <p:fade/>
+      </p:transition>
+    </mc:Choice>
+    <mc:Fallback>
+      <p:transition xmlns:p14="http://schemas.microsoft.com/office/powerpoint/2010/main" spd="slow" advClick="0">
+        <p:fade/>
+      </p:transition>
+    </mc:Fallback>
+  </mc:AlternateContent>
   <p:timing>
     <p:tnLst>
       <p:par>
@@ -11398,7 +11640,7 @@
           <a:p>
             <a:r>
               <a:rPr lang="en-US" sz="4000" dirty="0" smtClean="0"/>
-              <a:t>Self membership, application</a:t>
+              <a:t>Self membership</a:t>
             </a:r>
             <a:endParaRPr lang="en-US" sz="4000" dirty="0"/>
           </a:p>
@@ -12458,7 +12700,7 @@
   <p:clrMapOvr>
     <a:masterClrMapping/>
   </p:clrMapOvr>
-  <p:transition xmlns:p14="http://schemas.microsoft.com/office/powerpoint/2010/main" spd="slow">
+  <p:transition xmlns:p14="http://schemas.microsoft.com/office/powerpoint/2010/main" spd="slow" advClick="0">
     <p:fade thruBlk="1"/>
   </p:transition>
   <p:timing>
@@ -13689,7 +13931,7 @@
           <a:p>
             <a:r>
               <a:rPr lang="en-US" sz="4000" dirty="0" smtClean="0"/>
-              <a:t>Self membership, application</a:t>
+              <a:t>Self membership</a:t>
             </a:r>
             <a:endParaRPr lang="en-US" sz="4000" dirty="0"/>
           </a:p>
@@ -13705,14 +13947,14 @@
   <p:clrMapOvr>
     <a:masterClrMapping/>
   </p:clrMapOvr>
-  <mc:AlternateContent xmlns:mc="http://schemas.openxmlformats.org/markup-compatibility/2006" xmlns:p14="http://schemas.microsoft.com/office/powerpoint/2010/main">
-    <mc:Choice Requires="p14">
-      <p:transition spd="med" p14:dur="700">
+  <mc:AlternateContent xmlns:mc="http://schemas.openxmlformats.org/markup-compatibility/2006">
+    <mc:Choice xmlns:p14="http://schemas.microsoft.com/office/powerpoint/2010/main" Requires="p14">
+      <p:transition spd="slow" p14:dur="900" advClick="0">
         <p:fade/>
       </p:transition>
     </mc:Choice>
-    <mc:Fallback xmlns="">
-      <p:transition xmlns:p14="http://schemas.microsoft.com/office/powerpoint/2010/main" spd="med">
+    <mc:Fallback>
+      <p:transition xmlns:p14="http://schemas.microsoft.com/office/powerpoint/2010/main" spd="slow" advClick="0">
         <p:fade/>
       </p:transition>
     </mc:Fallback>
@@ -14893,7 +15135,7 @@
           <a:p>
             <a:r>
               <a:rPr lang="en-US" sz="4000" dirty="0" smtClean="0"/>
-              <a:t>Self membership, application</a:t>
+              <a:t>Self membership</a:t>
             </a:r>
             <a:endParaRPr lang="en-US" sz="4000" dirty="0"/>
           </a:p>
@@ -14909,14 +15151,14 @@
   <p:clrMapOvr>
     <a:masterClrMapping/>
   </p:clrMapOvr>
-  <mc:AlternateContent xmlns:mc="http://schemas.openxmlformats.org/markup-compatibility/2006" xmlns:p14="http://schemas.microsoft.com/office/powerpoint/2010/main">
-    <mc:Choice Requires="p14">
-      <p:transition spd="med" p14:dur="700" advClick="0" advTm="2000">
+  <mc:AlternateContent xmlns:mc="http://schemas.openxmlformats.org/markup-compatibility/2006">
+    <mc:Choice xmlns:p14="http://schemas.microsoft.com/office/powerpoint/2010/main" Requires="p14">
+      <p:transition spd="slow" p14:dur="900" advClick="0">
         <p:fade/>
       </p:transition>
     </mc:Choice>
-    <mc:Fallback xmlns="">
-      <p:transition xmlns:p14="http://schemas.microsoft.com/office/powerpoint/2010/main" spd="med" advClick="0" advTm="2000">
+    <mc:Fallback>
+      <p:transition xmlns:p14="http://schemas.microsoft.com/office/powerpoint/2010/main" spd="slow" advClick="0">
         <p:fade/>
       </p:transition>
     </mc:Fallback>
@@ -16187,7 +16429,7 @@
           <a:p>
             <a:r>
               <a:rPr lang="en-US" sz="4000" dirty="0" smtClean="0"/>
-              <a:t>Self membership, application</a:t>
+              <a:t>Self membership</a:t>
             </a:r>
             <a:endParaRPr lang="en-US" sz="4000" dirty="0"/>
           </a:p>
@@ -16203,14 +16445,14 @@
   <p:clrMapOvr>
     <a:masterClrMapping/>
   </p:clrMapOvr>
-  <mc:AlternateContent xmlns:mc="http://schemas.openxmlformats.org/markup-compatibility/2006" xmlns:p14="http://schemas.microsoft.com/office/powerpoint/2010/main">
-    <mc:Choice Requires="p14">
-      <p:transition spd="med" p14:dur="700" advClick="0">
+  <mc:AlternateContent xmlns:mc="http://schemas.openxmlformats.org/markup-compatibility/2006">
+    <mc:Choice xmlns:p14="http://schemas.microsoft.com/office/powerpoint/2010/main" Requires="p14">
+      <p:transition spd="slow" p14:dur="900" advClick="0">
         <p:fade/>
       </p:transition>
     </mc:Choice>
-    <mc:Fallback xmlns="">
-      <p:transition xmlns:p14="http://schemas.microsoft.com/office/powerpoint/2010/main" spd="med" advClick="0">
+    <mc:Fallback>
+      <p:transition xmlns:p14="http://schemas.microsoft.com/office/powerpoint/2010/main" spd="slow" advClick="0">
         <p:fade/>
       </p:transition>
     </mc:Fallback>
@@ -17386,15 +17628,7 @@
                   <a:srgbClr val="0000FF"/>
                 </a:solidFill>
               </a:rPr>
-              <a:t>…2</a:t>
-            </a:r>
-            <a:r>
-              <a:rPr lang="da-DK" sz="4800" dirty="0" smtClean="0">
-                <a:solidFill>
-                  <a:srgbClr val="0000FF"/>
-                </a:solidFill>
-              </a:rPr>
-              <a:t>) </a:t>
+              <a:t>…2) </a:t>
             </a:r>
             <a:r>
               <a:rPr lang="da-DK" sz="4800" dirty="0">
@@ -17590,7 +17824,7 @@
           <a:p>
             <a:r>
               <a:rPr lang="en-US" sz="4000" dirty="0" smtClean="0"/>
-              <a:t>Self membership, application</a:t>
+              <a:t>Self membership</a:t>
             </a:r>
             <a:endParaRPr lang="en-US" sz="4000" dirty="0"/>
           </a:p>
@@ -17606,14 +17840,14 @@
   <p:clrMapOvr>
     <a:masterClrMapping/>
   </p:clrMapOvr>
-  <mc:AlternateContent xmlns:mc="http://schemas.openxmlformats.org/markup-compatibility/2006" xmlns:p14="http://schemas.microsoft.com/office/powerpoint/2010/main">
-    <mc:Choice Requires="p14">
-      <p:transition spd="med" p14:dur="700">
+  <mc:AlternateContent xmlns:mc="http://schemas.openxmlformats.org/markup-compatibility/2006">
+    <mc:Choice xmlns:p14="http://schemas.microsoft.com/office/powerpoint/2010/main" Requires="p14">
+      <p:transition spd="slow" p14:dur="900" advClick="0">
         <p:fade/>
       </p:transition>
     </mc:Choice>
-    <mc:Fallback xmlns="">
-      <p:transition xmlns:p14="http://schemas.microsoft.com/office/powerpoint/2010/main" spd="med">
+    <mc:Fallback>
+      <p:transition xmlns:p14="http://schemas.microsoft.com/office/powerpoint/2010/main" spd="slow" advClick="0">
         <p:fade/>
       </p:transition>
     </mc:Fallback>

--- a/spring13/slides13/russell-paradox.pptx
+++ b/spring13/slides13/russell-paradox.pptx
@@ -12,7 +12,7 @@
   </p:handoutMasterIdLst>
   <p:sldIdLst>
     <p:sldId id="257" r:id="rId2"/>
-    <p:sldId id="366" r:id="rId3"/>
+    <p:sldId id="377" r:id="rId3"/>
     <p:sldId id="367" r:id="rId4"/>
     <p:sldId id="368" r:id="rId5"/>
     <p:sldId id="382" r:id="rId6"/>
@@ -25,12 +25,12 @@
     <p:sldId id="394" r:id="rId13"/>
     <p:sldId id="395" r:id="rId14"/>
     <p:sldId id="393" r:id="rId15"/>
-    <p:sldId id="377" r:id="rId16"/>
-    <p:sldId id="369" r:id="rId17"/>
-    <p:sldId id="370" r:id="rId18"/>
-    <p:sldId id="371" r:id="rId19"/>
-    <p:sldId id="372" r:id="rId20"/>
-    <p:sldId id="374" r:id="rId21"/>
+    <p:sldId id="369" r:id="rId16"/>
+    <p:sldId id="370" r:id="rId17"/>
+    <p:sldId id="371" r:id="rId18"/>
+    <p:sldId id="372" r:id="rId19"/>
+    <p:sldId id="374" r:id="rId20"/>
+    <p:sldId id="366" r:id="rId21"/>
     <p:sldId id="375" r:id="rId22"/>
     <p:sldId id="376" r:id="rId23"/>
   </p:sldIdLst>
@@ -888,6 +888,10 @@
           </p:nvPr>
         </p:nvSpPr>
         <p:spPr>
+          <a:xfrm>
+            <a:off x="2971800" y="549275"/>
+            <a:ext cx="3657600" cy="2743200"/>
+          </a:xfrm>
           <a:ln/>
         </p:spPr>
       </p:sp>
@@ -959,6 +963,1046 @@
         </p:nvSpPr>
         <p:spPr/>
         <p:txBody>
+          <a:bodyPr/>
+          <a:lstStyle/>
+          <a:p>
+            <a:endParaRPr lang="en-US"/>
+          </a:p>
+        </p:txBody>
+      </p:sp>
+      <p:sp>
+        <p:nvSpPr>
+          <p:cNvPr id="4" name="Slide Number Placeholder 3"/>
+          <p:cNvSpPr>
+            <a:spLocks noGrp="1"/>
+          </p:cNvSpPr>
+          <p:nvPr>
+            <p:ph type="sldNum" sz="quarter" idx="10"/>
+          </p:nvPr>
+        </p:nvSpPr>
+        <p:spPr/>
+        <p:txBody>
+          <a:bodyPr/>
+          <a:lstStyle/>
+          <a:p>
+            <a:fld id="{A02B9F3F-3042-489F-AF35-1A733968F079}" type="slidenum">
+              <a:rPr lang="en-US" smtClean="0"/>
+              <a:pPr/>
+              <a:t>11</a:t>
+            </a:fld>
+            <a:endParaRPr lang="en-US" dirty="0"/>
+          </a:p>
+        </p:txBody>
+      </p:sp>
+    </p:spTree>
+    <p:extLst>
+      <p:ext uri="{BB962C8B-B14F-4D97-AF65-F5344CB8AC3E}">
+        <p14:creationId xmlns:p14="http://schemas.microsoft.com/office/powerpoint/2010/main" val="2327602584"/>
+      </p:ext>
+    </p:extLst>
+  </p:cSld>
+  <p:clrMapOvr>
+    <a:masterClrMapping/>
+  </p:clrMapOvr>
+</p:notes>
+</file>
+
+<file path=ppt/notesSlides/notesSlide11.xml><?xml version="1.0" encoding="utf-8"?>
+<p:notes xmlns:a="http://schemas.openxmlformats.org/drawingml/2006/main" xmlns:r="http://schemas.openxmlformats.org/officeDocument/2006/relationships" xmlns:p="http://schemas.openxmlformats.org/presentationml/2006/main">
+  <p:cSld>
+    <p:spTree>
+      <p:nvGrpSpPr>
+        <p:cNvPr id="1" name=""/>
+        <p:cNvGrpSpPr/>
+        <p:nvPr/>
+      </p:nvGrpSpPr>
+      <p:grpSpPr>
+        <a:xfrm>
+          <a:off x="0" y="0"/>
+          <a:ext cx="0" cy="0"/>
+          <a:chOff x="0" y="0"/>
+          <a:chExt cx="0" cy="0"/>
+        </a:xfrm>
+      </p:grpSpPr>
+      <p:sp>
+        <p:nvSpPr>
+          <p:cNvPr id="2" name="Slide Image Placeholder 1"/>
+          <p:cNvSpPr>
+            <a:spLocks noGrp="1" noRot="1" noChangeAspect="1"/>
+          </p:cNvSpPr>
+          <p:nvPr>
+            <p:ph type="sldImg"/>
+          </p:nvPr>
+        </p:nvSpPr>
+        <p:spPr/>
+      </p:sp>
+      <p:sp>
+        <p:nvSpPr>
+          <p:cNvPr id="3" name="Notes Placeholder 2"/>
+          <p:cNvSpPr>
+            <a:spLocks noGrp="1"/>
+          </p:cNvSpPr>
+          <p:nvPr>
+            <p:ph type="body" idx="1"/>
+          </p:nvPr>
+        </p:nvSpPr>
+        <p:spPr/>
+        <p:txBody>
+          <a:bodyPr/>
+          <a:lstStyle/>
+          <a:p>
+            <a:endParaRPr lang="en-US"/>
+          </a:p>
+        </p:txBody>
+      </p:sp>
+      <p:sp>
+        <p:nvSpPr>
+          <p:cNvPr id="4" name="Slide Number Placeholder 3"/>
+          <p:cNvSpPr>
+            <a:spLocks noGrp="1"/>
+          </p:cNvSpPr>
+          <p:nvPr>
+            <p:ph type="sldNum" sz="quarter" idx="10"/>
+          </p:nvPr>
+        </p:nvSpPr>
+        <p:spPr/>
+        <p:txBody>
+          <a:bodyPr/>
+          <a:lstStyle/>
+          <a:p>
+            <a:fld id="{A02B9F3F-3042-489F-AF35-1A733968F079}" type="slidenum">
+              <a:rPr lang="en-US" smtClean="0"/>
+              <a:pPr/>
+              <a:t>12</a:t>
+            </a:fld>
+            <a:endParaRPr lang="en-US" dirty="0"/>
+          </a:p>
+        </p:txBody>
+      </p:sp>
+    </p:spTree>
+    <p:extLst>
+      <p:ext uri="{BB962C8B-B14F-4D97-AF65-F5344CB8AC3E}">
+        <p14:creationId xmlns:p14="http://schemas.microsoft.com/office/powerpoint/2010/main" val="205358516"/>
+      </p:ext>
+    </p:extLst>
+  </p:cSld>
+  <p:clrMapOvr>
+    <a:masterClrMapping/>
+  </p:clrMapOvr>
+</p:notes>
+</file>
+
+<file path=ppt/notesSlides/notesSlide12.xml><?xml version="1.0" encoding="utf-8"?>
+<p:notes xmlns:a="http://schemas.openxmlformats.org/drawingml/2006/main" xmlns:r="http://schemas.openxmlformats.org/officeDocument/2006/relationships" xmlns:p="http://schemas.openxmlformats.org/presentationml/2006/main">
+  <p:cSld>
+    <p:spTree>
+      <p:nvGrpSpPr>
+        <p:cNvPr id="1" name=""/>
+        <p:cNvGrpSpPr/>
+        <p:nvPr/>
+      </p:nvGrpSpPr>
+      <p:grpSpPr>
+        <a:xfrm>
+          <a:off x="0" y="0"/>
+          <a:ext cx="0" cy="0"/>
+          <a:chOff x="0" y="0"/>
+          <a:chExt cx="0" cy="0"/>
+        </a:xfrm>
+      </p:grpSpPr>
+      <p:sp>
+        <p:nvSpPr>
+          <p:cNvPr id="2" name="Slide Image Placeholder 1"/>
+          <p:cNvSpPr>
+            <a:spLocks noGrp="1" noRot="1" noChangeAspect="1"/>
+          </p:cNvSpPr>
+          <p:nvPr>
+            <p:ph type="sldImg"/>
+          </p:nvPr>
+        </p:nvSpPr>
+        <p:spPr/>
+      </p:sp>
+      <p:sp>
+        <p:nvSpPr>
+          <p:cNvPr id="3" name="Notes Placeholder 2"/>
+          <p:cNvSpPr>
+            <a:spLocks noGrp="1"/>
+          </p:cNvSpPr>
+          <p:nvPr>
+            <p:ph type="body" idx="1"/>
+          </p:nvPr>
+        </p:nvSpPr>
+        <p:spPr/>
+        <p:txBody>
+          <a:bodyPr/>
+          <a:lstStyle/>
+          <a:p>
+            <a:endParaRPr lang="en-US"/>
+          </a:p>
+        </p:txBody>
+      </p:sp>
+      <p:sp>
+        <p:nvSpPr>
+          <p:cNvPr id="4" name="Slide Number Placeholder 3"/>
+          <p:cNvSpPr>
+            <a:spLocks noGrp="1"/>
+          </p:cNvSpPr>
+          <p:nvPr>
+            <p:ph type="sldNum" sz="quarter" idx="10"/>
+          </p:nvPr>
+        </p:nvSpPr>
+        <p:spPr/>
+        <p:txBody>
+          <a:bodyPr/>
+          <a:lstStyle/>
+          <a:p>
+            <a:fld id="{A02B9F3F-3042-489F-AF35-1A733968F079}" type="slidenum">
+              <a:rPr lang="en-US" smtClean="0"/>
+              <a:pPr/>
+              <a:t>13</a:t>
+            </a:fld>
+            <a:endParaRPr lang="en-US" dirty="0"/>
+          </a:p>
+        </p:txBody>
+      </p:sp>
+    </p:spTree>
+    <p:extLst>
+      <p:ext uri="{BB962C8B-B14F-4D97-AF65-F5344CB8AC3E}">
+        <p14:creationId xmlns:p14="http://schemas.microsoft.com/office/powerpoint/2010/main" val="1778863455"/>
+      </p:ext>
+    </p:extLst>
+  </p:cSld>
+  <p:clrMapOvr>
+    <a:masterClrMapping/>
+  </p:clrMapOvr>
+</p:notes>
+</file>
+
+<file path=ppt/notesSlides/notesSlide13.xml><?xml version="1.0" encoding="utf-8"?>
+<p:notes xmlns:a="http://schemas.openxmlformats.org/drawingml/2006/main" xmlns:r="http://schemas.openxmlformats.org/officeDocument/2006/relationships" xmlns:p="http://schemas.openxmlformats.org/presentationml/2006/main">
+  <p:cSld>
+    <p:spTree>
+      <p:nvGrpSpPr>
+        <p:cNvPr id="1" name=""/>
+        <p:cNvGrpSpPr/>
+        <p:nvPr/>
+      </p:nvGrpSpPr>
+      <p:grpSpPr>
+        <a:xfrm>
+          <a:off x="0" y="0"/>
+          <a:ext cx="0" cy="0"/>
+          <a:chOff x="0" y="0"/>
+          <a:chExt cx="0" cy="0"/>
+        </a:xfrm>
+      </p:grpSpPr>
+      <p:sp>
+        <p:nvSpPr>
+          <p:cNvPr id="2" name="Slide Image Placeholder 1"/>
+          <p:cNvSpPr>
+            <a:spLocks noGrp="1" noRot="1" noChangeAspect="1"/>
+          </p:cNvSpPr>
+          <p:nvPr>
+            <p:ph type="sldImg"/>
+          </p:nvPr>
+        </p:nvSpPr>
+        <p:spPr/>
+      </p:sp>
+      <p:sp>
+        <p:nvSpPr>
+          <p:cNvPr id="3" name="Notes Placeholder 2"/>
+          <p:cNvSpPr>
+            <a:spLocks noGrp="1"/>
+          </p:cNvSpPr>
+          <p:nvPr>
+            <p:ph type="body" idx="1"/>
+          </p:nvPr>
+        </p:nvSpPr>
+        <p:spPr/>
+        <p:txBody>
+          <a:bodyPr/>
+          <a:lstStyle/>
+          <a:p>
+            <a:endParaRPr lang="en-US"/>
+          </a:p>
+        </p:txBody>
+      </p:sp>
+      <p:sp>
+        <p:nvSpPr>
+          <p:cNvPr id="4" name="Slide Number Placeholder 3"/>
+          <p:cNvSpPr>
+            <a:spLocks noGrp="1"/>
+          </p:cNvSpPr>
+          <p:nvPr>
+            <p:ph type="sldNum" sz="quarter" idx="10"/>
+          </p:nvPr>
+        </p:nvSpPr>
+        <p:spPr/>
+        <p:txBody>
+          <a:bodyPr/>
+          <a:lstStyle/>
+          <a:p>
+            <a:fld id="{A02B9F3F-3042-489F-AF35-1A733968F079}" type="slidenum">
+              <a:rPr lang="en-US" smtClean="0"/>
+              <a:pPr/>
+              <a:t>14</a:t>
+            </a:fld>
+            <a:endParaRPr lang="en-US" dirty="0"/>
+          </a:p>
+        </p:txBody>
+      </p:sp>
+    </p:spTree>
+    <p:extLst>
+      <p:ext uri="{BB962C8B-B14F-4D97-AF65-F5344CB8AC3E}">
+        <p14:creationId xmlns:p14="http://schemas.microsoft.com/office/powerpoint/2010/main" val="403569565"/>
+      </p:ext>
+    </p:extLst>
+  </p:cSld>
+  <p:clrMapOvr>
+    <a:masterClrMapping/>
+  </p:clrMapOvr>
+</p:notes>
+</file>
+
+<file path=ppt/notesSlides/notesSlide14.xml><?xml version="1.0" encoding="utf-8"?>
+<p:notes xmlns:a="http://schemas.openxmlformats.org/drawingml/2006/main" xmlns:r="http://schemas.openxmlformats.org/officeDocument/2006/relationships" xmlns:p="http://schemas.openxmlformats.org/presentationml/2006/main">
+  <p:cSld>
+    <p:spTree>
+      <p:nvGrpSpPr>
+        <p:cNvPr id="1" name=""/>
+        <p:cNvGrpSpPr/>
+        <p:nvPr/>
+      </p:nvGrpSpPr>
+      <p:grpSpPr>
+        <a:xfrm>
+          <a:off x="0" y="0"/>
+          <a:ext cx="0" cy="0"/>
+          <a:chOff x="0" y="0"/>
+          <a:chExt cx="0" cy="0"/>
+        </a:xfrm>
+      </p:grpSpPr>
+      <p:sp>
+        <p:nvSpPr>
+          <p:cNvPr id="7" name="Rectangle 7"/>
+          <p:cNvSpPr>
+            <a:spLocks noGrp="1" noChangeArrowheads="1"/>
+          </p:cNvSpPr>
+          <p:nvPr>
+            <p:ph type="sldNum" sz="quarter" idx="5"/>
+          </p:nvPr>
+        </p:nvSpPr>
+        <p:spPr>
+          <a:ln/>
+        </p:spPr>
+        <p:txBody>
+          <a:bodyPr/>
+          <a:lstStyle/>
+          <a:p>
+            <a:fld id="{DA0B81FD-B4A6-48C9-B3F4-A45B625CBF8B}" type="slidenum">
+              <a:rPr lang="en-US"/>
+              <a:pPr/>
+              <a:t>15</a:t>
+            </a:fld>
+            <a:endParaRPr lang="en-US" dirty="0"/>
+          </a:p>
+        </p:txBody>
+      </p:sp>
+      <p:sp>
+        <p:nvSpPr>
+          <p:cNvPr id="195586" name="Rectangle 2"/>
+          <p:cNvSpPr>
+            <a:spLocks noGrp="1" noRot="1" noChangeAspect="1" noChangeArrowheads="1" noTextEdit="1"/>
+          </p:cNvSpPr>
+          <p:nvPr>
+            <p:ph type="sldImg"/>
+          </p:nvPr>
+        </p:nvSpPr>
+        <p:spPr>
+          <a:xfrm>
+            <a:off x="2971800" y="549275"/>
+            <a:ext cx="3657600" cy="2743200"/>
+          </a:xfrm>
+          <a:ln/>
+        </p:spPr>
+      </p:sp>
+      <p:sp>
+        <p:nvSpPr>
+          <p:cNvPr id="195587" name="Rectangle 3"/>
+          <p:cNvSpPr>
+            <a:spLocks noGrp="1" noChangeArrowheads="1"/>
+          </p:cNvSpPr>
+          <p:nvPr>
+            <p:ph type="body" idx="1"/>
+          </p:nvPr>
+        </p:nvSpPr>
+        <p:spPr/>
+        <p:txBody>
+          <a:bodyPr/>
+          <a:lstStyle/>
+          <a:p>
+            <a:endParaRPr lang="en-US" dirty="0"/>
+          </a:p>
+        </p:txBody>
+      </p:sp>
+    </p:spTree>
+  </p:cSld>
+  <p:clrMapOvr>
+    <a:masterClrMapping/>
+  </p:clrMapOvr>
+</p:notes>
+</file>
+
+<file path=ppt/notesSlides/notesSlide15.xml><?xml version="1.0" encoding="utf-8"?>
+<p:notes xmlns:a="http://schemas.openxmlformats.org/drawingml/2006/main" xmlns:r="http://schemas.openxmlformats.org/officeDocument/2006/relationships" xmlns:p="http://schemas.openxmlformats.org/presentationml/2006/main">
+  <p:cSld>
+    <p:spTree>
+      <p:nvGrpSpPr>
+        <p:cNvPr id="1" name=""/>
+        <p:cNvGrpSpPr/>
+        <p:nvPr/>
+      </p:nvGrpSpPr>
+      <p:grpSpPr>
+        <a:xfrm>
+          <a:off x="0" y="0"/>
+          <a:ext cx="0" cy="0"/>
+          <a:chOff x="0" y="0"/>
+          <a:chExt cx="0" cy="0"/>
+        </a:xfrm>
+      </p:grpSpPr>
+      <p:sp>
+        <p:nvSpPr>
+          <p:cNvPr id="2" name="Slide Image Placeholder 1"/>
+          <p:cNvSpPr>
+            <a:spLocks noGrp="1" noRot="1" noChangeAspect="1"/>
+          </p:cNvSpPr>
+          <p:nvPr>
+            <p:ph type="sldImg"/>
+          </p:nvPr>
+        </p:nvSpPr>
+        <p:spPr>
+          <a:xfrm>
+            <a:off x="2971800" y="549275"/>
+            <a:ext cx="3657600" cy="2743200"/>
+          </a:xfrm>
+        </p:spPr>
+      </p:sp>
+      <p:sp>
+        <p:nvSpPr>
+          <p:cNvPr id="3" name="Notes Placeholder 2"/>
+          <p:cNvSpPr>
+            <a:spLocks noGrp="1"/>
+          </p:cNvSpPr>
+          <p:nvPr>
+            <p:ph type="body" idx="1"/>
+          </p:nvPr>
+        </p:nvSpPr>
+        <p:spPr/>
+        <p:txBody>
+          <a:bodyPr>
+            <a:normAutofit/>
+          </a:bodyPr>
+          <a:lstStyle/>
+          <a:p>
+            <a:endParaRPr lang="en-US" dirty="0"/>
+          </a:p>
+        </p:txBody>
+      </p:sp>
+      <p:sp>
+        <p:nvSpPr>
+          <p:cNvPr id="4" name="Slide Number Placeholder 3"/>
+          <p:cNvSpPr>
+            <a:spLocks noGrp="1"/>
+          </p:cNvSpPr>
+          <p:nvPr>
+            <p:ph type="sldNum" sz="quarter" idx="10"/>
+          </p:nvPr>
+        </p:nvSpPr>
+        <p:spPr/>
+        <p:txBody>
+          <a:bodyPr/>
+          <a:lstStyle/>
+          <a:p>
+            <a:fld id="{A02B9F3F-3042-489F-AF35-1A733968F079}" type="slidenum">
+              <a:rPr lang="en-US" smtClean="0"/>
+              <a:pPr/>
+              <a:t>16</a:t>
+            </a:fld>
+            <a:endParaRPr lang="en-US" dirty="0"/>
+          </a:p>
+        </p:txBody>
+      </p:sp>
+    </p:spTree>
+  </p:cSld>
+  <p:clrMapOvr>
+    <a:masterClrMapping/>
+  </p:clrMapOvr>
+</p:notes>
+</file>
+
+<file path=ppt/notesSlides/notesSlide16.xml><?xml version="1.0" encoding="utf-8"?>
+<p:notes xmlns:a="http://schemas.openxmlformats.org/drawingml/2006/main" xmlns:r="http://schemas.openxmlformats.org/officeDocument/2006/relationships" xmlns:p="http://schemas.openxmlformats.org/presentationml/2006/main">
+  <p:cSld>
+    <p:spTree>
+      <p:nvGrpSpPr>
+        <p:cNvPr id="1" name=""/>
+        <p:cNvGrpSpPr/>
+        <p:nvPr/>
+      </p:nvGrpSpPr>
+      <p:grpSpPr>
+        <a:xfrm>
+          <a:off x="0" y="0"/>
+          <a:ext cx="0" cy="0"/>
+          <a:chOff x="0" y="0"/>
+          <a:chExt cx="0" cy="0"/>
+        </a:xfrm>
+      </p:grpSpPr>
+      <p:sp>
+        <p:nvSpPr>
+          <p:cNvPr id="7" name="Rectangle 7"/>
+          <p:cNvSpPr>
+            <a:spLocks noGrp="1" noChangeArrowheads="1"/>
+          </p:cNvSpPr>
+          <p:nvPr>
+            <p:ph type="sldNum" sz="quarter" idx="5"/>
+          </p:nvPr>
+        </p:nvSpPr>
+        <p:spPr>
+          <a:ln/>
+        </p:spPr>
+        <p:txBody>
+          <a:bodyPr/>
+          <a:lstStyle/>
+          <a:p>
+            <a:fld id="{62360F89-AB64-44B8-AE63-46107BBA2334}" type="slidenum">
+              <a:rPr lang="en-US"/>
+              <a:pPr/>
+              <a:t>17</a:t>
+            </a:fld>
+            <a:endParaRPr lang="en-US" dirty="0"/>
+          </a:p>
+        </p:txBody>
+      </p:sp>
+      <p:sp>
+        <p:nvSpPr>
+          <p:cNvPr id="196610" name="Rectangle 2"/>
+          <p:cNvSpPr>
+            <a:spLocks noGrp="1" noRot="1" noChangeAspect="1" noChangeArrowheads="1" noTextEdit="1"/>
+          </p:cNvSpPr>
+          <p:nvPr>
+            <p:ph type="sldImg"/>
+          </p:nvPr>
+        </p:nvSpPr>
+        <p:spPr>
+          <a:xfrm>
+            <a:off x="2971800" y="549275"/>
+            <a:ext cx="3657600" cy="2743200"/>
+          </a:xfrm>
+          <a:ln/>
+        </p:spPr>
+      </p:sp>
+      <p:sp>
+        <p:nvSpPr>
+          <p:cNvPr id="196611" name="Rectangle 3"/>
+          <p:cNvSpPr>
+            <a:spLocks noGrp="1" noChangeArrowheads="1"/>
+          </p:cNvSpPr>
+          <p:nvPr>
+            <p:ph type="body" idx="1"/>
+          </p:nvPr>
+        </p:nvSpPr>
+        <p:spPr/>
+        <p:txBody>
+          <a:bodyPr/>
+          <a:lstStyle/>
+          <a:p>
+            <a:endParaRPr lang="en-US" dirty="0"/>
+          </a:p>
+        </p:txBody>
+      </p:sp>
+    </p:spTree>
+  </p:cSld>
+  <p:clrMapOvr>
+    <a:masterClrMapping/>
+  </p:clrMapOvr>
+</p:notes>
+</file>
+
+<file path=ppt/notesSlides/notesSlide17.xml><?xml version="1.0" encoding="utf-8"?>
+<p:notes xmlns:a="http://schemas.openxmlformats.org/drawingml/2006/main" xmlns:r="http://schemas.openxmlformats.org/officeDocument/2006/relationships" xmlns:p="http://schemas.openxmlformats.org/presentationml/2006/main">
+  <p:cSld>
+    <p:spTree>
+      <p:nvGrpSpPr>
+        <p:cNvPr id="1" name=""/>
+        <p:cNvGrpSpPr/>
+        <p:nvPr/>
+      </p:nvGrpSpPr>
+      <p:grpSpPr>
+        <a:xfrm>
+          <a:off x="0" y="0"/>
+          <a:ext cx="0" cy="0"/>
+          <a:chOff x="0" y="0"/>
+          <a:chExt cx="0" cy="0"/>
+        </a:xfrm>
+      </p:grpSpPr>
+      <p:sp>
+        <p:nvSpPr>
+          <p:cNvPr id="7" name="Rectangle 7"/>
+          <p:cNvSpPr>
+            <a:spLocks noGrp="1" noChangeArrowheads="1"/>
+          </p:cNvSpPr>
+          <p:nvPr>
+            <p:ph type="sldNum" sz="quarter" idx="5"/>
+          </p:nvPr>
+        </p:nvSpPr>
+        <p:spPr>
+          <a:ln/>
+        </p:spPr>
+        <p:txBody>
+          <a:bodyPr/>
+          <a:lstStyle/>
+          <a:p>
+            <a:fld id="{62360F89-AB64-44B8-AE63-46107BBA2334}" type="slidenum">
+              <a:rPr lang="en-US"/>
+              <a:pPr/>
+              <a:t>18</a:t>
+            </a:fld>
+            <a:endParaRPr lang="en-US" dirty="0"/>
+          </a:p>
+        </p:txBody>
+      </p:sp>
+      <p:sp>
+        <p:nvSpPr>
+          <p:cNvPr id="196610" name="Rectangle 2"/>
+          <p:cNvSpPr>
+            <a:spLocks noGrp="1" noRot="1" noChangeAspect="1" noChangeArrowheads="1" noTextEdit="1"/>
+          </p:cNvSpPr>
+          <p:nvPr>
+            <p:ph type="sldImg"/>
+          </p:nvPr>
+        </p:nvSpPr>
+        <p:spPr>
+          <a:xfrm>
+            <a:off x="2971800" y="549275"/>
+            <a:ext cx="3657600" cy="2743200"/>
+          </a:xfrm>
+          <a:ln/>
+        </p:spPr>
+      </p:sp>
+      <p:sp>
+        <p:nvSpPr>
+          <p:cNvPr id="196611" name="Rectangle 3"/>
+          <p:cNvSpPr>
+            <a:spLocks noGrp="1" noChangeArrowheads="1"/>
+          </p:cNvSpPr>
+          <p:nvPr>
+            <p:ph type="body" idx="1"/>
+          </p:nvPr>
+        </p:nvSpPr>
+        <p:spPr/>
+        <p:txBody>
+          <a:bodyPr/>
+          <a:lstStyle/>
+          <a:p>
+            <a:endParaRPr lang="en-US" dirty="0"/>
+          </a:p>
+        </p:txBody>
+      </p:sp>
+    </p:spTree>
+  </p:cSld>
+  <p:clrMapOvr>
+    <a:masterClrMapping/>
+  </p:clrMapOvr>
+</p:notes>
+</file>
+
+<file path=ppt/notesSlides/notesSlide18.xml><?xml version="1.0" encoding="utf-8"?>
+<p:notes xmlns:a="http://schemas.openxmlformats.org/drawingml/2006/main" xmlns:r="http://schemas.openxmlformats.org/officeDocument/2006/relationships" xmlns:p="http://schemas.openxmlformats.org/presentationml/2006/main">
+  <p:cSld>
+    <p:spTree>
+      <p:nvGrpSpPr>
+        <p:cNvPr id="1" name=""/>
+        <p:cNvGrpSpPr/>
+        <p:nvPr/>
+      </p:nvGrpSpPr>
+      <p:grpSpPr>
+        <a:xfrm>
+          <a:off x="0" y="0"/>
+          <a:ext cx="0" cy="0"/>
+          <a:chOff x="0" y="0"/>
+          <a:chExt cx="0" cy="0"/>
+        </a:xfrm>
+      </p:grpSpPr>
+      <p:sp>
+        <p:nvSpPr>
+          <p:cNvPr id="2" name="Slide Image Placeholder 1"/>
+          <p:cNvSpPr>
+            <a:spLocks noGrp="1" noRot="1" noChangeAspect="1"/>
+          </p:cNvSpPr>
+          <p:nvPr>
+            <p:ph type="sldImg"/>
+          </p:nvPr>
+        </p:nvSpPr>
+        <p:spPr>
+          <a:xfrm>
+            <a:off x="2971800" y="549275"/>
+            <a:ext cx="3657600" cy="2743200"/>
+          </a:xfrm>
+        </p:spPr>
+      </p:sp>
+      <p:sp>
+        <p:nvSpPr>
+          <p:cNvPr id="3" name="Notes Placeholder 2"/>
+          <p:cNvSpPr>
+            <a:spLocks noGrp="1"/>
+          </p:cNvSpPr>
+          <p:nvPr>
+            <p:ph type="body" idx="1"/>
+          </p:nvPr>
+        </p:nvSpPr>
+        <p:spPr/>
+        <p:txBody>
+          <a:bodyPr>
+            <a:normAutofit/>
+          </a:bodyPr>
+          <a:lstStyle/>
+          <a:p>
+            <a:endParaRPr lang="en-US" dirty="0"/>
+          </a:p>
+        </p:txBody>
+      </p:sp>
+      <p:sp>
+        <p:nvSpPr>
+          <p:cNvPr id="4" name="Slide Number Placeholder 3"/>
+          <p:cNvSpPr>
+            <a:spLocks noGrp="1"/>
+          </p:cNvSpPr>
+          <p:nvPr>
+            <p:ph type="sldNum" sz="quarter" idx="10"/>
+          </p:nvPr>
+        </p:nvSpPr>
+        <p:spPr/>
+        <p:txBody>
+          <a:bodyPr/>
+          <a:lstStyle/>
+          <a:p>
+            <a:fld id="{A02B9F3F-3042-489F-AF35-1A733968F079}" type="slidenum">
+              <a:rPr lang="en-US" smtClean="0"/>
+              <a:pPr/>
+              <a:t>19</a:t>
+            </a:fld>
+            <a:endParaRPr lang="en-US" dirty="0"/>
+          </a:p>
+        </p:txBody>
+      </p:sp>
+    </p:spTree>
+  </p:cSld>
+  <p:clrMapOvr>
+    <a:masterClrMapping/>
+  </p:clrMapOvr>
+</p:notes>
+</file>
+
+<file path=ppt/notesSlides/notesSlide19.xml><?xml version="1.0" encoding="utf-8"?>
+<p:notes xmlns:a="http://schemas.openxmlformats.org/drawingml/2006/main" xmlns:r="http://schemas.openxmlformats.org/officeDocument/2006/relationships" xmlns:p="http://schemas.openxmlformats.org/presentationml/2006/main">
+  <p:cSld>
+    <p:spTree>
+      <p:nvGrpSpPr>
+        <p:cNvPr id="1" name=""/>
+        <p:cNvGrpSpPr/>
+        <p:nvPr/>
+      </p:nvGrpSpPr>
+      <p:grpSpPr>
+        <a:xfrm>
+          <a:off x="0" y="0"/>
+          <a:ext cx="0" cy="0"/>
+          <a:chOff x="0" y="0"/>
+          <a:chExt cx="0" cy="0"/>
+        </a:xfrm>
+      </p:grpSpPr>
+      <p:sp>
+        <p:nvSpPr>
+          <p:cNvPr id="2" name="Slide Image Placeholder 1"/>
+          <p:cNvSpPr>
+            <a:spLocks noGrp="1" noRot="1" noChangeAspect="1"/>
+          </p:cNvSpPr>
+          <p:nvPr>
+            <p:ph type="sldImg"/>
+          </p:nvPr>
+        </p:nvSpPr>
+        <p:spPr/>
+      </p:sp>
+      <p:sp>
+        <p:nvSpPr>
+          <p:cNvPr id="3" name="Notes Placeholder 2"/>
+          <p:cNvSpPr>
+            <a:spLocks noGrp="1"/>
+          </p:cNvSpPr>
+          <p:nvPr>
+            <p:ph type="body" idx="1"/>
+          </p:nvPr>
+        </p:nvSpPr>
+        <p:spPr/>
+        <p:txBody>
+          <a:bodyPr/>
+          <a:lstStyle/>
+          <a:p>
+            <a:endParaRPr lang="en-US"/>
+          </a:p>
+        </p:txBody>
+      </p:sp>
+      <p:sp>
+        <p:nvSpPr>
+          <p:cNvPr id="4" name="Slide Number Placeholder 3"/>
+          <p:cNvSpPr>
+            <a:spLocks noGrp="1"/>
+          </p:cNvSpPr>
+          <p:nvPr>
+            <p:ph type="sldNum" sz="quarter" idx="10"/>
+          </p:nvPr>
+        </p:nvSpPr>
+        <p:spPr/>
+        <p:txBody>
+          <a:bodyPr/>
+          <a:lstStyle/>
+          <a:p>
+            <a:fld id="{A02B9F3F-3042-489F-AF35-1A733968F079}" type="slidenum">
+              <a:rPr lang="en-US" smtClean="0"/>
+              <a:pPr/>
+              <a:t>20</a:t>
+            </a:fld>
+            <a:endParaRPr lang="en-US" dirty="0"/>
+          </a:p>
+        </p:txBody>
+      </p:sp>
+    </p:spTree>
+    <p:extLst>
+      <p:ext uri="{BB962C8B-B14F-4D97-AF65-F5344CB8AC3E}">
+        <p14:creationId xmlns:p14="http://schemas.microsoft.com/office/powerpoint/2010/main" val="1597003377"/>
+      </p:ext>
+    </p:extLst>
+  </p:cSld>
+  <p:clrMapOvr>
+    <a:masterClrMapping/>
+  </p:clrMapOvr>
+</p:notes>
+</file>
+
+<file path=ppt/notesSlides/notesSlide2.xml><?xml version="1.0" encoding="utf-8"?>
+<p:notes xmlns:a="http://schemas.openxmlformats.org/drawingml/2006/main" xmlns:r="http://schemas.openxmlformats.org/officeDocument/2006/relationships" xmlns:p="http://schemas.openxmlformats.org/presentationml/2006/main">
+  <p:cSld>
+    <p:spTree>
+      <p:nvGrpSpPr>
+        <p:cNvPr id="1" name=""/>
+        <p:cNvGrpSpPr/>
+        <p:nvPr/>
+      </p:nvGrpSpPr>
+      <p:grpSpPr>
+        <a:xfrm>
+          <a:off x="0" y="0"/>
+          <a:ext cx="0" cy="0"/>
+          <a:chOff x="0" y="0"/>
+          <a:chExt cx="0" cy="0"/>
+        </a:xfrm>
+      </p:grpSpPr>
+      <p:sp>
+        <p:nvSpPr>
+          <p:cNvPr id="2" name="Slide Image Placeholder 1"/>
+          <p:cNvSpPr>
+            <a:spLocks noGrp="1" noRot="1" noChangeAspect="1"/>
+          </p:cNvSpPr>
+          <p:nvPr>
+            <p:ph type="sldImg"/>
+          </p:nvPr>
+        </p:nvSpPr>
+        <p:spPr/>
+      </p:sp>
+      <p:sp>
+        <p:nvSpPr>
+          <p:cNvPr id="3" name="Notes Placeholder 2"/>
+          <p:cNvSpPr>
+            <a:spLocks noGrp="1"/>
+          </p:cNvSpPr>
+          <p:nvPr>
+            <p:ph type="body" idx="1"/>
+          </p:nvPr>
+        </p:nvSpPr>
+        <p:spPr/>
+        <p:txBody>
+          <a:bodyPr/>
+          <a:lstStyle/>
+          <a:p>
+            <a:endParaRPr lang="en-US"/>
+          </a:p>
+        </p:txBody>
+      </p:sp>
+      <p:sp>
+        <p:nvSpPr>
+          <p:cNvPr id="4" name="Slide Number Placeholder 3"/>
+          <p:cNvSpPr>
+            <a:spLocks noGrp="1"/>
+          </p:cNvSpPr>
+          <p:nvPr>
+            <p:ph type="sldNum" sz="quarter" idx="10"/>
+          </p:nvPr>
+        </p:nvSpPr>
+        <p:spPr/>
+        <p:txBody>
+          <a:bodyPr/>
+          <a:lstStyle/>
+          <a:p>
+            <a:fld id="{A02B9F3F-3042-489F-AF35-1A733968F079}" type="slidenum">
+              <a:rPr lang="en-US" smtClean="0"/>
+              <a:pPr/>
+              <a:t>2</a:t>
+            </a:fld>
+            <a:endParaRPr lang="en-US" dirty="0"/>
+          </a:p>
+        </p:txBody>
+      </p:sp>
+    </p:spTree>
+    <p:extLst>
+      <p:ext uri="{BB962C8B-B14F-4D97-AF65-F5344CB8AC3E}">
+        <p14:creationId xmlns:p14="http://schemas.microsoft.com/office/powerpoint/2010/main" val="3172855092"/>
+      </p:ext>
+    </p:extLst>
+  </p:cSld>
+  <p:clrMapOvr>
+    <a:masterClrMapping/>
+  </p:clrMapOvr>
+</p:notes>
+</file>
+
+<file path=ppt/notesSlides/notesSlide20.xml><?xml version="1.0" encoding="utf-8"?>
+<p:notes xmlns:a="http://schemas.openxmlformats.org/drawingml/2006/main" xmlns:r="http://schemas.openxmlformats.org/officeDocument/2006/relationships" xmlns:p="http://schemas.openxmlformats.org/presentationml/2006/main">
+  <p:cSld>
+    <p:spTree>
+      <p:nvGrpSpPr>
+        <p:cNvPr id="1" name=""/>
+        <p:cNvGrpSpPr/>
+        <p:nvPr/>
+      </p:nvGrpSpPr>
+      <p:grpSpPr>
+        <a:xfrm>
+          <a:off x="0" y="0"/>
+          <a:ext cx="0" cy="0"/>
+          <a:chOff x="0" y="0"/>
+          <a:chExt cx="0" cy="0"/>
+        </a:xfrm>
+      </p:grpSpPr>
+      <p:sp>
+        <p:nvSpPr>
+          <p:cNvPr id="2" name="Slide Image Placeholder 1"/>
+          <p:cNvSpPr>
+            <a:spLocks noGrp="1" noRot="1" noChangeAspect="1"/>
+          </p:cNvSpPr>
+          <p:nvPr>
+            <p:ph type="sldImg"/>
+          </p:nvPr>
+        </p:nvSpPr>
+        <p:spPr>
+          <a:xfrm>
+            <a:off x="2971800" y="549275"/>
+            <a:ext cx="3657600" cy="2743200"/>
+          </a:xfrm>
+        </p:spPr>
+      </p:sp>
+      <p:sp>
+        <p:nvSpPr>
+          <p:cNvPr id="3" name="Notes Placeholder 2"/>
+          <p:cNvSpPr>
+            <a:spLocks noGrp="1"/>
+          </p:cNvSpPr>
+          <p:nvPr>
+            <p:ph type="body" idx="1"/>
+          </p:nvPr>
+        </p:nvSpPr>
+        <p:spPr/>
+        <p:txBody>
+          <a:bodyPr>
+            <a:normAutofit/>
+          </a:bodyPr>
+          <a:lstStyle/>
+          <a:p>
+            <a:endParaRPr lang="en-US" dirty="0"/>
+          </a:p>
+        </p:txBody>
+      </p:sp>
+      <p:sp>
+        <p:nvSpPr>
+          <p:cNvPr id="4" name="Slide Number Placeholder 3"/>
+          <p:cNvSpPr>
+            <a:spLocks noGrp="1"/>
+          </p:cNvSpPr>
+          <p:nvPr>
+            <p:ph type="sldNum" sz="quarter" idx="10"/>
+          </p:nvPr>
+        </p:nvSpPr>
+        <p:spPr/>
+        <p:txBody>
+          <a:bodyPr/>
+          <a:lstStyle/>
+          <a:p>
+            <a:fld id="{A02B9F3F-3042-489F-AF35-1A733968F079}" type="slidenum">
+              <a:rPr lang="en-US" smtClean="0"/>
+              <a:pPr/>
+              <a:t>21</a:t>
+            </a:fld>
+            <a:endParaRPr lang="en-US" dirty="0"/>
+          </a:p>
+        </p:txBody>
+      </p:sp>
+    </p:spTree>
+  </p:cSld>
+  <p:clrMapOvr>
+    <a:masterClrMapping/>
+  </p:clrMapOvr>
+</p:notes>
+</file>
+
+<file path=ppt/notesSlides/notesSlide21.xml><?xml version="1.0" encoding="utf-8"?>
+<p:notes xmlns:a="http://schemas.openxmlformats.org/drawingml/2006/main" xmlns:r="http://schemas.openxmlformats.org/officeDocument/2006/relationships" xmlns:p="http://schemas.openxmlformats.org/presentationml/2006/main">
+  <p:cSld>
+    <p:spTree>
+      <p:nvGrpSpPr>
+        <p:cNvPr id="1" name=""/>
+        <p:cNvGrpSpPr/>
+        <p:nvPr/>
+      </p:nvGrpSpPr>
+      <p:grpSpPr>
+        <a:xfrm>
+          <a:off x="0" y="0"/>
+          <a:ext cx="0" cy="0"/>
+          <a:chOff x="0" y="0"/>
+          <a:chExt cx="0" cy="0"/>
+        </a:xfrm>
+      </p:grpSpPr>
+      <p:sp>
+        <p:nvSpPr>
+          <p:cNvPr id="2" name="Slide Image Placeholder 1"/>
+          <p:cNvSpPr>
+            <a:spLocks noGrp="1" noRot="1" noChangeAspect="1"/>
+          </p:cNvSpPr>
+          <p:nvPr>
+            <p:ph type="sldImg"/>
+          </p:nvPr>
+        </p:nvSpPr>
+        <p:spPr>
+          <a:xfrm>
+            <a:off x="2971800" y="549275"/>
+            <a:ext cx="3657600" cy="2743200"/>
+          </a:xfrm>
+        </p:spPr>
+      </p:sp>
+      <p:sp>
+        <p:nvSpPr>
+          <p:cNvPr id="3" name="Notes Placeholder 2"/>
+          <p:cNvSpPr>
+            <a:spLocks noGrp="1"/>
+          </p:cNvSpPr>
+          <p:nvPr>
+            <p:ph type="body" idx="1"/>
+          </p:nvPr>
+        </p:nvSpPr>
+        <p:spPr/>
+        <p:txBody>
           <a:bodyPr>
             <a:normAutofit/>
           </a:bodyPr>
@@ -1000,7 +2044,7 @@
 </p:notes>
 </file>
 
-<file path=ppt/notesSlides/notesSlide2.xml><?xml version="1.0" encoding="utf-8"?>
+<file path=ppt/notesSlides/notesSlide3.xml><?xml version="1.0" encoding="utf-8"?>
 <p:notes xmlns:a="http://schemas.openxmlformats.org/drawingml/2006/main" xmlns:r="http://schemas.openxmlformats.org/officeDocument/2006/relationships" xmlns:p="http://schemas.openxmlformats.org/presentationml/2006/main">
   <p:cSld>
     <p:spTree>
@@ -1054,96 +2098,16 @@
           </p:nvPr>
         </p:nvSpPr>
         <p:spPr>
+          <a:xfrm>
+            <a:off x="2971800" y="549275"/>
+            <a:ext cx="3657600" cy="2743200"/>
+          </a:xfrm>
           <a:ln/>
         </p:spPr>
       </p:sp>
       <p:sp>
         <p:nvSpPr>
           <p:cNvPr id="198659" name="Rectangle 3"/>
-          <p:cNvSpPr>
-            <a:spLocks noGrp="1" noChangeArrowheads="1"/>
-          </p:cNvSpPr>
-          <p:nvPr>
-            <p:ph type="body" idx="1"/>
-          </p:nvPr>
-        </p:nvSpPr>
-        <p:spPr/>
-        <p:txBody>
-          <a:bodyPr/>
-          <a:lstStyle/>
-          <a:p>
-            <a:endParaRPr lang="en-US" dirty="0"/>
-          </a:p>
-        </p:txBody>
-      </p:sp>
-    </p:spTree>
-  </p:cSld>
-  <p:clrMapOvr>
-    <a:masterClrMapping/>
-  </p:clrMapOvr>
-</p:notes>
-</file>
-
-<file path=ppt/notesSlides/notesSlide3.xml><?xml version="1.0" encoding="utf-8"?>
-<p:notes xmlns:a="http://schemas.openxmlformats.org/drawingml/2006/main" xmlns:r="http://schemas.openxmlformats.org/officeDocument/2006/relationships" xmlns:p="http://schemas.openxmlformats.org/presentationml/2006/main">
-  <p:cSld>
-    <p:spTree>
-      <p:nvGrpSpPr>
-        <p:cNvPr id="1" name=""/>
-        <p:cNvGrpSpPr/>
-        <p:nvPr/>
-      </p:nvGrpSpPr>
-      <p:grpSpPr>
-        <a:xfrm>
-          <a:off x="0" y="0"/>
-          <a:ext cx="0" cy="0"/>
-          <a:chOff x="0" y="0"/>
-          <a:chExt cx="0" cy="0"/>
-        </a:xfrm>
-      </p:grpSpPr>
-      <p:sp>
-        <p:nvSpPr>
-          <p:cNvPr id="7" name="Rectangle 7"/>
-          <p:cNvSpPr>
-            <a:spLocks noGrp="1" noChangeArrowheads="1"/>
-          </p:cNvSpPr>
-          <p:nvPr>
-            <p:ph type="sldNum" sz="quarter" idx="5"/>
-          </p:nvPr>
-        </p:nvSpPr>
-        <p:spPr>
-          <a:ln/>
-        </p:spPr>
-        <p:txBody>
-          <a:bodyPr/>
-          <a:lstStyle/>
-          <a:p>
-            <a:fld id="{792F57B6-8473-4409-BEB2-FC7EB9AC9EDE}" type="slidenum">
-              <a:rPr lang="en-US"/>
-              <a:pPr/>
-              <a:t>4</a:t>
-            </a:fld>
-            <a:endParaRPr lang="en-US" dirty="0"/>
-          </a:p>
-        </p:txBody>
-      </p:sp>
-      <p:sp>
-        <p:nvSpPr>
-          <p:cNvPr id="199682" name="Rectangle 2"/>
-          <p:cNvSpPr>
-            <a:spLocks noGrp="1" noRot="1" noChangeAspect="1" noChangeArrowheads="1" noTextEdit="1"/>
-          </p:cNvSpPr>
-          <p:nvPr>
-            <p:ph type="sldImg"/>
-          </p:nvPr>
-        </p:nvSpPr>
-        <p:spPr>
-          <a:ln/>
-        </p:spPr>
-      </p:sp>
-      <p:sp>
-        <p:nvSpPr>
-          <p:cNvPr id="199683" name="Rectangle 3"/>
           <p:cNvSpPr>
             <a:spLocks noGrp="1" noChangeArrowheads="1"/>
           </p:cNvSpPr>
@@ -1202,10 +2166,10 @@
           <a:bodyPr/>
           <a:lstStyle/>
           <a:p>
-            <a:fld id="{DA0B81FD-B4A6-48C9-B3F4-A45B625CBF8B}" type="slidenum">
+            <a:fld id="{792F57B6-8473-4409-BEB2-FC7EB9AC9EDE}" type="slidenum">
               <a:rPr lang="en-US"/>
               <a:pPr/>
-              <a:t>16</a:t>
+              <a:t>4</a:t>
             </a:fld>
             <a:endParaRPr lang="en-US" dirty="0"/>
           </a:p>
@@ -1213,7 +2177,7 @@
       </p:sp>
       <p:sp>
         <p:nvSpPr>
-          <p:cNvPr id="195586" name="Rectangle 2"/>
+          <p:cNvPr id="199682" name="Rectangle 2"/>
           <p:cNvSpPr>
             <a:spLocks noGrp="1" noRot="1" noChangeAspect="1" noChangeArrowheads="1" noTextEdit="1"/>
           </p:cNvSpPr>
@@ -1222,12 +2186,16 @@
           </p:nvPr>
         </p:nvSpPr>
         <p:spPr>
+          <a:xfrm>
+            <a:off x="2971800" y="549275"/>
+            <a:ext cx="3657600" cy="2743200"/>
+          </a:xfrm>
           <a:ln/>
         </p:spPr>
       </p:sp>
       <p:sp>
         <p:nvSpPr>
-          <p:cNvPr id="195587" name="Rectangle 3"/>
+          <p:cNvPr id="199683" name="Rectangle 3"/>
           <p:cNvSpPr>
             <a:spLocks noGrp="1" noChangeArrowheads="1"/>
           </p:cNvSpPr>
@@ -1293,12 +2261,10 @@
         </p:nvSpPr>
         <p:spPr/>
         <p:txBody>
-          <a:bodyPr>
-            <a:normAutofit/>
-          </a:bodyPr>
+          <a:bodyPr/>
           <a:lstStyle/>
           <a:p>
-            <a:endParaRPr lang="en-US" dirty="0"/>
+            <a:endParaRPr lang="en-US"/>
           </a:p>
         </p:txBody>
       </p:sp>
@@ -1320,13 +2286,18 @@
             <a:fld id="{A02B9F3F-3042-489F-AF35-1A733968F079}" type="slidenum">
               <a:rPr lang="en-US" smtClean="0"/>
               <a:pPr/>
-              <a:t>17</a:t>
+              <a:t>5</a:t>
             </a:fld>
             <a:endParaRPr lang="en-US" dirty="0"/>
           </a:p>
         </p:txBody>
       </p:sp>
     </p:spTree>
+    <p:extLst>
+      <p:ext uri="{BB962C8B-B14F-4D97-AF65-F5344CB8AC3E}">
+        <p14:creationId xmlns:p14="http://schemas.microsoft.com/office/powerpoint/2010/main" val="3983654983"/>
+      </p:ext>
+    </p:extLst>
   </p:cSld>
   <p:clrMapOvr>
     <a:masterClrMapping/>
@@ -1353,49 +2324,21 @@
       </p:grpSpPr>
       <p:sp>
         <p:nvSpPr>
-          <p:cNvPr id="7" name="Rectangle 7"/>
+          <p:cNvPr id="2" name="Slide Image Placeholder 1"/>
           <p:cNvSpPr>
-            <a:spLocks noGrp="1" noChangeArrowheads="1"/>
-          </p:cNvSpPr>
-          <p:nvPr>
-            <p:ph type="sldNum" sz="quarter" idx="5"/>
-          </p:nvPr>
-        </p:nvSpPr>
-        <p:spPr>
-          <a:ln/>
-        </p:spPr>
-        <p:txBody>
-          <a:bodyPr/>
-          <a:lstStyle/>
-          <a:p>
-            <a:fld id="{62360F89-AB64-44B8-AE63-46107BBA2334}" type="slidenum">
-              <a:rPr lang="en-US"/>
-              <a:pPr/>
-              <a:t>18</a:t>
-            </a:fld>
-            <a:endParaRPr lang="en-US" dirty="0"/>
-          </a:p>
-        </p:txBody>
-      </p:sp>
-      <p:sp>
-        <p:nvSpPr>
-          <p:cNvPr id="196610" name="Rectangle 2"/>
-          <p:cNvSpPr>
-            <a:spLocks noGrp="1" noRot="1" noChangeAspect="1" noChangeArrowheads="1" noTextEdit="1"/>
+            <a:spLocks noGrp="1" noRot="1" noChangeAspect="1"/>
           </p:cNvSpPr>
           <p:nvPr>
             <p:ph type="sldImg"/>
           </p:nvPr>
         </p:nvSpPr>
-        <p:spPr>
-          <a:ln/>
-        </p:spPr>
+        <p:spPr/>
       </p:sp>
       <p:sp>
         <p:nvSpPr>
-          <p:cNvPr id="196611" name="Rectangle 3"/>
+          <p:cNvPr id="3" name="Notes Placeholder 2"/>
           <p:cNvSpPr>
-            <a:spLocks noGrp="1" noChangeArrowheads="1"/>
+            <a:spLocks noGrp="1"/>
           </p:cNvSpPr>
           <p:nvPr>
             <p:ph type="body" idx="1"/>
@@ -1406,11 +2349,40 @@
           <a:bodyPr/>
           <a:lstStyle/>
           <a:p>
+            <a:endParaRPr lang="en-US"/>
+          </a:p>
+        </p:txBody>
+      </p:sp>
+      <p:sp>
+        <p:nvSpPr>
+          <p:cNvPr id="4" name="Slide Number Placeholder 3"/>
+          <p:cNvSpPr>
+            <a:spLocks noGrp="1"/>
+          </p:cNvSpPr>
+          <p:nvPr>
+            <p:ph type="sldNum" sz="quarter" idx="10"/>
+          </p:nvPr>
+        </p:nvSpPr>
+        <p:spPr/>
+        <p:txBody>
+          <a:bodyPr/>
+          <a:lstStyle/>
+          <a:p>
+            <a:fld id="{A02B9F3F-3042-489F-AF35-1A733968F079}" type="slidenum">
+              <a:rPr lang="en-US" smtClean="0"/>
+              <a:pPr/>
+              <a:t>6</a:t>
+            </a:fld>
             <a:endParaRPr lang="en-US" dirty="0"/>
           </a:p>
         </p:txBody>
       </p:sp>
     </p:spTree>
+    <p:extLst>
+      <p:ext uri="{BB962C8B-B14F-4D97-AF65-F5344CB8AC3E}">
+        <p14:creationId xmlns:p14="http://schemas.microsoft.com/office/powerpoint/2010/main" val="359501559"/>
+      </p:ext>
+    </p:extLst>
   </p:cSld>
   <p:clrMapOvr>
     <a:masterClrMapping/>
@@ -1437,49 +2409,21 @@
       </p:grpSpPr>
       <p:sp>
         <p:nvSpPr>
-          <p:cNvPr id="7" name="Rectangle 7"/>
+          <p:cNvPr id="2" name="Slide Image Placeholder 1"/>
           <p:cNvSpPr>
-            <a:spLocks noGrp="1" noChangeArrowheads="1"/>
-          </p:cNvSpPr>
-          <p:nvPr>
-            <p:ph type="sldNum" sz="quarter" idx="5"/>
-          </p:nvPr>
-        </p:nvSpPr>
-        <p:spPr>
-          <a:ln/>
-        </p:spPr>
-        <p:txBody>
-          <a:bodyPr/>
-          <a:lstStyle/>
-          <a:p>
-            <a:fld id="{62360F89-AB64-44B8-AE63-46107BBA2334}" type="slidenum">
-              <a:rPr lang="en-US"/>
-              <a:pPr/>
-              <a:t>19</a:t>
-            </a:fld>
-            <a:endParaRPr lang="en-US" dirty="0"/>
-          </a:p>
-        </p:txBody>
-      </p:sp>
-      <p:sp>
-        <p:nvSpPr>
-          <p:cNvPr id="196610" name="Rectangle 2"/>
-          <p:cNvSpPr>
-            <a:spLocks noGrp="1" noRot="1" noChangeAspect="1" noChangeArrowheads="1" noTextEdit="1"/>
+            <a:spLocks noGrp="1" noRot="1" noChangeAspect="1"/>
           </p:cNvSpPr>
           <p:nvPr>
             <p:ph type="sldImg"/>
           </p:nvPr>
         </p:nvSpPr>
-        <p:spPr>
-          <a:ln/>
-        </p:spPr>
+        <p:spPr/>
       </p:sp>
       <p:sp>
         <p:nvSpPr>
-          <p:cNvPr id="196611" name="Rectangle 3"/>
+          <p:cNvPr id="3" name="Notes Placeholder 2"/>
           <p:cNvSpPr>
-            <a:spLocks noGrp="1" noChangeArrowheads="1"/>
+            <a:spLocks noGrp="1"/>
           </p:cNvSpPr>
           <p:nvPr>
             <p:ph type="body" idx="1"/>
@@ -1490,11 +2434,40 @@
           <a:bodyPr/>
           <a:lstStyle/>
           <a:p>
+            <a:endParaRPr lang="en-US"/>
+          </a:p>
+        </p:txBody>
+      </p:sp>
+      <p:sp>
+        <p:nvSpPr>
+          <p:cNvPr id="4" name="Slide Number Placeholder 3"/>
+          <p:cNvSpPr>
+            <a:spLocks noGrp="1"/>
+          </p:cNvSpPr>
+          <p:nvPr>
+            <p:ph type="sldNum" sz="quarter" idx="10"/>
+          </p:nvPr>
+        </p:nvSpPr>
+        <p:spPr/>
+        <p:txBody>
+          <a:bodyPr/>
+          <a:lstStyle/>
+          <a:p>
+            <a:fld id="{A02B9F3F-3042-489F-AF35-1A733968F079}" type="slidenum">
+              <a:rPr lang="en-US" smtClean="0"/>
+              <a:pPr/>
+              <a:t>7</a:t>
+            </a:fld>
             <a:endParaRPr lang="en-US" dirty="0"/>
           </a:p>
         </p:txBody>
       </p:sp>
     </p:spTree>
+    <p:extLst>
+      <p:ext uri="{BB962C8B-B14F-4D97-AF65-F5344CB8AC3E}">
+        <p14:creationId xmlns:p14="http://schemas.microsoft.com/office/powerpoint/2010/main" val="2351610253"/>
+      </p:ext>
+    </p:extLst>
   </p:cSld>
   <p:clrMapOvr>
     <a:masterClrMapping/>
@@ -1543,12 +2516,10 @@
         </p:nvSpPr>
         <p:spPr/>
         <p:txBody>
-          <a:bodyPr>
-            <a:normAutofit/>
-          </a:bodyPr>
+          <a:bodyPr/>
           <a:lstStyle/>
           <a:p>
-            <a:endParaRPr lang="en-US" dirty="0"/>
+            <a:endParaRPr lang="en-US"/>
           </a:p>
         </p:txBody>
       </p:sp>
@@ -1570,13 +2541,18 @@
             <a:fld id="{A02B9F3F-3042-489F-AF35-1A733968F079}" type="slidenum">
               <a:rPr lang="en-US" smtClean="0"/>
               <a:pPr/>
-              <a:t>20</a:t>
+              <a:t>8</a:t>
             </a:fld>
             <a:endParaRPr lang="en-US" dirty="0"/>
           </a:p>
         </p:txBody>
       </p:sp>
     </p:spTree>
+    <p:extLst>
+      <p:ext uri="{BB962C8B-B14F-4D97-AF65-F5344CB8AC3E}">
+        <p14:creationId xmlns:p14="http://schemas.microsoft.com/office/powerpoint/2010/main" val="4056570615"/>
+      </p:ext>
+    </p:extLst>
   </p:cSld>
   <p:clrMapOvr>
     <a:masterClrMapping/>
@@ -1625,12 +2601,10 @@
         </p:nvSpPr>
         <p:spPr/>
         <p:txBody>
-          <a:bodyPr>
-            <a:normAutofit/>
-          </a:bodyPr>
+          <a:bodyPr/>
           <a:lstStyle/>
           <a:p>
-            <a:endParaRPr lang="en-US" dirty="0"/>
+            <a:endParaRPr lang="en-US"/>
           </a:p>
         </p:txBody>
       </p:sp>
@@ -1652,13 +2626,18 @@
             <a:fld id="{A02B9F3F-3042-489F-AF35-1A733968F079}" type="slidenum">
               <a:rPr lang="en-US" smtClean="0"/>
               <a:pPr/>
-              <a:t>21</a:t>
+              <a:t>9</a:t>
             </a:fld>
             <a:endParaRPr lang="en-US" dirty="0"/>
           </a:p>
         </p:txBody>
       </p:sp>
     </p:spTree>
+    <p:extLst>
+      <p:ext uri="{BB962C8B-B14F-4D97-AF65-F5344CB8AC3E}">
+        <p14:creationId xmlns:p14="http://schemas.microsoft.com/office/powerpoint/2010/main" val="3275774874"/>
+      </p:ext>
+    </p:extLst>
   </p:cSld>
   <p:clrMapOvr>
     <a:masterClrMapping/>
@@ -1695,7 +2674,7 @@
         </p:nvSpPr>
         <p:spPr>
           <a:xfrm>
-            <a:off x="685800" y="2130425"/>
+            <a:off x="685800" y="2130426"/>
             <a:ext cx="7772400" cy="1470025"/>
           </a:xfrm>
         </p:spPr>
@@ -1781,13 +2760,13 @@
   <p:clrMapOvr>
     <a:masterClrMapping/>
   </p:clrMapOvr>
-  <mc:AlternateContent xmlns:mc="http://schemas.openxmlformats.org/markup-compatibility/2006">
-    <mc:Choice xmlns:p14="http://schemas.microsoft.com/office/powerpoint/2010/main" Requires="p14">
+  <mc:AlternateContent xmlns:mc="http://schemas.openxmlformats.org/markup-compatibility/2006" xmlns:p14="http://schemas.microsoft.com/office/powerpoint/2010/main">
+    <mc:Choice Requires="p14">
       <p:transition spd="slow" p14:dur="900" advClick="0">
         <p:fade/>
       </p:transition>
     </mc:Choice>
-    <mc:Fallback>
+    <mc:Fallback xmlns="">
       <p:transition xmlns:p14="http://schemas.microsoft.com/office/powerpoint/2010/main" spd="slow" advClick="0">
         <p:fade/>
       </p:transition>
@@ -1932,13 +2911,13 @@
   <p:clrMapOvr>
     <a:masterClrMapping/>
   </p:clrMapOvr>
-  <mc:AlternateContent xmlns:mc="http://schemas.openxmlformats.org/markup-compatibility/2006">
-    <mc:Choice xmlns:p14="http://schemas.microsoft.com/office/powerpoint/2010/main" Requires="p14">
+  <mc:AlternateContent xmlns:mc="http://schemas.openxmlformats.org/markup-compatibility/2006" xmlns:p14="http://schemas.microsoft.com/office/powerpoint/2010/main">
+    <mc:Choice Requires="p14">
       <p:transition spd="slow" p14:dur="900" advClick="0">
         <p:fade/>
       </p:transition>
     </mc:Choice>
-    <mc:Fallback>
+    <mc:Fallback xmlns="">
       <p:transition xmlns:p14="http://schemas.microsoft.com/office/powerpoint/2010/main" spd="slow" advClick="0">
         <p:fade/>
       </p:transition>
@@ -2015,7 +2994,7 @@
         </p:nvSpPr>
         <p:spPr>
           <a:xfrm>
-            <a:off x="722313" y="2906713"/>
+            <a:off x="722313" y="2906714"/>
             <a:ext cx="7772400" cy="1500187"/>
           </a:xfrm>
         </p:spPr>
@@ -2073,13 +3052,13 @@
   <p:clrMapOvr>
     <a:masterClrMapping/>
   </p:clrMapOvr>
-  <mc:AlternateContent xmlns:mc="http://schemas.openxmlformats.org/markup-compatibility/2006">
-    <mc:Choice xmlns:p14="http://schemas.microsoft.com/office/powerpoint/2010/main" Requires="p14">
+  <mc:AlternateContent xmlns:mc="http://schemas.openxmlformats.org/markup-compatibility/2006" xmlns:p14="http://schemas.microsoft.com/office/powerpoint/2010/main">
+    <mc:Choice Requires="p14">
       <p:transition spd="slow" p14:dur="900" advClick="0">
         <p:fade/>
       </p:transition>
     </mc:Choice>
-    <mc:Fallback>
+    <mc:Fallback xmlns="">
       <p:transition xmlns:p14="http://schemas.microsoft.com/office/powerpoint/2010/main" spd="slow" advClick="0">
         <p:fade/>
       </p:transition>
@@ -2140,13 +3119,13 @@
   <p:clrMapOvr>
     <a:masterClrMapping/>
   </p:clrMapOvr>
-  <mc:AlternateContent xmlns:mc="http://schemas.openxmlformats.org/markup-compatibility/2006">
-    <mc:Choice xmlns:p14="http://schemas.microsoft.com/office/powerpoint/2010/main" Requires="p14">
+  <mc:AlternateContent xmlns:mc="http://schemas.openxmlformats.org/markup-compatibility/2006" xmlns:p14="http://schemas.microsoft.com/office/powerpoint/2010/main">
+    <mc:Choice Requires="p14">
       <p:transition spd="slow" p14:dur="900" advClick="0">
         <p:fade/>
       </p:transition>
     </mc:Choice>
-    <mc:Fallback>
+    <mc:Fallback xmlns="">
       <p:transition xmlns:p14="http://schemas.microsoft.com/office/powerpoint/2010/main" spd="slow" advClick="0">
         <p:fade/>
       </p:transition>
@@ -2184,13 +3163,13 @@
   <p:clrMapOvr>
     <a:masterClrMapping/>
   </p:clrMapOvr>
-  <mc:AlternateContent xmlns:mc="http://schemas.openxmlformats.org/markup-compatibility/2006">
-    <mc:Choice xmlns:p14="http://schemas.microsoft.com/office/powerpoint/2010/main" Requires="p14">
+  <mc:AlternateContent xmlns:mc="http://schemas.openxmlformats.org/markup-compatibility/2006" xmlns:p14="http://schemas.microsoft.com/office/powerpoint/2010/main">
+    <mc:Choice Requires="p14">
       <p:transition spd="slow" p14:dur="900" advClick="0">
         <p:fade/>
       </p:transition>
     </mc:Choice>
-    <mc:Fallback>
+    <mc:Fallback xmlns="">
       <p:transition xmlns:p14="http://schemas.microsoft.com/office/powerpoint/2010/main" spd="slow" advClick="0">
         <p:fade/>
       </p:transition>
@@ -2235,7 +3214,7 @@
         </p:nvSpPr>
         <p:spPr>
           <a:xfrm>
-            <a:off x="1792288" y="4800600"/>
+            <a:off x="1792288" y="4800601"/>
             <a:ext cx="5486400" cy="566738"/>
           </a:xfrm>
         </p:spPr>
@@ -2328,7 +3307,7 @@
         </p:nvSpPr>
         <p:spPr>
           <a:xfrm>
-            <a:off x="1792288" y="5367338"/>
+            <a:off x="1792288" y="5367339"/>
             <a:ext cx="5486400" cy="804862"/>
           </a:xfrm>
         </p:spPr>
@@ -2386,13 +3365,13 @@
   <p:clrMapOvr>
     <a:masterClrMapping/>
   </p:clrMapOvr>
-  <mc:AlternateContent xmlns:mc="http://schemas.openxmlformats.org/markup-compatibility/2006">
-    <mc:Choice xmlns:p14="http://schemas.microsoft.com/office/powerpoint/2010/main" Requires="p14">
+  <mc:AlternateContent xmlns:mc="http://schemas.openxmlformats.org/markup-compatibility/2006" xmlns:p14="http://schemas.microsoft.com/office/powerpoint/2010/main">
+    <mc:Choice Requires="p14">
       <p:transition spd="slow" p14:dur="900" advClick="0">
         <p:fade/>
       </p:transition>
     </mc:Choice>
-    <mc:Fallback>
+    <mc:Fallback xmlns="">
       <p:transition xmlns:p14="http://schemas.microsoft.com/office/powerpoint/2010/main" spd="slow" advClick="0">
         <p:fade/>
       </p:transition>
@@ -2448,7 +3427,7 @@
         </p:nvSpPr>
         <p:spPr bwMode="auto">
           <a:xfrm>
-            <a:off x="1651000" y="363538"/>
+            <a:off x="1651001" y="363539"/>
             <a:ext cx="6794500" cy="1003300"/>
           </a:xfrm>
           <a:prstGeom prst="rect">
@@ -2491,7 +3470,7 @@
         </p:nvSpPr>
         <p:spPr bwMode="auto">
           <a:xfrm>
-            <a:off x="457200" y="1600200"/>
+            <a:off x="457200" y="1600201"/>
             <a:ext cx="8229600" cy="4525963"/>
           </a:xfrm>
           <a:prstGeom prst="rect">
@@ -2539,7 +3518,7 @@
         </p:blipFill>
         <p:spPr bwMode="auto">
           <a:xfrm>
-            <a:off x="152400" y="304800"/>
+            <a:off x="152400" y="304801"/>
             <a:ext cx="1143000" cy="1135063"/>
           </a:xfrm>
           <a:prstGeom prst="rect">
@@ -2558,7 +3537,7 @@
         </p:nvSpPr>
         <p:spPr bwMode="auto">
           <a:xfrm>
-            <a:off x="8138983" y="6606746"/>
+            <a:off x="8138985" y="6606747"/>
             <a:ext cx="954223" cy="261610"/>
           </a:xfrm>
           <a:prstGeom prst="rect">
@@ -2631,7 +3610,7 @@
         </p:nvSpPr>
         <p:spPr>
           <a:xfrm>
-            <a:off x="2968989" y="6553200"/>
+            <a:off x="2968990" y="6553200"/>
             <a:ext cx="3277541" cy="304800"/>
           </a:xfrm>
           <a:prstGeom prst="rect">
@@ -2726,13 +3705,13 @@
     <p:sldLayoutId id="2147483657" r:id="rId5"/>
     <p:sldLayoutId id="2147483659" r:id="rId6"/>
   </p:sldLayoutIdLst>
-  <mc:AlternateContent xmlns:mc="http://schemas.openxmlformats.org/markup-compatibility/2006">
-    <mc:Choice xmlns:p14="http://schemas.microsoft.com/office/powerpoint/2010/main" Requires="p14">
+  <mc:AlternateContent xmlns:mc="http://schemas.openxmlformats.org/markup-compatibility/2006" xmlns:p14="http://schemas.microsoft.com/office/powerpoint/2010/main">
+    <mc:Choice Requires="p14">
       <p:transition spd="slow" p14:dur="900" advClick="0">
         <p:fade/>
       </p:transition>
     </mc:Choice>
-    <mc:Fallback>
+    <mc:Fallback xmlns="">
       <p:transition xmlns:p14="http://schemas.microsoft.com/office/powerpoint/2010/main" spd="slow" advClick="0">
         <p:fade/>
       </p:transition>
@@ -3157,7 +4136,7 @@
         </p:nvSpPr>
         <p:spPr bwMode="auto">
           <a:xfrm>
-            <a:off x="1674246" y="523875"/>
+            <a:off x="1674247" y="523875"/>
             <a:ext cx="6441111" cy="1446550"/>
           </a:xfrm>
           <a:prstGeom prst="rect">
@@ -3257,8 +4236,8 @@
         </p:nvSpPr>
         <p:spPr bwMode="auto">
           <a:xfrm>
-            <a:off x="109436" y="1663279"/>
-            <a:ext cx="8947354" cy="3629746"/>
+            <a:off x="109436" y="1663280"/>
+            <a:ext cx="8947355" cy="3629746"/>
           </a:xfrm>
           <a:prstGeom prst="rect">
             <a:avLst/>
@@ -3302,11 +4281,11 @@
   <p:clrMapOvr>
     <a:masterClrMapping/>
   </p:clrMapOvr>
-  <mc:AlternateContent xmlns:mc="http://schemas.openxmlformats.org/markup-compatibility/2006">
-    <mc:Choice xmlns:p14="http://schemas.microsoft.com/office/powerpoint/2010/main" Requires="p14">
+  <mc:AlternateContent xmlns:mc="http://schemas.openxmlformats.org/markup-compatibility/2006" xmlns:p14="http://schemas.microsoft.com/office/powerpoint/2010/main">
+    <mc:Choice Requires="p14">
       <p:transition p14:dur="0" advClick="0"/>
     </mc:Choice>
-    <mc:Fallback>
+    <mc:Fallback xmlns="">
       <p:transition xmlns:p14="http://schemas.microsoft.com/office/powerpoint/2010/main" advClick="0"/>
     </mc:Fallback>
   </mc:AlternateContent>
@@ -3345,7 +4324,7 @@
         </p:nvGrpSpPr>
         <p:grpSpPr>
           <a:xfrm>
-            <a:off x="1197415" y="3245150"/>
+            <a:off x="1197415" y="3245151"/>
             <a:ext cx="6756400" cy="2598241"/>
             <a:chOff x="1197415" y="3245150"/>
             <a:chExt cx="6756400" cy="2598241"/>
@@ -4285,7 +5264,7 @@
         </p:nvSpPr>
         <p:spPr>
           <a:xfrm>
-            <a:off x="369888" y="1435100"/>
+            <a:off x="369888" y="1435101"/>
             <a:ext cx="8520112" cy="1841500"/>
           </a:xfrm>
         </p:spPr>
@@ -4388,10 +5367,10 @@
         </p:nvGrpSpPr>
         <p:grpSpPr>
           <a:xfrm>
-            <a:off x="2803965" y="3245150"/>
-            <a:ext cx="2182723" cy="723900"/>
-            <a:chOff x="2803965" y="3245150"/>
-            <a:chExt cx="2182723" cy="723900"/>
+            <a:off x="2803965" y="3245151"/>
+            <a:ext cx="2182723" cy="723899"/>
+            <a:chOff x="2803964" y="3245151"/>
+            <a:chExt cx="2182723" cy="723899"/>
           </a:xfrm>
         </p:grpSpPr>
         <p:cxnSp>
@@ -4404,8 +5383,8 @@
           </p:nvCxnSpPr>
           <p:spPr>
             <a:xfrm flipV="1">
-              <a:off x="4981411" y="3270550"/>
-              <a:ext cx="5277" cy="698500"/>
+              <a:off x="4981411" y="3270551"/>
+              <a:ext cx="5276" cy="698499"/>
             </a:xfrm>
             <a:prstGeom prst="straightConnector1">
               <a:avLst/>
@@ -4443,7 +5422,7 @@
           </p:nvCxnSpPr>
           <p:spPr>
             <a:xfrm>
-              <a:off x="2814988" y="3245150"/>
+              <a:off x="2814987" y="3245151"/>
               <a:ext cx="2171700" cy="25400"/>
             </a:xfrm>
             <a:prstGeom prst="straightConnector1">
@@ -4482,7 +5461,7 @@
           </p:nvCxnSpPr>
           <p:spPr>
             <a:xfrm flipV="1">
-              <a:off x="2803965" y="3245150"/>
+              <a:off x="2803964" y="3245151"/>
               <a:ext cx="11023" cy="482600"/>
             </a:xfrm>
             <a:prstGeom prst="straightConnector1">
@@ -4691,8 +5670,8 @@
         </p:nvSpPr>
         <p:spPr>
           <a:xfrm>
-            <a:off x="273128" y="1395185"/>
-            <a:ext cx="8556398" cy="4612519"/>
+            <a:off x="273129" y="1395186"/>
+            <a:ext cx="8556399" cy="4612519"/>
           </a:xfrm>
         </p:spPr>
         <p:txBody>
@@ -5393,13 +6372,13 @@
   <p:clrMapOvr>
     <a:masterClrMapping/>
   </p:clrMapOvr>
-  <mc:AlternateContent xmlns:mc="http://schemas.openxmlformats.org/markup-compatibility/2006">
-    <mc:Choice xmlns:p14="http://schemas.microsoft.com/office/powerpoint/2010/main" Requires="p14">
+  <mc:AlternateContent xmlns:mc="http://schemas.openxmlformats.org/markup-compatibility/2006" xmlns:p14="http://schemas.microsoft.com/office/powerpoint/2010/main">
+    <mc:Choice Requires="p14">
       <p:transition spd="slow" p14:dur="900" advClick="0">
         <p:fade/>
       </p:transition>
     </mc:Choice>
-    <mc:Fallback>
+    <mc:Fallback xmlns="">
       <p:transition xmlns:p14="http://schemas.microsoft.com/office/powerpoint/2010/main" spd="slow" advClick="0">
         <p:fade/>
       </p:transition>
@@ -5653,7 +6632,7 @@
         </p:nvSpPr>
         <p:spPr>
           <a:xfrm>
-            <a:off x="273128" y="1280885"/>
+            <a:off x="273129" y="1280886"/>
             <a:ext cx="8731172" cy="5246915"/>
           </a:xfrm>
         </p:spPr>
@@ -5856,13 +6835,13 @@
   <p:clrMapOvr>
     <a:masterClrMapping/>
   </p:clrMapOvr>
-  <mc:AlternateContent xmlns:mc="http://schemas.openxmlformats.org/markup-compatibility/2006">
-    <mc:Choice xmlns:p14="http://schemas.microsoft.com/office/powerpoint/2010/main" Requires="p14">
+  <mc:AlternateContent xmlns:mc="http://schemas.openxmlformats.org/markup-compatibility/2006" xmlns:p14="http://schemas.microsoft.com/office/powerpoint/2010/main">
+    <mc:Choice Requires="p14">
       <p:transition spd="slow" p14:dur="900" advClick="0">
         <p:fade/>
       </p:transition>
     </mc:Choice>
-    <mc:Fallback>
+    <mc:Fallback xmlns="">
       <p:transition xmlns:p14="http://schemas.microsoft.com/office/powerpoint/2010/main" spd="slow" advClick="0">
         <p:fade/>
       </p:transition>
@@ -6162,7 +7141,7 @@
         </p:nvSpPr>
         <p:spPr>
           <a:xfrm>
-            <a:off x="181430" y="1471385"/>
+            <a:off x="181432" y="1471386"/>
             <a:ext cx="8877905" cy="4709281"/>
           </a:xfrm>
         </p:spPr>
@@ -6370,13 +7349,13 @@
   <p:clrMapOvr>
     <a:masterClrMapping/>
   </p:clrMapOvr>
-  <mc:AlternateContent xmlns:mc="http://schemas.openxmlformats.org/markup-compatibility/2006">
-    <mc:Choice xmlns:p14="http://schemas.microsoft.com/office/powerpoint/2010/main" Requires="p14">
+  <mc:AlternateContent xmlns:mc="http://schemas.openxmlformats.org/markup-compatibility/2006" xmlns:p14="http://schemas.microsoft.com/office/powerpoint/2010/main">
+    <mc:Choice Requires="p14">
       <p:transition spd="slow" p14:dur="900" advClick="0">
         <p:fade/>
       </p:transition>
     </mc:Choice>
-    <mc:Fallback>
+    <mc:Fallback xmlns="">
       <p:transition xmlns:p14="http://schemas.microsoft.com/office/powerpoint/2010/main" spd="slow" advClick="0">
         <p:fade/>
       </p:transition>
@@ -6681,381 +7660,6 @@
       </p:grpSpPr>
       <p:sp>
         <p:nvSpPr>
-          <p:cNvPr id="3" name="Content Placeholder 2"/>
-          <p:cNvSpPr>
-            <a:spLocks noGrp="1"/>
-          </p:cNvSpPr>
-          <p:nvPr>
-            <p:ph idx="1"/>
-          </p:nvPr>
-        </p:nvSpPr>
-        <p:spPr>
-          <a:xfrm>
-            <a:off x="292100" y="1600201"/>
-            <a:ext cx="8712200" cy="3670299"/>
-          </a:xfrm>
-        </p:spPr>
-        <p:txBody>
-          <a:bodyPr/>
-          <a:lstStyle/>
-          <a:p>
-            <a:r>
-              <a:rPr lang="en-US" sz="4400" dirty="0" smtClean="0"/>
-              <a:t>Self application is notoriously doubtful:</a:t>
-            </a:r>
-          </a:p>
-          <a:p>
-            <a:pPr algn="ctr"/>
-            <a:r>
-              <a:rPr lang="en-US" sz="5400" dirty="0" smtClean="0">
-                <a:solidFill>
-                  <a:srgbClr val="0000FF"/>
-                </a:solidFill>
-              </a:rPr>
-              <a:t>“This statement is false.”</a:t>
-            </a:r>
-          </a:p>
-          <a:p>
-            <a:pPr algn="ctr"/>
-            <a:r>
-              <a:rPr lang="en-US" sz="5400" dirty="0" smtClean="0">
-                <a:solidFill>
-                  <a:srgbClr val="000000"/>
-                </a:solidFill>
-              </a:rPr>
-              <a:t>is it </a:t>
-            </a:r>
-            <a:r>
-              <a:rPr lang="en-US" sz="5400" dirty="0" smtClean="0">
-                <a:solidFill>
-                  <a:srgbClr val="008000"/>
-                </a:solidFill>
-              </a:rPr>
-              <a:t>true</a:t>
-            </a:r>
-            <a:r>
-              <a:rPr lang="en-US" sz="5400" dirty="0" smtClean="0">
-                <a:solidFill>
-                  <a:srgbClr val="000000"/>
-                </a:solidFill>
-              </a:rPr>
-              <a:t> or </a:t>
-            </a:r>
-            <a:r>
-              <a:rPr lang="en-US" sz="5400" dirty="0" smtClean="0">
-                <a:solidFill>
-                  <a:srgbClr val="F50802"/>
-                </a:solidFill>
-              </a:rPr>
-              <a:t>false</a:t>
-            </a:r>
-            <a:r>
-              <a:rPr lang="en-US" sz="5400" dirty="0" smtClean="0">
-                <a:solidFill>
-                  <a:srgbClr val="000000"/>
-                </a:solidFill>
-              </a:rPr>
-              <a:t>?</a:t>
-            </a:r>
-            <a:endParaRPr lang="en-US" sz="5400" dirty="0">
-              <a:solidFill>
-                <a:srgbClr val="000000"/>
-              </a:solidFill>
-            </a:endParaRPr>
-          </a:p>
-        </p:txBody>
-      </p:sp>
-      <p:sp>
-        <p:nvSpPr>
-          <p:cNvPr id="6" name="Title 1"/>
-          <p:cNvSpPr>
-            <a:spLocks noGrp="1"/>
-          </p:cNvSpPr>
-          <p:nvPr>
-            <p:ph type="title"/>
-          </p:nvPr>
-        </p:nvSpPr>
-        <p:spPr>
-          <a:xfrm>
-            <a:off x="1308100" y="249238"/>
-            <a:ext cx="7569200" cy="1249362"/>
-          </a:xfrm>
-        </p:spPr>
-        <p:txBody>
-          <a:bodyPr/>
-          <a:lstStyle/>
-          <a:p>
-            <a:r>
-              <a:rPr lang="en-US" sz="4000" dirty="0" smtClean="0"/>
-              <a:t>Self application</a:t>
-            </a:r>
-            <a:endParaRPr lang="en-US" sz="4000" dirty="0"/>
-          </a:p>
-        </p:txBody>
-      </p:sp>
-    </p:spTree>
-    <p:extLst>
-      <p:ext uri="{BB962C8B-B14F-4D97-AF65-F5344CB8AC3E}">
-        <p14:creationId xmlns:p14="http://schemas.microsoft.com/office/powerpoint/2010/main" val="801846095"/>
-      </p:ext>
-    </p:extLst>
-  </p:cSld>
-  <p:clrMapOvr>
-    <a:masterClrMapping/>
-  </p:clrMapOvr>
-  <mc:AlternateContent xmlns:mc="http://schemas.openxmlformats.org/markup-compatibility/2006">
-    <mc:Choice xmlns:p14="http://schemas.microsoft.com/office/powerpoint/2010/main" Requires="p14">
-      <p:transition spd="slow" p14:dur="900" advClick="0">
-        <p:fade/>
-      </p:transition>
-    </mc:Choice>
-    <mc:Fallback>
-      <p:transition xmlns:p14="http://schemas.microsoft.com/office/powerpoint/2010/main" spd="slow" advClick="0">
-        <p:fade/>
-      </p:transition>
-    </mc:Fallback>
-  </mc:AlternateContent>
-  <p:timing>
-    <p:tnLst>
-      <p:par>
-        <p:cTn xmlns:p14="http://schemas.microsoft.com/office/powerpoint/2010/main" id="1" dur="indefinite" restart="never" nodeType="tmRoot">
-          <p:childTnLst>
-            <p:seq concurrent="1" nextAc="seek">
-              <p:cTn id="2" dur="indefinite" nodeType="mainSeq">
-                <p:childTnLst>
-                  <p:par>
-                    <p:cTn id="3" fill="hold">
-                      <p:stCondLst>
-                        <p:cond delay="indefinite"/>
-                        <p:cond evt="onBegin" delay="0">
-                          <p:tn val="2"/>
-                        </p:cond>
-                      </p:stCondLst>
-                      <p:childTnLst>
-                        <p:par>
-                          <p:cTn id="4" fill="hold">
-                            <p:stCondLst>
-                              <p:cond delay="0"/>
-                            </p:stCondLst>
-                            <p:childTnLst>
-                              <p:par>
-                                <p:cTn id="5" presetID="9" presetClass="entr" presetSubtype="0" fill="hold" grpId="0" nodeType="withEffect">
-                                  <p:stCondLst>
-                                    <p:cond delay="0"/>
-                                  </p:stCondLst>
-                                  <p:childTnLst>
-                                    <p:set>
-                                      <p:cBhvr>
-                                        <p:cTn id="6" dur="1" fill="hold">
-                                          <p:stCondLst>
-                                            <p:cond delay="0"/>
-                                          </p:stCondLst>
-                                        </p:cTn>
-                                        <p:tgtEl>
-                                          <p:spTgt spid="3">
-                                            <p:txEl>
-                                              <p:pRg st="0" end="0"/>
-                                            </p:txEl>
-                                          </p:spTgt>
-                                        </p:tgtEl>
-                                        <p:attrNameLst>
-                                          <p:attrName>style.visibility</p:attrName>
-                                        </p:attrNameLst>
-                                      </p:cBhvr>
-                                      <p:to>
-                                        <p:strVal val="visible"/>
-                                      </p:to>
-                                    </p:set>
-                                    <p:animEffect transition="in" filter="dissolve">
-                                      <p:cBhvr>
-                                        <p:cTn id="7" dur="500"/>
-                                        <p:tgtEl>
-                                          <p:spTgt spid="3">
-                                            <p:txEl>
-                                              <p:pRg st="0" end="0"/>
-                                            </p:txEl>
-                                          </p:spTgt>
-                                        </p:tgtEl>
-                                      </p:cBhvr>
-                                    </p:animEffect>
-                                  </p:childTnLst>
-                                </p:cTn>
-                              </p:par>
-                            </p:childTnLst>
-                          </p:cTn>
-                        </p:par>
-                      </p:childTnLst>
-                    </p:cTn>
-                  </p:par>
-                  <p:par>
-                    <p:cTn id="8" fill="hold">
-                      <p:stCondLst>
-                        <p:cond delay="indefinite"/>
-                      </p:stCondLst>
-                      <p:childTnLst>
-                        <p:par>
-                          <p:cTn id="9" fill="hold">
-                            <p:stCondLst>
-                              <p:cond delay="0"/>
-                            </p:stCondLst>
-                            <p:childTnLst>
-                              <p:par>
-                                <p:cTn id="10" presetID="9" presetClass="entr" presetSubtype="0" fill="hold" grpId="0" nodeType="clickEffect">
-                                  <p:stCondLst>
-                                    <p:cond delay="0"/>
-                                  </p:stCondLst>
-                                  <p:childTnLst>
-                                    <p:set>
-                                      <p:cBhvr>
-                                        <p:cTn id="11" dur="1" fill="hold">
-                                          <p:stCondLst>
-                                            <p:cond delay="0"/>
-                                          </p:stCondLst>
-                                        </p:cTn>
-                                        <p:tgtEl>
-                                          <p:spTgt spid="3">
-                                            <p:txEl>
-                                              <p:pRg st="1" end="1"/>
-                                            </p:txEl>
-                                          </p:spTgt>
-                                        </p:tgtEl>
-                                        <p:attrNameLst>
-                                          <p:attrName>style.visibility</p:attrName>
-                                        </p:attrNameLst>
-                                      </p:cBhvr>
-                                      <p:to>
-                                        <p:strVal val="visible"/>
-                                      </p:to>
-                                    </p:set>
-                                    <p:animEffect transition="in" filter="dissolve">
-                                      <p:cBhvr>
-                                        <p:cTn id="12" dur="500"/>
-                                        <p:tgtEl>
-                                          <p:spTgt spid="3">
-                                            <p:txEl>
-                                              <p:pRg st="1" end="1"/>
-                                            </p:txEl>
-                                          </p:spTgt>
-                                        </p:tgtEl>
-                                      </p:cBhvr>
-                                    </p:animEffect>
-                                  </p:childTnLst>
-                                </p:cTn>
-                              </p:par>
-                            </p:childTnLst>
-                          </p:cTn>
-                        </p:par>
-                      </p:childTnLst>
-                    </p:cTn>
-                  </p:par>
-                  <p:par>
-                    <p:cTn id="13" fill="hold">
-                      <p:stCondLst>
-                        <p:cond delay="indefinite"/>
-                      </p:stCondLst>
-                      <p:childTnLst>
-                        <p:par>
-                          <p:cTn id="14" fill="hold">
-                            <p:stCondLst>
-                              <p:cond delay="0"/>
-                            </p:stCondLst>
-                            <p:childTnLst>
-                              <p:par>
-                                <p:cTn id="15" presetID="9" presetClass="entr" presetSubtype="0" fill="hold" grpId="0" nodeType="clickEffect">
-                                  <p:stCondLst>
-                                    <p:cond delay="0"/>
-                                  </p:stCondLst>
-                                  <p:childTnLst>
-                                    <p:set>
-                                      <p:cBhvr>
-                                        <p:cTn id="16" dur="1" fill="hold">
-                                          <p:stCondLst>
-                                            <p:cond delay="0"/>
-                                          </p:stCondLst>
-                                        </p:cTn>
-                                        <p:tgtEl>
-                                          <p:spTgt spid="3">
-                                            <p:txEl>
-                                              <p:pRg st="2" end="2"/>
-                                            </p:txEl>
-                                          </p:spTgt>
-                                        </p:tgtEl>
-                                        <p:attrNameLst>
-                                          <p:attrName>style.visibility</p:attrName>
-                                        </p:attrNameLst>
-                                      </p:cBhvr>
-                                      <p:to>
-                                        <p:strVal val="visible"/>
-                                      </p:to>
-                                    </p:set>
-                                    <p:animEffect transition="in" filter="dissolve">
-                                      <p:cBhvr>
-                                        <p:cTn id="17" dur="500"/>
-                                        <p:tgtEl>
-                                          <p:spTgt spid="3">
-                                            <p:txEl>
-                                              <p:pRg st="2" end="2"/>
-                                            </p:txEl>
-                                          </p:spTgt>
-                                        </p:tgtEl>
-                                      </p:cBhvr>
-                                    </p:animEffect>
-                                  </p:childTnLst>
-                                </p:cTn>
-                              </p:par>
-                            </p:childTnLst>
-                          </p:cTn>
-                        </p:par>
-                      </p:childTnLst>
-                    </p:cTn>
-                  </p:par>
-                </p:childTnLst>
-              </p:cTn>
-              <p:prevCondLst>
-                <p:cond evt="onPrev" delay="0">
-                  <p:tgtEl>
-                    <p:sldTgt/>
-                  </p:tgtEl>
-                </p:cond>
-              </p:prevCondLst>
-              <p:nextCondLst>
-                <p:cond evt="onNext" delay="0">
-                  <p:tgtEl>
-                    <p:sldTgt/>
-                  </p:tgtEl>
-                </p:cond>
-              </p:nextCondLst>
-            </p:seq>
-          </p:childTnLst>
-        </p:cTn>
-      </p:par>
-    </p:tnLst>
-    <p:bldLst>
-      <p:bldP spid="3" grpId="0" build="p"/>
-    </p:bldLst>
-  </p:timing>
-</p:sld>
-</file>
-
-<file path=ppt/slides/slide16.xml><?xml version="1.0" encoding="utf-8"?>
-<p:sld xmlns:a="http://schemas.openxmlformats.org/drawingml/2006/main" xmlns:r="http://schemas.openxmlformats.org/officeDocument/2006/relationships" xmlns:p="http://schemas.openxmlformats.org/presentationml/2006/main">
-  <p:cSld>
-    <p:spTree>
-      <p:nvGrpSpPr>
-        <p:cNvPr id="1" name=""/>
-        <p:cNvGrpSpPr/>
-        <p:nvPr/>
-      </p:nvGrpSpPr>
-      <p:grpSpPr>
-        <a:xfrm>
-          <a:off x="0" y="0"/>
-          <a:ext cx="0" cy="0"/>
-          <a:chOff x="0" y="0"/>
-          <a:chExt cx="0" cy="0"/>
-        </a:xfrm>
-      </p:grpSpPr>
-      <p:sp>
-        <p:nvSpPr>
           <p:cNvPr id="114690" name="Rectangle 2"/>
           <p:cNvSpPr>
             <a:spLocks noGrp="1" noChangeArrowheads="1"/>
@@ -7086,7 +7690,7 @@
         </p:nvSpPr>
         <p:spPr bwMode="auto">
           <a:xfrm>
-            <a:off x="1205551" y="3366453"/>
+            <a:off x="1205552" y="3366453"/>
             <a:ext cx="6726869" cy="1569660"/>
           </a:xfrm>
           <a:prstGeom prst="rect">
@@ -7185,14 +7789,14 @@
           <p:nvPr/>
         </p:nvGraphicFramePr>
         <p:xfrm>
-          <a:off x="1308022" y="1196340"/>
+          <a:off x="1308023" y="1196340"/>
           <a:ext cx="7134199" cy="1082040"/>
         </p:xfrm>
         <a:graphic>
           <a:graphicData uri="http://schemas.openxmlformats.org/presentationml/2006/ole">
             <mc:AlternateContent xmlns:mc="http://schemas.openxmlformats.org/markup-compatibility/2006">
               <mc:Choice xmlns:v="urn:schemas-microsoft-com:vml" Requires="v">
-                <p:oleObj spid="_x0000_s58556" name="Equation" r:id="rId5" imgW="1841400" imgH="279360" progId="Equation.DSMT4">
+                <p:oleObj spid="_x0000_s58563" name="Equation" r:id="rId5" imgW="1841400" imgH="279360" progId="Equation.DSMT4">
                   <p:embed/>
                 </p:oleObj>
               </mc:Choice>
@@ -7222,7 +7826,7 @@
                     </p:blipFill>
                     <p:spPr bwMode="auto">
                       <a:xfrm>
-                        <a:off x="1308022" y="1196340"/>
+                        <a:off x="1308023" y="1196340"/>
                         <a:ext cx="7134199" cy="1082040"/>
                       </a:xfrm>
                       <a:prstGeom prst="rect">
@@ -7255,14 +7859,14 @@
           <p:nvPr/>
         </p:nvGraphicFramePr>
         <p:xfrm>
-          <a:off x="907415" y="2195513"/>
+          <a:off x="907417" y="2195514"/>
           <a:ext cx="7053263" cy="1231900"/>
         </p:xfrm>
         <a:graphic>
           <a:graphicData uri="http://schemas.openxmlformats.org/presentationml/2006/ole">
             <mc:AlternateContent xmlns:mc="http://schemas.openxmlformats.org/markup-compatibility/2006">
               <mc:Choice xmlns:v="urn:schemas-microsoft-com:vml" Requires="v">
-                <p:oleObj spid="_x0000_s58557" name="Equation" r:id="rId7" imgW="1600200" imgH="279360" progId="Equation.DSMT4">
+                <p:oleObj spid="_x0000_s58564" name="Equation" r:id="rId7" imgW="1600200" imgH="279360" progId="Equation.DSMT4">
                   <p:embed/>
                 </p:oleObj>
               </mc:Choice>
@@ -7292,7 +7896,7 @@
                     </p:blipFill>
                     <p:spPr bwMode="auto">
                       <a:xfrm>
-                        <a:off x="907415" y="2195513"/>
+                        <a:off x="907417" y="2195514"/>
                         <a:ext cx="7053263" cy="1231900"/>
                       </a:xfrm>
                       <a:prstGeom prst="rect">
@@ -7325,14 +7929,14 @@
           <p:nvPr/>
         </p:nvGraphicFramePr>
         <p:xfrm>
-          <a:off x="1100931" y="4968875"/>
+          <a:off x="1100933" y="4968876"/>
           <a:ext cx="6942137" cy="1231900"/>
         </p:xfrm>
         <a:graphic>
           <a:graphicData uri="http://schemas.openxmlformats.org/presentationml/2006/ole">
             <mc:AlternateContent xmlns:mc="http://schemas.openxmlformats.org/markup-compatibility/2006">
               <mc:Choice xmlns:v="urn:schemas-microsoft-com:vml" Requires="v">
-                <p:oleObj spid="_x0000_s58558" name="Equation" r:id="rId9" imgW="1574640" imgH="279360" progId="Equation.DSMT4">
+                <p:oleObj spid="_x0000_s58565" name="Equation" r:id="rId9" imgW="1574640" imgH="279360" progId="Equation.DSMT4">
                   <p:embed/>
                 </p:oleObj>
               </mc:Choice>
@@ -7362,7 +7966,7 @@
                     </p:blipFill>
                     <p:spPr bwMode="auto">
                       <a:xfrm>
-                        <a:off x="1100931" y="4968875"/>
+                        <a:off x="1100933" y="4968876"/>
                         <a:ext cx="6942137" cy="1231900"/>
                       </a:xfrm>
                       <a:prstGeom prst="rect">
@@ -7710,7 +8314,7 @@
 </p:sld>
 </file>
 
-<file path=ppt/slides/slide17.xml><?xml version="1.0" encoding="utf-8"?>
+<file path=ppt/slides/slide16.xml><?xml version="1.0" encoding="utf-8"?>
 <p:sld xmlns:a="http://schemas.openxmlformats.org/drawingml/2006/main" xmlns:r="http://schemas.openxmlformats.org/officeDocument/2006/relationships" xmlns:p="http://schemas.openxmlformats.org/presentationml/2006/main">
   <p:cSld>
     <p:spTree>
@@ -7770,8 +8374,8 @@
         </p:nvSpPr>
         <p:spPr>
           <a:xfrm>
-            <a:off x="476738" y="1380984"/>
-            <a:ext cx="8192478" cy="4371139"/>
+            <a:off x="476738" y="1380985"/>
+            <a:ext cx="8192479" cy="4371139"/>
           </a:xfrm>
         </p:spPr>
         <p:txBody>
@@ -7816,13 +8420,13 @@
   <p:clrMapOvr>
     <a:masterClrMapping/>
   </p:clrMapOvr>
-  <mc:AlternateContent xmlns:mc="http://schemas.openxmlformats.org/markup-compatibility/2006">
-    <mc:Choice xmlns:p14="http://schemas.microsoft.com/office/powerpoint/2010/main" Requires="p14">
+  <mc:AlternateContent xmlns:mc="http://schemas.openxmlformats.org/markup-compatibility/2006" xmlns:p14="http://schemas.microsoft.com/office/powerpoint/2010/main">
+    <mc:Choice Requires="p14">
       <p:transition spd="slow" p14:dur="900" advClick="0">
         <p:fade/>
       </p:transition>
     </mc:Choice>
-    <mc:Fallback>
+    <mc:Fallback xmlns="">
       <p:transition xmlns:p14="http://schemas.microsoft.com/office/powerpoint/2010/main" spd="slow" advClick="0">
         <p:fade/>
       </p:transition>
@@ -8081,7 +8685,7 @@
 </p:sld>
 </file>
 
-<file path=ppt/slides/slide18.xml><?xml version="1.0" encoding="utf-8"?>
+<file path=ppt/slides/slide17.xml><?xml version="1.0" encoding="utf-8"?>
 <p:sld xmlns:a="http://schemas.openxmlformats.org/drawingml/2006/main" xmlns:r="http://schemas.openxmlformats.org/officeDocument/2006/relationships" xmlns:p="http://schemas.openxmlformats.org/presentationml/2006/main">
   <p:cSld>
     <p:spTree>
@@ -8107,14 +8711,14 @@
           <p:nvPr/>
         </p:nvGraphicFramePr>
         <p:xfrm>
-          <a:off x="263244" y="2298860"/>
+          <a:off x="263245" y="2298861"/>
           <a:ext cx="8519889" cy="1329733"/>
         </p:xfrm>
         <a:graphic>
           <a:graphicData uri="http://schemas.openxmlformats.org/presentationml/2006/ole">
             <mc:AlternateContent xmlns:mc="http://schemas.openxmlformats.org/markup-compatibility/2006">
               <mc:Choice xmlns:v="urn:schemas-microsoft-com:vml" Requires="v">
-                <p:oleObj spid="_x0000_s59472" name="Equation" r:id="rId5" imgW="1790640" imgH="279360" progId="Equation.DSMT4">
+                <p:oleObj spid="_x0000_s59475" name="Equation" r:id="rId5" imgW="1790640" imgH="279360" progId="Equation.DSMT4">
                   <p:embed/>
                 </p:oleObj>
               </mc:Choice>
@@ -8144,7 +8748,7 @@
                     </p:blipFill>
                     <p:spPr bwMode="auto">
                       <a:xfrm>
-                        <a:off x="263244" y="2298860"/>
+                        <a:off x="263245" y="2298861"/>
                         <a:ext cx="8519889" cy="1329733"/>
                       </a:xfrm>
                       <a:prstGeom prst="rect">
@@ -8176,8 +8780,8 @@
         </p:nvSpPr>
         <p:spPr>
           <a:xfrm>
-            <a:off x="348204" y="3579971"/>
-            <a:ext cx="8440131" cy="2585323"/>
+            <a:off x="348206" y="3579973"/>
+            <a:ext cx="8175097" cy="2585323"/>
           </a:xfrm>
           <a:prstGeom prst="rect">
             <a:avLst/>
@@ -8313,8 +8917,8 @@
         </p:nvSpPr>
         <p:spPr bwMode="auto">
           <a:xfrm>
-            <a:off x="819798" y="1469145"/>
-            <a:ext cx="7519863" cy="859191"/>
+            <a:off x="819799" y="1469146"/>
+            <a:ext cx="7519863" cy="830997"/>
           </a:xfrm>
           <a:prstGeom prst="rect">
             <a:avLst/>
@@ -8375,13 +8979,13 @@
   <p:clrMapOvr>
     <a:masterClrMapping/>
   </p:clrMapOvr>
-  <mc:AlternateContent xmlns:mc="http://schemas.openxmlformats.org/markup-compatibility/2006">
-    <mc:Choice xmlns:p14="http://schemas.microsoft.com/office/powerpoint/2010/main" Requires="p14">
+  <mc:AlternateContent xmlns:mc="http://schemas.openxmlformats.org/markup-compatibility/2006" xmlns:p14="http://schemas.microsoft.com/office/powerpoint/2010/main">
+    <mc:Choice Requires="p14">
       <p:transition spd="slow" p14:dur="900" advClick="0">
         <p:fade/>
       </p:transition>
     </mc:Choice>
-    <mc:Fallback>
+    <mc:Fallback xmlns="">
       <p:transition xmlns:p14="http://schemas.microsoft.com/office/powerpoint/2010/main" spd="slow" advClick="0">
         <p:fade/>
       </p:transition>
@@ -8786,7 +9390,7 @@
 </p:sld>
 </file>
 
-<file path=ppt/slides/slide19.xml><?xml version="1.0" encoding="utf-8"?>
+<file path=ppt/slides/slide18.xml><?xml version="1.0" encoding="utf-8"?>
 <p:sld xmlns:a="http://schemas.openxmlformats.org/drawingml/2006/main" xmlns:r="http://schemas.openxmlformats.org/officeDocument/2006/relationships" xmlns:p="http://schemas.openxmlformats.org/presentationml/2006/main">
   <p:cSld>
     <p:spTree>
@@ -8813,7 +9417,7 @@
         </p:nvSpPr>
         <p:spPr bwMode="auto">
           <a:xfrm>
-            <a:off x="204160" y="2358143"/>
+            <a:off x="204160" y="2358144"/>
             <a:ext cx="8732032" cy="3600986"/>
           </a:xfrm>
           <a:prstGeom prst="rect">
@@ -8967,7 +9571,7 @@
         </p:nvSpPr>
         <p:spPr>
           <a:xfrm>
-            <a:off x="1640417" y="363538"/>
+            <a:off x="1640418" y="363539"/>
             <a:ext cx="6794500" cy="1003300"/>
           </a:xfrm>
         </p:spPr>
@@ -8993,8 +9597,8 @@
         </p:nvSpPr>
         <p:spPr bwMode="auto">
           <a:xfrm>
-            <a:off x="809215" y="1469145"/>
-            <a:ext cx="7519863" cy="859191"/>
+            <a:off x="809217" y="1469146"/>
+            <a:ext cx="7519863" cy="830997"/>
           </a:xfrm>
           <a:prstGeom prst="rect">
             <a:avLst/>
@@ -9055,13 +9659,13 @@
   <p:clrMapOvr>
     <a:masterClrMapping/>
   </p:clrMapOvr>
-  <mc:AlternateContent xmlns:mc="http://schemas.openxmlformats.org/markup-compatibility/2006">
-    <mc:Choice xmlns:p14="http://schemas.microsoft.com/office/powerpoint/2010/main" Requires="p14">
+  <mc:AlternateContent xmlns:mc="http://schemas.openxmlformats.org/markup-compatibility/2006" xmlns:p14="http://schemas.microsoft.com/office/powerpoint/2010/main">
+    <mc:Choice Requires="p14">
       <p:transition spd="slow" p14:dur="900" advClick="0">
         <p:fade/>
       </p:transition>
     </mc:Choice>
-    <mc:Fallback>
+    <mc:Fallback xmlns="">
       <p:transition xmlns:p14="http://schemas.microsoft.com/office/powerpoint/2010/main" spd="slow" advClick="0">
         <p:fade/>
       </p:transition>
@@ -9256,7 +9860,499 @@
 </p:sld>
 </file>
 
+<file path=ppt/slides/slide19.xml><?xml version="1.0" encoding="utf-8"?>
+<p:sld xmlns:a="http://schemas.openxmlformats.org/drawingml/2006/main" xmlns:r="http://schemas.openxmlformats.org/officeDocument/2006/relationships" xmlns:p="http://schemas.openxmlformats.org/presentationml/2006/main">
+  <p:cSld>
+    <p:spTree>
+      <p:nvGrpSpPr>
+        <p:cNvPr id="1" name=""/>
+        <p:cNvGrpSpPr/>
+        <p:nvPr/>
+      </p:nvGrpSpPr>
+      <p:grpSpPr>
+        <a:xfrm>
+          <a:off x="0" y="0"/>
+          <a:ext cx="0" cy="0"/>
+          <a:chOff x="0" y="0"/>
+          <a:chExt cx="0" cy="0"/>
+        </a:xfrm>
+      </p:grpSpPr>
+      <p:sp>
+        <p:nvSpPr>
+          <p:cNvPr id="2" name="Title 1"/>
+          <p:cNvSpPr>
+            <a:spLocks noGrp="1"/>
+          </p:cNvSpPr>
+          <p:nvPr>
+            <p:ph type="title"/>
+          </p:nvPr>
+        </p:nvSpPr>
+        <p:spPr/>
+        <p:txBody>
+          <a:bodyPr/>
+          <a:lstStyle/>
+          <a:p>
+            <a:r>
+              <a:rPr lang="en-US" dirty="0" smtClean="0"/>
+              <a:t>Zermelo-Frankel Set Theory</a:t>
+            </a:r>
+            <a:endParaRPr lang="en-US" dirty="0"/>
+          </a:p>
+        </p:txBody>
+      </p:sp>
+      <p:sp>
+        <p:nvSpPr>
+          <p:cNvPr id="3" name="Content Placeholder 2"/>
+          <p:cNvSpPr>
+            <a:spLocks noGrp="1"/>
+          </p:cNvSpPr>
+          <p:nvPr>
+            <p:ph idx="1"/>
+          </p:nvPr>
+        </p:nvSpPr>
+        <p:spPr>
+          <a:xfrm>
+            <a:off x="541021" y="1712914"/>
+            <a:ext cx="8023860" cy="3392487"/>
+          </a:xfrm>
+        </p:spPr>
+        <p:txBody>
+          <a:bodyPr/>
+          <a:lstStyle/>
+          <a:p>
+            <a:r>
+              <a:rPr lang="en-US" sz="4400" dirty="0" smtClean="0"/>
+              <a:t>No simple answer, but the </a:t>
+            </a:r>
+          </a:p>
+          <a:p>
+            <a:r>
+              <a:rPr lang="en-US" sz="4400" dirty="0" smtClean="0"/>
+              <a:t>axioms of Zermelo-Frankel </a:t>
+            </a:r>
+          </a:p>
+          <a:p>
+            <a:r>
+              <a:rPr lang="en-US" sz="4400" dirty="0" smtClean="0"/>
+              <a:t>along with the Choice axiom </a:t>
+            </a:r>
+          </a:p>
+          <a:p>
+            <a:r>
+              <a:rPr lang="en-US" sz="4400" dirty="0" smtClean="0"/>
+              <a:t>(ZFC) do a pretty good job.</a:t>
+            </a:r>
+          </a:p>
+        </p:txBody>
+      </p:sp>
+    </p:spTree>
+    <p:extLst>
+      <p:ext uri="{BB962C8B-B14F-4D97-AF65-F5344CB8AC3E}">
+        <p14:creationId xmlns:p14="http://schemas.microsoft.com/office/powerpoint/2010/main" val="864476078"/>
+      </p:ext>
+    </p:extLst>
+  </p:cSld>
+  <p:clrMapOvr>
+    <a:masterClrMapping/>
+  </p:clrMapOvr>
+  <mc:AlternateContent xmlns:mc="http://schemas.openxmlformats.org/markup-compatibility/2006" xmlns:p14="http://schemas.microsoft.com/office/powerpoint/2010/main">
+    <mc:Choice Requires="p14">
+      <p:transition spd="slow" p14:dur="800" advClick="0">
+        <p:fade thruBlk="1"/>
+      </p:transition>
+    </mc:Choice>
+    <mc:Fallback xmlns="">
+      <p:transition xmlns:p14="http://schemas.microsoft.com/office/powerpoint/2010/main" spd="slow" advClick="0">
+        <p:fade thruBlk="1"/>
+      </p:transition>
+    </mc:Fallback>
+  </mc:AlternateContent>
+  <p:timing>
+    <p:tnLst>
+      <p:par>
+        <p:cTn xmlns:p14="http://schemas.microsoft.com/office/powerpoint/2010/main" id="1" dur="indefinite" restart="never" nodeType="tmRoot"/>
+      </p:par>
+    </p:tnLst>
+  </p:timing>
+</p:sld>
+</file>
+
 <file path=ppt/slides/slide2.xml><?xml version="1.0" encoding="utf-8"?>
+<p:sld xmlns:a="http://schemas.openxmlformats.org/drawingml/2006/main" xmlns:r="http://schemas.openxmlformats.org/officeDocument/2006/relationships" xmlns:p="http://schemas.openxmlformats.org/presentationml/2006/main">
+  <p:cSld>
+    <p:spTree>
+      <p:nvGrpSpPr>
+        <p:cNvPr id="1" name=""/>
+        <p:cNvGrpSpPr/>
+        <p:nvPr/>
+      </p:nvGrpSpPr>
+      <p:grpSpPr>
+        <a:xfrm>
+          <a:off x="0" y="0"/>
+          <a:ext cx="0" cy="0"/>
+          <a:chOff x="0" y="0"/>
+          <a:chExt cx="0" cy="0"/>
+        </a:xfrm>
+      </p:grpSpPr>
+      <p:sp>
+        <p:nvSpPr>
+          <p:cNvPr id="3" name="Content Placeholder 2"/>
+          <p:cNvSpPr>
+            <a:spLocks noGrp="1"/>
+          </p:cNvSpPr>
+          <p:nvPr>
+            <p:ph idx="1"/>
+          </p:nvPr>
+        </p:nvSpPr>
+        <p:spPr>
+          <a:xfrm>
+            <a:off x="292100" y="1600201"/>
+            <a:ext cx="8712200" cy="3670299"/>
+          </a:xfrm>
+        </p:spPr>
+        <p:txBody>
+          <a:bodyPr/>
+          <a:lstStyle/>
+          <a:p>
+            <a:r>
+              <a:rPr lang="en-US" sz="4400" dirty="0" smtClean="0"/>
+              <a:t>Self application is notoriously doubtful:</a:t>
+            </a:r>
+          </a:p>
+          <a:p>
+            <a:pPr algn="ctr"/>
+            <a:r>
+              <a:rPr lang="en-US" sz="5400" dirty="0" smtClean="0">
+                <a:solidFill>
+                  <a:srgbClr val="0000FF"/>
+                </a:solidFill>
+              </a:rPr>
+              <a:t>“This statement is false.”</a:t>
+            </a:r>
+          </a:p>
+          <a:p>
+            <a:pPr algn="ctr"/>
+            <a:r>
+              <a:rPr lang="en-US" sz="5400" dirty="0" smtClean="0">
+                <a:solidFill>
+                  <a:srgbClr val="000000"/>
+                </a:solidFill>
+              </a:rPr>
+              <a:t>is it </a:t>
+            </a:r>
+            <a:r>
+              <a:rPr lang="en-US" sz="5400" dirty="0" smtClean="0">
+                <a:solidFill>
+                  <a:srgbClr val="008000"/>
+                </a:solidFill>
+              </a:rPr>
+              <a:t>true</a:t>
+            </a:r>
+            <a:r>
+              <a:rPr lang="en-US" sz="5400" dirty="0" smtClean="0">
+                <a:solidFill>
+                  <a:srgbClr val="000000"/>
+                </a:solidFill>
+              </a:rPr>
+              <a:t> or </a:t>
+            </a:r>
+            <a:r>
+              <a:rPr lang="en-US" sz="5400" dirty="0" smtClean="0">
+                <a:solidFill>
+                  <a:srgbClr val="F50802"/>
+                </a:solidFill>
+              </a:rPr>
+              <a:t>false</a:t>
+            </a:r>
+            <a:r>
+              <a:rPr lang="en-US" sz="5400" dirty="0" smtClean="0">
+                <a:solidFill>
+                  <a:srgbClr val="000000"/>
+                </a:solidFill>
+              </a:rPr>
+              <a:t>?</a:t>
+            </a:r>
+            <a:endParaRPr lang="en-US" sz="5400" dirty="0">
+              <a:solidFill>
+                <a:srgbClr val="000000"/>
+              </a:solidFill>
+            </a:endParaRPr>
+          </a:p>
+        </p:txBody>
+      </p:sp>
+      <p:sp>
+        <p:nvSpPr>
+          <p:cNvPr id="6" name="Title 1"/>
+          <p:cNvSpPr>
+            <a:spLocks noGrp="1"/>
+          </p:cNvSpPr>
+          <p:nvPr>
+            <p:ph type="title"/>
+          </p:nvPr>
+        </p:nvSpPr>
+        <p:spPr>
+          <a:xfrm>
+            <a:off x="1308100" y="249238"/>
+            <a:ext cx="7569200" cy="1249362"/>
+          </a:xfrm>
+        </p:spPr>
+        <p:txBody>
+          <a:bodyPr/>
+          <a:lstStyle/>
+          <a:p>
+            <a:r>
+              <a:rPr lang="en-US" sz="4000" dirty="0" smtClean="0"/>
+              <a:t>Self application</a:t>
+            </a:r>
+            <a:endParaRPr lang="en-US" sz="4000" dirty="0"/>
+          </a:p>
+        </p:txBody>
+      </p:sp>
+    </p:spTree>
+    <p:extLst>
+      <p:ext uri="{BB962C8B-B14F-4D97-AF65-F5344CB8AC3E}">
+        <p14:creationId xmlns:p14="http://schemas.microsoft.com/office/powerpoint/2010/main" val="801846095"/>
+      </p:ext>
+    </p:extLst>
+  </p:cSld>
+  <p:clrMapOvr>
+    <a:masterClrMapping/>
+  </p:clrMapOvr>
+  <mc:AlternateContent xmlns:mc="http://schemas.openxmlformats.org/markup-compatibility/2006">
+    <mc:Choice xmlns:p14="http://schemas.microsoft.com/office/powerpoint/2010/main" Requires="p14">
+      <p:transition spd="slow" p14:dur="800" advClick="0">
+        <p:fade thruBlk="1"/>
+      </p:transition>
+    </mc:Choice>
+    <mc:Fallback>
+      <p:transition xmlns:p14="http://schemas.microsoft.com/office/powerpoint/2010/main" spd="slow" advClick="0">
+        <p:fade thruBlk="1"/>
+      </p:transition>
+    </mc:Fallback>
+  </mc:AlternateContent>
+  <p:timing>
+    <p:tnLst>
+      <p:par>
+        <p:cTn xmlns:p14="http://schemas.microsoft.com/office/powerpoint/2010/main" id="1" dur="indefinite" restart="never" nodeType="tmRoot">
+          <p:childTnLst>
+            <p:seq concurrent="1" nextAc="seek">
+              <p:cTn id="2" dur="indefinite" nodeType="mainSeq">
+                <p:childTnLst>
+                  <p:par>
+                    <p:cTn id="3" fill="hold">
+                      <p:stCondLst>
+                        <p:cond delay="indefinite"/>
+                        <p:cond evt="onBegin" delay="0">
+                          <p:tn val="2"/>
+                        </p:cond>
+                      </p:stCondLst>
+                      <p:childTnLst>
+                        <p:par>
+                          <p:cTn id="4" fill="hold">
+                            <p:stCondLst>
+                              <p:cond delay="0"/>
+                            </p:stCondLst>
+                            <p:childTnLst>
+                              <p:par>
+                                <p:cTn id="5" presetID="9" presetClass="entr" presetSubtype="0" fill="hold" grpId="0" nodeType="withEffect">
+                                  <p:stCondLst>
+                                    <p:cond delay="0"/>
+                                  </p:stCondLst>
+                                  <p:childTnLst>
+                                    <p:set>
+                                      <p:cBhvr>
+                                        <p:cTn id="6" dur="1" fill="hold">
+                                          <p:stCondLst>
+                                            <p:cond delay="0"/>
+                                          </p:stCondLst>
+                                        </p:cTn>
+                                        <p:tgtEl>
+                                          <p:spTgt spid="3">
+                                            <p:txEl>
+                                              <p:pRg st="0" end="0"/>
+                                            </p:txEl>
+                                          </p:spTgt>
+                                        </p:tgtEl>
+                                        <p:attrNameLst>
+                                          <p:attrName>style.visibility</p:attrName>
+                                        </p:attrNameLst>
+                                      </p:cBhvr>
+                                      <p:to>
+                                        <p:strVal val="visible"/>
+                                      </p:to>
+                                    </p:set>
+                                    <p:animEffect transition="in" filter="dissolve">
+                                      <p:cBhvr>
+                                        <p:cTn id="7" dur="500"/>
+                                        <p:tgtEl>
+                                          <p:spTgt spid="3">
+                                            <p:txEl>
+                                              <p:pRg st="0" end="0"/>
+                                            </p:txEl>
+                                          </p:spTgt>
+                                        </p:tgtEl>
+                                      </p:cBhvr>
+                                    </p:animEffect>
+                                  </p:childTnLst>
+                                </p:cTn>
+                              </p:par>
+                            </p:childTnLst>
+                          </p:cTn>
+                        </p:par>
+                      </p:childTnLst>
+                    </p:cTn>
+                  </p:par>
+                  <p:par>
+                    <p:cTn id="8" fill="hold">
+                      <p:stCondLst>
+                        <p:cond delay="indefinite"/>
+                      </p:stCondLst>
+                      <p:childTnLst>
+                        <p:par>
+                          <p:cTn id="9" fill="hold">
+                            <p:stCondLst>
+                              <p:cond delay="0"/>
+                            </p:stCondLst>
+                            <p:childTnLst>
+                              <p:par>
+                                <p:cTn id="10" presetID="9" presetClass="entr" presetSubtype="0" fill="hold" grpId="0" nodeType="clickEffect">
+                                  <p:stCondLst>
+                                    <p:cond delay="0"/>
+                                  </p:stCondLst>
+                                  <p:childTnLst>
+                                    <p:set>
+                                      <p:cBhvr>
+                                        <p:cTn id="11" dur="1" fill="hold">
+                                          <p:stCondLst>
+                                            <p:cond delay="0"/>
+                                          </p:stCondLst>
+                                        </p:cTn>
+                                        <p:tgtEl>
+                                          <p:spTgt spid="3">
+                                            <p:txEl>
+                                              <p:pRg st="1" end="1"/>
+                                            </p:txEl>
+                                          </p:spTgt>
+                                        </p:tgtEl>
+                                        <p:attrNameLst>
+                                          <p:attrName>style.visibility</p:attrName>
+                                        </p:attrNameLst>
+                                      </p:cBhvr>
+                                      <p:to>
+                                        <p:strVal val="visible"/>
+                                      </p:to>
+                                    </p:set>
+                                    <p:animEffect transition="in" filter="dissolve">
+                                      <p:cBhvr>
+                                        <p:cTn id="12" dur="500"/>
+                                        <p:tgtEl>
+                                          <p:spTgt spid="3">
+                                            <p:txEl>
+                                              <p:pRg st="1" end="1"/>
+                                            </p:txEl>
+                                          </p:spTgt>
+                                        </p:tgtEl>
+                                      </p:cBhvr>
+                                    </p:animEffect>
+                                  </p:childTnLst>
+                                </p:cTn>
+                              </p:par>
+                            </p:childTnLst>
+                          </p:cTn>
+                        </p:par>
+                      </p:childTnLst>
+                    </p:cTn>
+                  </p:par>
+                  <p:par>
+                    <p:cTn id="13" fill="hold">
+                      <p:stCondLst>
+                        <p:cond delay="indefinite"/>
+                      </p:stCondLst>
+                      <p:childTnLst>
+                        <p:par>
+                          <p:cTn id="14" fill="hold">
+                            <p:stCondLst>
+                              <p:cond delay="0"/>
+                            </p:stCondLst>
+                            <p:childTnLst>
+                              <p:par>
+                                <p:cTn id="15" presetID="9" presetClass="entr" presetSubtype="0" fill="hold" grpId="0" nodeType="clickEffect">
+                                  <p:stCondLst>
+                                    <p:cond delay="0"/>
+                                  </p:stCondLst>
+                                  <p:childTnLst>
+                                    <p:set>
+                                      <p:cBhvr>
+                                        <p:cTn id="16" dur="1" fill="hold">
+                                          <p:stCondLst>
+                                            <p:cond delay="0"/>
+                                          </p:stCondLst>
+                                        </p:cTn>
+                                        <p:tgtEl>
+                                          <p:spTgt spid="3">
+                                            <p:txEl>
+                                              <p:pRg st="2" end="2"/>
+                                            </p:txEl>
+                                          </p:spTgt>
+                                        </p:tgtEl>
+                                        <p:attrNameLst>
+                                          <p:attrName>style.visibility</p:attrName>
+                                        </p:attrNameLst>
+                                      </p:cBhvr>
+                                      <p:to>
+                                        <p:strVal val="visible"/>
+                                      </p:to>
+                                    </p:set>
+                                    <p:animEffect transition="in" filter="dissolve">
+                                      <p:cBhvr>
+                                        <p:cTn id="17" dur="500"/>
+                                        <p:tgtEl>
+                                          <p:spTgt spid="3">
+                                            <p:txEl>
+                                              <p:pRg st="2" end="2"/>
+                                            </p:txEl>
+                                          </p:spTgt>
+                                        </p:tgtEl>
+                                      </p:cBhvr>
+                                    </p:animEffect>
+                                  </p:childTnLst>
+                                </p:cTn>
+                              </p:par>
+                            </p:childTnLst>
+                          </p:cTn>
+                        </p:par>
+                      </p:childTnLst>
+                    </p:cTn>
+                  </p:par>
+                </p:childTnLst>
+              </p:cTn>
+              <p:prevCondLst>
+                <p:cond evt="onPrev" delay="0">
+                  <p:tgtEl>
+                    <p:sldTgt/>
+                  </p:tgtEl>
+                </p:cond>
+              </p:prevCondLst>
+              <p:nextCondLst>
+                <p:cond evt="onNext" delay="0">
+                  <p:tgtEl>
+                    <p:sldTgt/>
+                  </p:tgtEl>
+                </p:cond>
+              </p:nextCondLst>
+            </p:seq>
+          </p:childTnLst>
+        </p:cTn>
+      </p:par>
+    </p:tnLst>
+    <p:bldLst>
+      <p:bldP spid="3" grpId="0" build="p"/>
+    </p:bldLst>
+  </p:timing>
+</p:sld>
+</file>
+
+<file path=ppt/slides/slide20.xml><?xml version="1.0" encoding="utf-8"?>
 <p:sld xmlns:a="http://schemas.openxmlformats.org/drawingml/2006/main" xmlns:r="http://schemas.openxmlformats.org/officeDocument/2006/relationships" xmlns:p="http://schemas.openxmlformats.org/presentationml/2006/main">
   <p:cSld>
     <p:spTree>
@@ -9285,8 +10381,8 @@
         </p:nvSpPr>
         <p:spPr>
           <a:xfrm>
-            <a:off x="1445701" y="355344"/>
-            <a:ext cx="6255774" cy="939236"/>
+            <a:off x="1445702" y="355345"/>
+            <a:ext cx="7261213" cy="958190"/>
           </a:xfrm>
         </p:spPr>
         <p:txBody>
@@ -9294,10 +10390,14 @@
           <a:lstStyle/>
           <a:p>
             <a:r>
-              <a:rPr lang="en-US" sz="4000" dirty="0" smtClean="0"/>
-              <a:t>Axioms of Set Theory</a:t>
-            </a:r>
-            <a:endParaRPr lang="en-US" sz="4000" dirty="0"/>
+              <a:rPr lang="en-US" dirty="0" smtClean="0"/>
+              <a:t>Some Axioms </a:t>
+            </a:r>
+            <a:r>
+              <a:rPr lang="en-US" dirty="0" smtClean="0"/>
+              <a:t>of Set Theory</a:t>
+            </a:r>
+            <a:endParaRPr lang="en-US" dirty="0"/>
           </a:p>
         </p:txBody>
       </p:sp>
@@ -9316,19 +10416,19 @@
           </p:nvPr>
         </p:nvGraphicFramePr>
         <p:xfrm>
-          <a:off x="268918" y="2172541"/>
+          <a:off x="268919" y="2172542"/>
           <a:ext cx="8496252" cy="860518"/>
         </p:xfrm>
         <a:graphic>
           <a:graphicData uri="http://schemas.openxmlformats.org/presentationml/2006/ole">
             <mc:AlternateContent xmlns:mc="http://schemas.openxmlformats.org/markup-compatibility/2006">
               <mc:Choice xmlns:v="urn:schemas-microsoft-com:vml" Requires="v">
-                <p:oleObj spid="_x0000_s1158" name="Equation" r:id="rId4" imgW="2133600" imgH="215900" progId="Equation.DSMT4">
+                <p:oleObj spid="_x0000_s1163" name="Equation" r:id="rId5" imgW="2133600" imgH="215900" progId="Equation.DSMT4">
                   <p:embed/>
                 </p:oleObj>
               </mc:Choice>
               <mc:Fallback>
-                <p:oleObj name="Equation" r:id="rId4" imgW="2133600" imgH="215900" progId="Equation.DSMT4">
+                <p:oleObj name="Equation" r:id="rId5" imgW="2133600" imgH="215900" progId="Equation.DSMT4">
                   <p:embed/>
                   <p:pic>
                     <p:nvPicPr>
@@ -9339,7 +10439,7 @@
                       <p:nvPr/>
                     </p:nvPicPr>
                     <p:blipFill>
-                      <a:blip r:embed="rId5"/>
+                      <a:blip r:embed="rId6"/>
                       <a:srcRect/>
                       <a:stretch>
                         <a:fillRect/>
@@ -9347,7 +10447,7 @@
                     </p:blipFill>
                     <p:spPr bwMode="auto">
                       <a:xfrm>
-                        <a:off x="268918" y="2172541"/>
+                        <a:off x="268919" y="2172542"/>
                         <a:ext cx="8496252" cy="860518"/>
                       </a:xfrm>
                       <a:prstGeom prst="rect">
@@ -9370,7 +10470,7 @@
         </p:nvSpPr>
         <p:spPr>
           <a:xfrm>
-            <a:off x="365921" y="1528185"/>
+            <a:off x="365922" y="1528186"/>
             <a:ext cx="1903085" cy="646331"/>
           </a:xfrm>
           <a:prstGeom prst="rect">
@@ -9402,7 +10502,7 @@
         </p:nvSpPr>
         <p:spPr>
           <a:xfrm>
-            <a:off x="486034" y="3319487"/>
+            <a:off x="486035" y="3319488"/>
             <a:ext cx="2291463" cy="646331"/>
           </a:xfrm>
           <a:prstGeom prst="rect">
@@ -9441,19 +10541,19 @@
           </p:nvPr>
         </p:nvGraphicFramePr>
         <p:xfrm>
-          <a:off x="565150" y="3917950"/>
+          <a:off x="565151" y="3917951"/>
           <a:ext cx="7192963" cy="1001713"/>
         </p:xfrm>
         <a:graphic>
           <a:graphicData uri="http://schemas.openxmlformats.org/presentationml/2006/ole">
             <mc:AlternateContent xmlns:mc="http://schemas.openxmlformats.org/markup-compatibility/2006">
               <mc:Choice xmlns:v="urn:schemas-microsoft-com:vml" Requires="v">
-                <p:oleObj spid="_x0000_s1159" name="Equation" r:id="rId6" imgW="1549400" imgH="215900" progId="Equation.DSMT4">
+                <p:oleObj spid="_x0000_s1164" name="Equation" r:id="rId7" imgW="1549400" imgH="215900" progId="Equation.DSMT4">
                   <p:embed/>
                 </p:oleObj>
               </mc:Choice>
               <mc:Fallback>
-                <p:oleObj name="Equation" r:id="rId6" imgW="1549400" imgH="215900" progId="Equation.DSMT4">
+                <p:oleObj name="Equation" r:id="rId7" imgW="1549400" imgH="215900" progId="Equation.DSMT4">
                   <p:embed/>
                   <p:pic>
                     <p:nvPicPr>
@@ -9464,7 +10564,7 @@
                       <p:nvPr/>
                     </p:nvPicPr>
                     <p:blipFill>
-                      <a:blip r:embed="rId7"/>
+                      <a:blip r:embed="rId8"/>
                       <a:srcRect/>
                       <a:stretch>
                         <a:fillRect/>
@@ -9472,7 +10572,7 @@
                     </p:blipFill>
                     <p:spPr bwMode="auto">
                       <a:xfrm>
-                        <a:off x="565150" y="3917950"/>
+                        <a:off x="565151" y="3917951"/>
                         <a:ext cx="7192963" cy="1001713"/>
                       </a:xfrm>
                       <a:prstGeom prst="rect">
@@ -9761,123 +10861,6 @@
 </p:sld>
 </file>
 
-<file path=ppt/slides/slide20.xml><?xml version="1.0" encoding="utf-8"?>
-<p:sld xmlns:a="http://schemas.openxmlformats.org/drawingml/2006/main" xmlns:r="http://schemas.openxmlformats.org/officeDocument/2006/relationships" xmlns:p="http://schemas.openxmlformats.org/presentationml/2006/main">
-  <p:cSld>
-    <p:spTree>
-      <p:nvGrpSpPr>
-        <p:cNvPr id="1" name=""/>
-        <p:cNvGrpSpPr/>
-        <p:nvPr/>
-      </p:nvGrpSpPr>
-      <p:grpSpPr>
-        <a:xfrm>
-          <a:off x="0" y="0"/>
-          <a:ext cx="0" cy="0"/>
-          <a:chOff x="0" y="0"/>
-          <a:chExt cx="0" cy="0"/>
-        </a:xfrm>
-      </p:grpSpPr>
-      <p:sp>
-        <p:nvSpPr>
-          <p:cNvPr id="2" name="Title 1"/>
-          <p:cNvSpPr>
-            <a:spLocks noGrp="1"/>
-          </p:cNvSpPr>
-          <p:nvPr>
-            <p:ph type="title"/>
-          </p:nvPr>
-        </p:nvSpPr>
-        <p:spPr/>
-        <p:txBody>
-          <a:bodyPr/>
-          <a:lstStyle/>
-          <a:p>
-            <a:r>
-              <a:rPr lang="en-US" dirty="0" smtClean="0"/>
-              <a:t>Zermelo-Frankel Set Theory</a:t>
-            </a:r>
-            <a:endParaRPr lang="en-US" dirty="0"/>
-          </a:p>
-        </p:txBody>
-      </p:sp>
-      <p:sp>
-        <p:nvSpPr>
-          <p:cNvPr id="3" name="Content Placeholder 2"/>
-          <p:cNvSpPr>
-            <a:spLocks noGrp="1"/>
-          </p:cNvSpPr>
-          <p:nvPr>
-            <p:ph idx="1"/>
-          </p:nvPr>
-        </p:nvSpPr>
-        <p:spPr>
-          <a:xfrm>
-            <a:off x="541020" y="1712913"/>
-            <a:ext cx="8023860" cy="3392487"/>
-          </a:xfrm>
-        </p:spPr>
-        <p:txBody>
-          <a:bodyPr/>
-          <a:lstStyle/>
-          <a:p>
-            <a:r>
-              <a:rPr lang="en-US" sz="4400" dirty="0" smtClean="0"/>
-              <a:t>No simple answer, but the </a:t>
-            </a:r>
-          </a:p>
-          <a:p>
-            <a:r>
-              <a:rPr lang="en-US" sz="4400" dirty="0" smtClean="0"/>
-              <a:t>axioms of Zermelo-Frankel </a:t>
-            </a:r>
-          </a:p>
-          <a:p>
-            <a:r>
-              <a:rPr lang="en-US" sz="4400" dirty="0" smtClean="0"/>
-              <a:t>along with the Choice axiom </a:t>
-            </a:r>
-          </a:p>
-          <a:p>
-            <a:r>
-              <a:rPr lang="en-US" sz="4400" dirty="0" smtClean="0"/>
-              <a:t>(ZFC) do a pretty good job.</a:t>
-            </a:r>
-          </a:p>
-        </p:txBody>
-      </p:sp>
-    </p:spTree>
-    <p:extLst>
-      <p:ext uri="{BB962C8B-B14F-4D97-AF65-F5344CB8AC3E}">
-        <p14:creationId xmlns:p14="http://schemas.microsoft.com/office/powerpoint/2010/main" val="864476078"/>
-      </p:ext>
-    </p:extLst>
-  </p:cSld>
-  <p:clrMapOvr>
-    <a:masterClrMapping/>
-  </p:clrMapOvr>
-  <mc:AlternateContent xmlns:mc="http://schemas.openxmlformats.org/markup-compatibility/2006">
-    <mc:Choice xmlns:p14="http://schemas.microsoft.com/office/powerpoint/2010/main" Requires="p14">
-      <p:transition spd="slow" p14:dur="800" advClick="0">
-        <p:fade thruBlk="1"/>
-      </p:transition>
-    </mc:Choice>
-    <mc:Fallback>
-      <p:transition xmlns:p14="http://schemas.microsoft.com/office/powerpoint/2010/main" spd="slow" advClick="0">
-        <p:fade thruBlk="1"/>
-      </p:transition>
-    </mc:Fallback>
-  </mc:AlternateContent>
-  <p:timing>
-    <p:tnLst>
-      <p:par>
-        <p:cTn xmlns:p14="http://schemas.microsoft.com/office/powerpoint/2010/main" id="1" dur="indefinite" restart="never" nodeType="tmRoot"/>
-      </p:par>
-    </p:tnLst>
-  </p:timing>
-</p:sld>
-</file>
-
 <file path=ppt/slides/slide21.xml><?xml version="1.0" encoding="utf-8"?>
 <p:sld xmlns:a="http://schemas.openxmlformats.org/drawingml/2006/main" xmlns:r="http://schemas.openxmlformats.org/officeDocument/2006/relationships" xmlns:p="http://schemas.openxmlformats.org/presentationml/2006/main">
   <p:cSld>
@@ -9907,7 +10890,7 @@
         </p:nvSpPr>
         <p:spPr>
           <a:xfrm>
-            <a:off x="457200" y="1600200"/>
+            <a:off x="457200" y="1600201"/>
             <a:ext cx="8481141" cy="4577051"/>
           </a:xfrm>
         </p:spPr>
@@ -9996,13 +10979,13 @@
   <p:clrMapOvr>
     <a:masterClrMapping/>
   </p:clrMapOvr>
-  <mc:AlternateContent xmlns:mc="http://schemas.openxmlformats.org/markup-compatibility/2006">
-    <mc:Choice xmlns:p14="http://schemas.microsoft.com/office/powerpoint/2010/main" Requires="p14">
+  <mc:AlternateContent xmlns:mc="http://schemas.openxmlformats.org/markup-compatibility/2006" xmlns:p14="http://schemas.microsoft.com/office/powerpoint/2010/main">
+    <mc:Choice Requires="p14">
       <p:transition spd="slow" p14:dur="900" advClick="0">
         <p:fade/>
       </p:transition>
     </mc:Choice>
-    <mc:Fallback>
+    <mc:Fallback xmlns="">
       <p:transition xmlns:p14="http://schemas.microsoft.com/office/powerpoint/2010/main" spd="slow" advClick="0">
         <p:fade/>
       </p:transition>
@@ -10192,7 +11175,7 @@
         </p:nvSpPr>
         <p:spPr>
           <a:xfrm>
-            <a:off x="400048" y="1557337"/>
+            <a:off x="400049" y="1557337"/>
             <a:ext cx="8358188" cy="3714750"/>
           </a:xfrm>
         </p:spPr>
@@ -10297,13 +11280,13 @@
   <p:clrMapOvr>
     <a:masterClrMapping/>
   </p:clrMapOvr>
-  <mc:AlternateContent xmlns:mc="http://schemas.openxmlformats.org/markup-compatibility/2006">
-    <mc:Choice xmlns:p14="http://schemas.microsoft.com/office/powerpoint/2010/main" Requires="p14">
+  <mc:AlternateContent xmlns:mc="http://schemas.openxmlformats.org/markup-compatibility/2006" xmlns:p14="http://schemas.microsoft.com/office/powerpoint/2010/main">
+    <mc:Choice Requires="p14">
       <p:transition spd="slow" p14:dur="900" advClick="0">
         <p:fade/>
       </p:transition>
     </mc:Choice>
-    <mc:Fallback>
+    <mc:Fallback xmlns="">
       <p:transition xmlns:p14="http://schemas.microsoft.com/office/powerpoint/2010/main" spd="slow" advClick="0">
         <p:fade/>
       </p:transition>
@@ -10452,7 +11435,7 @@
         </p:nvSpPr>
         <p:spPr bwMode="auto">
           <a:xfrm>
-            <a:off x="1076325" y="1338274"/>
+            <a:off x="1076326" y="1338274"/>
             <a:ext cx="885825" cy="1335087"/>
           </a:xfrm>
           <a:prstGeom prst="ellipse">
@@ -10487,7 +11470,7 @@
         </p:nvSpPr>
         <p:spPr bwMode="auto">
           <a:xfrm>
-            <a:off x="4781233" y="1376374"/>
+            <a:off x="4781234" y="1376375"/>
             <a:ext cx="911225" cy="1957387"/>
           </a:xfrm>
           <a:prstGeom prst="ellipse">
@@ -10527,14 +11510,14 @@
           </p:nvPr>
         </p:nvGraphicFramePr>
         <p:xfrm>
-          <a:off x="4776788" y="1362075"/>
+          <a:off x="4776789" y="1362076"/>
           <a:ext cx="3259137" cy="1778000"/>
         </p:xfrm>
         <a:graphic>
           <a:graphicData uri="http://schemas.openxmlformats.org/presentationml/2006/ole">
             <mc:AlternateContent xmlns:mc="http://schemas.openxmlformats.org/markup-compatibility/2006">
               <mc:Choice xmlns:v="urn:schemas-microsoft-com:vml" Requires="v">
-                <p:oleObj spid="_x0000_s56558" name="Equation" r:id="rId4" imgW="698500" imgH="381000" progId="Equation.DSMT4">
+                <p:oleObj spid="_x0000_s56567" name="Equation" r:id="rId4" imgW="698500" imgH="381000" progId="Equation.DSMT4">
                   <p:embed/>
                 </p:oleObj>
               </mc:Choice>
@@ -10558,7 +11541,7 @@
                     </p:blipFill>
                     <p:spPr bwMode="auto">
                       <a:xfrm>
-                        <a:off x="4776788" y="1362075"/>
+                        <a:off x="4776789" y="1362076"/>
                         <a:ext cx="3259137" cy="1778000"/>
                       </a:xfrm>
                       <a:prstGeom prst="rect">
@@ -10592,7 +11575,7 @@
         </p:nvSpPr>
         <p:spPr bwMode="auto">
           <a:xfrm>
-            <a:off x="1133475" y="3595370"/>
+            <a:off x="1133477" y="3595371"/>
             <a:ext cx="784225" cy="1335088"/>
           </a:xfrm>
           <a:prstGeom prst="ellipse">
@@ -10627,7 +11610,7 @@
         </p:nvSpPr>
         <p:spPr bwMode="auto">
           <a:xfrm>
-            <a:off x="4800910" y="3429000"/>
+            <a:off x="4800911" y="3429000"/>
             <a:ext cx="1000125" cy="2122488"/>
           </a:xfrm>
           <a:prstGeom prst="ellipse">
@@ -10674,7 +11657,7 @@
           <a:graphicData uri="http://schemas.openxmlformats.org/presentationml/2006/ole">
             <mc:AlternateContent xmlns:mc="http://schemas.openxmlformats.org/markup-compatibility/2006">
               <mc:Choice xmlns:v="urn:schemas-microsoft-com:vml" Requires="v">
-                <p:oleObj spid="_x0000_s56559" name="Equation" r:id="rId6" imgW="977900" imgH="330200" progId="Equation.DSMT4">
+                <p:oleObj spid="_x0000_s56568" name="Equation" r:id="rId6" imgW="977900" imgH="330200" progId="Equation.DSMT4">
                   <p:embed/>
                 </p:oleObj>
               </mc:Choice>
@@ -10744,7 +11727,7 @@
           <a:graphicData uri="http://schemas.openxmlformats.org/presentationml/2006/ole">
             <mc:AlternateContent xmlns:mc="http://schemas.openxmlformats.org/markup-compatibility/2006">
               <mc:Choice xmlns:v="urn:schemas-microsoft-com:vml" Requires="v">
-                <p:oleObj spid="_x0000_s56560" name="Equation" r:id="rId8" imgW="965200" imgH="330200" progId="Equation.DSMT4">
+                <p:oleObj spid="_x0000_s56569" name="Equation" r:id="rId8" imgW="965200" imgH="330200" progId="Equation.DSMT4">
                   <p:embed/>
                 </p:oleObj>
               </mc:Choice>
@@ -10807,14 +11790,14 @@
           </p:nvPr>
         </p:nvGraphicFramePr>
         <p:xfrm>
-          <a:off x="4833938" y="3602038"/>
-          <a:ext cx="3016250" cy="1773237"/>
+          <a:off x="4833937" y="3602039"/>
+          <a:ext cx="3016251" cy="1773237"/>
         </p:xfrm>
         <a:graphic>
           <a:graphicData uri="http://schemas.openxmlformats.org/presentationml/2006/ole">
             <mc:AlternateContent xmlns:mc="http://schemas.openxmlformats.org/markup-compatibility/2006">
               <mc:Choice xmlns:v="urn:schemas-microsoft-com:vml" Requires="v">
-                <p:oleObj spid="_x0000_s56561" name="Equation" r:id="rId10" imgW="647700" imgH="381000" progId="Equation.DSMT4">
+                <p:oleObj spid="_x0000_s56570" name="Equation" r:id="rId10" imgW="647700" imgH="381000" progId="Equation.DSMT4">
                   <p:embed/>
                 </p:oleObj>
               </mc:Choice>
@@ -10838,8 +11821,8 @@
                     </p:blipFill>
                     <p:spPr bwMode="auto">
                       <a:xfrm>
-                        <a:off x="4833938" y="3602038"/>
-                        <a:ext cx="3016250" cy="1773237"/>
+                        <a:off x="4833937" y="3602039"/>
+                        <a:ext cx="3016251" cy="1773237"/>
                       </a:xfrm>
                       <a:prstGeom prst="rect">
                         <a:avLst/>
@@ -11277,8 +12260,8 @@
         </p:nvSpPr>
         <p:spPr bwMode="auto">
           <a:xfrm>
-            <a:off x="1832307" y="5078901"/>
-            <a:ext cx="5479385" cy="923330"/>
+            <a:off x="1832309" y="5078901"/>
+            <a:ext cx="5478821" cy="923330"/>
           </a:xfrm>
           <a:prstGeom prst="rect">
             <a:avLst/>
@@ -11322,14 +12305,14 @@
           </p:nvPr>
         </p:nvGraphicFramePr>
         <p:xfrm>
-          <a:off x="1017588" y="2889250"/>
+          <a:off x="1017589" y="2889251"/>
           <a:ext cx="7108825" cy="1895475"/>
         </p:xfrm>
         <a:graphic>
           <a:graphicData uri="http://schemas.openxmlformats.org/presentationml/2006/ole">
             <mc:AlternateContent xmlns:mc="http://schemas.openxmlformats.org/markup-compatibility/2006">
               <mc:Choice xmlns:v="urn:schemas-microsoft-com:vml" Requires="v">
-                <p:oleObj spid="_x0000_s57476" name="Equation" r:id="rId4" imgW="1524000" imgH="406400" progId="Equation.DSMT4">
+                <p:oleObj spid="_x0000_s57481" name="Equation" r:id="rId4" imgW="1524000" imgH="406400" progId="Equation.DSMT4">
                   <p:embed/>
                 </p:oleObj>
               </mc:Choice>
@@ -11353,7 +12336,7 @@
                     </p:blipFill>
                     <p:spPr bwMode="auto">
                       <a:xfrm>
-                        <a:off x="1017588" y="2889250"/>
+                        <a:off x="1017589" y="2889251"/>
                         <a:ext cx="7108825" cy="1895475"/>
                       </a:xfrm>
                       <a:prstGeom prst="rect">
@@ -11386,14 +12369,14 @@
           <p:nvPr/>
         </p:nvGraphicFramePr>
         <p:xfrm>
-          <a:off x="1070973" y="1394309"/>
+          <a:off x="1070974" y="1394310"/>
           <a:ext cx="7041937" cy="1356703"/>
         </p:xfrm>
         <a:graphic>
           <a:graphicData uri="http://schemas.openxmlformats.org/presentationml/2006/ole">
             <mc:AlternateContent xmlns:mc="http://schemas.openxmlformats.org/markup-compatibility/2006">
               <mc:Choice xmlns:v="urn:schemas-microsoft-com:vml" Requires="v">
-                <p:oleObj spid="_x0000_s57477" name="Equation" r:id="rId6" imgW="1384200" imgH="266400" progId="Equation.DSMT4">
+                <p:oleObj spid="_x0000_s57482" name="Equation" r:id="rId6" imgW="1384200" imgH="266400" progId="Equation.DSMT4">
                   <p:embed/>
                 </p:oleObj>
               </mc:Choice>
@@ -11423,7 +12406,7 @@
                     </p:blipFill>
                     <p:spPr bwMode="auto">
                       <a:xfrm>
-                        <a:off x="1070973" y="1394309"/>
+                        <a:off x="1070974" y="1394310"/>
                         <a:ext cx="7041937" cy="1356703"/>
                       </a:xfrm>
                       <a:prstGeom prst="rect">
@@ -11576,8 +12559,8 @@
         </p:nvSpPr>
         <p:spPr>
           <a:xfrm>
-            <a:off x="241905" y="1374625"/>
-            <a:ext cx="8660190" cy="2055963"/>
+            <a:off x="241906" y="1374626"/>
+            <a:ext cx="8660191" cy="2055963"/>
           </a:xfrm>
         </p:spPr>
         <p:txBody>
@@ -11654,7 +12637,7 @@
         </p:nvGrpSpPr>
         <p:grpSpPr>
           <a:xfrm>
-            <a:off x="1197415" y="3245150"/>
+            <a:off x="1197415" y="3245151"/>
             <a:ext cx="6756400" cy="2598241"/>
             <a:chOff x="508000" y="3124200"/>
             <a:chExt cx="6756400" cy="2598241"/>
@@ -12814,7 +13797,7 @@
         </p:nvGrpSpPr>
         <p:grpSpPr>
           <a:xfrm>
-            <a:off x="1197415" y="3245150"/>
+            <a:off x="1197415" y="3245151"/>
             <a:ext cx="6756400" cy="2598241"/>
             <a:chOff x="508000" y="3124200"/>
             <a:chExt cx="6756400" cy="2598241"/>
@@ -13862,7 +14845,7 @@
         </p:nvSpPr>
         <p:spPr>
           <a:xfrm>
-            <a:off x="369888" y="1435100"/>
+            <a:off x="369888" y="1435101"/>
             <a:ext cx="8520112" cy="1841500"/>
           </a:xfrm>
         </p:spPr>
@@ -13947,13 +14930,13 @@
   <p:clrMapOvr>
     <a:masterClrMapping/>
   </p:clrMapOvr>
-  <mc:AlternateContent xmlns:mc="http://schemas.openxmlformats.org/markup-compatibility/2006">
-    <mc:Choice xmlns:p14="http://schemas.microsoft.com/office/powerpoint/2010/main" Requires="p14">
+  <mc:AlternateContent xmlns:mc="http://schemas.openxmlformats.org/markup-compatibility/2006" xmlns:p14="http://schemas.microsoft.com/office/powerpoint/2010/main">
+    <mc:Choice Requires="p14">
       <p:transition spd="slow" p14:dur="900" advClick="0">
         <p:fade/>
       </p:transition>
     </mc:Choice>
-    <mc:Fallback>
+    <mc:Fallback xmlns="">
       <p:transition xmlns:p14="http://schemas.microsoft.com/office/powerpoint/2010/main" spd="slow" advClick="0">
         <p:fade/>
       </p:transition>
@@ -13994,7 +14977,7 @@
         </p:nvGrpSpPr>
         <p:grpSpPr>
           <a:xfrm>
-            <a:off x="1197415" y="3245150"/>
+            <a:off x="1197415" y="3245151"/>
             <a:ext cx="6756400" cy="2598241"/>
             <a:chOff x="1197415" y="3245150"/>
             <a:chExt cx="6756400" cy="2598241"/>
@@ -14934,7 +15917,7 @@
         </p:nvSpPr>
         <p:spPr>
           <a:xfrm>
-            <a:off x="369888" y="1435100"/>
+            <a:off x="369888" y="1435101"/>
             <a:ext cx="8520112" cy="1841500"/>
           </a:xfrm>
         </p:spPr>
@@ -14989,9 +15972,9 @@
         </p:nvGrpSpPr>
         <p:grpSpPr>
           <a:xfrm>
-            <a:off x="2803965" y="3245150"/>
+            <a:off x="2803965" y="3245151"/>
             <a:ext cx="2182723" cy="723900"/>
-            <a:chOff x="2803965" y="3245150"/>
+            <a:chOff x="2803964" y="3245151"/>
             <a:chExt cx="2182723" cy="723900"/>
           </a:xfrm>
         </p:grpSpPr>
@@ -15005,8 +15988,8 @@
           </p:nvCxnSpPr>
           <p:spPr>
             <a:xfrm flipV="1">
-              <a:off x="4981411" y="3270550"/>
-              <a:ext cx="5277" cy="698500"/>
+              <a:off x="4981411" y="3270551"/>
+              <a:ext cx="5276" cy="698500"/>
             </a:xfrm>
             <a:prstGeom prst="straightConnector1">
               <a:avLst/>
@@ -15044,7 +16027,7 @@
           </p:nvCxnSpPr>
           <p:spPr>
             <a:xfrm>
-              <a:off x="2814988" y="3245150"/>
+              <a:off x="2814987" y="3245151"/>
               <a:ext cx="2171700" cy="25400"/>
             </a:xfrm>
             <a:prstGeom prst="straightConnector1">
@@ -15083,7 +16066,7 @@
           </p:nvCxnSpPr>
           <p:spPr>
             <a:xfrm flipV="1">
-              <a:off x="2803965" y="3245150"/>
+              <a:off x="2803964" y="3245151"/>
               <a:ext cx="11023" cy="482600"/>
             </a:xfrm>
             <a:prstGeom prst="straightConnector1">
@@ -15151,13 +16134,13 @@
   <p:clrMapOvr>
     <a:masterClrMapping/>
   </p:clrMapOvr>
-  <mc:AlternateContent xmlns:mc="http://schemas.openxmlformats.org/markup-compatibility/2006">
-    <mc:Choice xmlns:p14="http://schemas.microsoft.com/office/powerpoint/2010/main" Requires="p14">
+  <mc:AlternateContent xmlns:mc="http://schemas.openxmlformats.org/markup-compatibility/2006" xmlns:p14="http://schemas.microsoft.com/office/powerpoint/2010/main">
+    <mc:Choice Requires="p14">
       <p:transition spd="slow" p14:dur="900" advClick="0">
         <p:fade/>
       </p:transition>
     </mc:Choice>
-    <mc:Fallback>
+    <mc:Fallback xmlns="">
       <p:transition xmlns:p14="http://schemas.microsoft.com/office/powerpoint/2010/main" spd="slow" advClick="0">
         <p:fade/>
       </p:transition>
@@ -15277,7 +16260,7 @@
         </p:nvGrpSpPr>
         <p:grpSpPr>
           <a:xfrm>
-            <a:off x="1197415" y="3245150"/>
+            <a:off x="1197415" y="3245151"/>
             <a:ext cx="6756400" cy="2598241"/>
             <a:chOff x="1197415" y="3245150"/>
             <a:chExt cx="6756400" cy="2598241"/>
@@ -16217,7 +17200,7 @@
         </p:nvSpPr>
         <p:spPr>
           <a:xfrm>
-            <a:off x="369888" y="1435100"/>
+            <a:off x="369888" y="1435101"/>
             <a:ext cx="8520112" cy="1841500"/>
           </a:xfrm>
         </p:spPr>
@@ -16283,10 +17266,10 @@
         </p:nvGrpSpPr>
         <p:grpSpPr>
           <a:xfrm>
-            <a:off x="2803965" y="3245150"/>
-            <a:ext cx="2182723" cy="723900"/>
-            <a:chOff x="2803965" y="3245150"/>
-            <a:chExt cx="2182723" cy="723900"/>
+            <a:off x="2803965" y="3245151"/>
+            <a:ext cx="2182723" cy="723899"/>
+            <a:chOff x="2803964" y="3245151"/>
+            <a:chExt cx="2182723" cy="723899"/>
           </a:xfrm>
         </p:grpSpPr>
         <p:cxnSp>
@@ -16299,8 +17282,8 @@
           </p:nvCxnSpPr>
           <p:spPr>
             <a:xfrm flipV="1">
-              <a:off x="4981411" y="3270550"/>
-              <a:ext cx="5277" cy="698500"/>
+              <a:off x="4981411" y="3270551"/>
+              <a:ext cx="5276" cy="698499"/>
             </a:xfrm>
             <a:prstGeom prst="straightConnector1">
               <a:avLst/>
@@ -16338,7 +17321,7 @@
           </p:nvCxnSpPr>
           <p:spPr>
             <a:xfrm>
-              <a:off x="2814988" y="3245150"/>
+              <a:off x="2814987" y="3245151"/>
               <a:ext cx="2171700" cy="25400"/>
             </a:xfrm>
             <a:prstGeom prst="straightConnector1">
@@ -16377,7 +17360,7 @@
           </p:nvCxnSpPr>
           <p:spPr>
             <a:xfrm flipV="1">
-              <a:off x="2803965" y="3245150"/>
+              <a:off x="2803964" y="3245151"/>
               <a:ext cx="11023" cy="482600"/>
             </a:xfrm>
             <a:prstGeom prst="straightConnector1">
@@ -16445,13 +17428,13 @@
   <p:clrMapOvr>
     <a:masterClrMapping/>
   </p:clrMapOvr>
-  <mc:AlternateContent xmlns:mc="http://schemas.openxmlformats.org/markup-compatibility/2006">
-    <mc:Choice xmlns:p14="http://schemas.microsoft.com/office/powerpoint/2010/main" Requires="p14">
+  <mc:AlternateContent xmlns:mc="http://schemas.openxmlformats.org/markup-compatibility/2006" xmlns:p14="http://schemas.microsoft.com/office/powerpoint/2010/main">
+    <mc:Choice Requires="p14">
       <p:transition spd="slow" p14:dur="900" advClick="0">
         <p:fade/>
       </p:transition>
     </mc:Choice>
-    <mc:Fallback>
+    <mc:Fallback xmlns="">
       <p:transition xmlns:p14="http://schemas.microsoft.com/office/powerpoint/2010/main" spd="slow" advClick="0">
         <p:fade/>
       </p:transition>
@@ -16643,7 +17626,7 @@
         </p:nvGrpSpPr>
         <p:grpSpPr>
           <a:xfrm>
-            <a:off x="1197415" y="3245150"/>
+            <a:off x="1197415" y="3245151"/>
             <a:ext cx="6756400" cy="2598241"/>
             <a:chOff x="1197415" y="3245150"/>
             <a:chExt cx="6756400" cy="2598241"/>
@@ -17583,7 +18566,7 @@
         </p:nvSpPr>
         <p:spPr>
           <a:xfrm>
-            <a:off x="369888" y="1435100"/>
+            <a:off x="369888" y="1435101"/>
             <a:ext cx="8520112" cy="1841500"/>
           </a:xfrm>
         </p:spPr>
@@ -17678,10 +18661,10 @@
         </p:nvGrpSpPr>
         <p:grpSpPr>
           <a:xfrm>
-            <a:off x="2803965" y="3245150"/>
-            <a:ext cx="2182723" cy="723900"/>
-            <a:chOff x="2803965" y="3245150"/>
-            <a:chExt cx="2182723" cy="723900"/>
+            <a:off x="2803965" y="3245151"/>
+            <a:ext cx="2182723" cy="723899"/>
+            <a:chOff x="2803964" y="3245151"/>
+            <a:chExt cx="2182723" cy="723899"/>
           </a:xfrm>
         </p:grpSpPr>
         <p:cxnSp>
@@ -17694,8 +18677,8 @@
           </p:nvCxnSpPr>
           <p:spPr>
             <a:xfrm flipV="1">
-              <a:off x="4981411" y="3270550"/>
-              <a:ext cx="5277" cy="698500"/>
+              <a:off x="4981411" y="3270551"/>
+              <a:ext cx="5276" cy="698499"/>
             </a:xfrm>
             <a:prstGeom prst="straightConnector1">
               <a:avLst/>
@@ -17733,7 +18716,7 @@
           </p:nvCxnSpPr>
           <p:spPr>
             <a:xfrm>
-              <a:off x="2814988" y="3245150"/>
+              <a:off x="2814987" y="3245151"/>
               <a:ext cx="2171700" cy="25400"/>
             </a:xfrm>
             <a:prstGeom prst="straightConnector1">
@@ -17772,7 +18755,7 @@
           </p:nvCxnSpPr>
           <p:spPr>
             <a:xfrm flipV="1">
-              <a:off x="2803965" y="3245150"/>
+              <a:off x="2803964" y="3245151"/>
               <a:ext cx="11023" cy="482600"/>
             </a:xfrm>
             <a:prstGeom prst="straightConnector1">
@@ -17840,13 +18823,13 @@
   <p:clrMapOvr>
     <a:masterClrMapping/>
   </p:clrMapOvr>
-  <mc:AlternateContent xmlns:mc="http://schemas.openxmlformats.org/markup-compatibility/2006">
-    <mc:Choice xmlns:p14="http://schemas.microsoft.com/office/powerpoint/2010/main" Requires="p14">
+  <mc:AlternateContent xmlns:mc="http://schemas.openxmlformats.org/markup-compatibility/2006" xmlns:p14="http://schemas.microsoft.com/office/powerpoint/2010/main">
+    <mc:Choice Requires="p14">
       <p:transition spd="slow" p14:dur="900" advClick="0">
         <p:fade/>
       </p:transition>
     </mc:Choice>
-    <mc:Fallback>
+    <mc:Fallback xmlns="">
       <p:transition xmlns:p14="http://schemas.microsoft.com/office/powerpoint/2010/main" spd="slow" advClick="0">
         <p:fade/>
       </p:transition>
@@ -17889,31 +18872,31 @@
 
 <file path=ppt/tags/tag2.xml><?xml version="1.0" encoding="utf-8"?>
 <p:tagLst xmlns:a="http://schemas.openxmlformats.org/drawingml/2006/main" xmlns:r="http://schemas.openxmlformats.org/officeDocument/2006/relationships" xmlns:p="http://schemas.openxmlformats.org/presentationml/2006/main">
-  <p:tag name="TIMING" val="|91.8|1.5|35.8|16.4"/>
+  <p:tag name="TIMING" val="|99.7|7.9|10.1|7.7"/>
 </p:tagLst>
 </file>
 
 <file path=ppt/tags/tag3.xml><?xml version="1.0" encoding="utf-8"?>
 <p:tagLst xmlns:a="http://schemas.openxmlformats.org/drawingml/2006/main" xmlns:r="http://schemas.openxmlformats.org/officeDocument/2006/relationships" xmlns:p="http://schemas.openxmlformats.org/presentationml/2006/main">
-  <p:tag name="TIMING" val="|99.7|7.9|10.1|7.7"/>
+  <p:tag name="TIMING" val="|2.9"/>
 </p:tagLst>
 </file>
 
 <file path=ppt/tags/tag4.xml><?xml version="1.0" encoding="utf-8"?>
 <p:tagLst xmlns:a="http://schemas.openxmlformats.org/drawingml/2006/main" xmlns:r="http://schemas.openxmlformats.org/officeDocument/2006/relationships" xmlns:p="http://schemas.openxmlformats.org/presentationml/2006/main">
-  <p:tag name="TIMING" val="|2.9"/>
+  <p:tag name="TIMING" val="|9|6.9|18.6"/>
 </p:tagLst>
 </file>
 
 <file path=ppt/tags/tag5.xml><?xml version="1.0" encoding="utf-8"?>
 <p:tagLst xmlns:a="http://schemas.openxmlformats.org/drawingml/2006/main" xmlns:r="http://schemas.openxmlformats.org/officeDocument/2006/relationships" xmlns:p="http://schemas.openxmlformats.org/presentationml/2006/main">
-  <p:tag name="TIMING" val="|9|6.9|18.6"/>
+  <p:tag name="TIMING" val="|50.8"/>
 </p:tagLst>
 </file>
 
 <file path=ppt/tags/tag6.xml><?xml version="1.0" encoding="utf-8"?>
 <p:tagLst xmlns:a="http://schemas.openxmlformats.org/drawingml/2006/main" xmlns:r="http://schemas.openxmlformats.org/officeDocument/2006/relationships" xmlns:p="http://schemas.openxmlformats.org/presentationml/2006/main">
-  <p:tag name="TIMING" val="|50.8"/>
+  <p:tag name="TIMING" val="|91.8|1.5|35.8|16.4"/>
 </p:tagLst>
 </file>
 
